--- a/gesture_recognition.pptx
+++ b/gesture_recognition.pptx
@@ -9,20 +9,24 @@
     <p:sldId id="257" r:id="rId6"/>
     <p:sldId id="258" r:id="rId7"/>
     <p:sldId id="259" r:id="rId8"/>
-    <p:sldId id="260" r:id="rId9"/>
-    <p:sldId id="261" r:id="rId10"/>
-    <p:sldId id="262" r:id="rId11"/>
-    <p:sldId id="263" r:id="rId12"/>
-    <p:sldId id="264" r:id="rId13"/>
-    <p:sldId id="265" r:id="rId14"/>
-    <p:sldId id="266" r:id="rId15"/>
-    <p:sldId id="267" r:id="rId16"/>
-    <p:sldId id="268" r:id="rId17"/>
-    <p:sldId id="270" r:id="rId18"/>
-    <p:sldId id="269" r:id="rId19"/>
-    <p:sldId id="271" r:id="rId20"/>
-    <p:sldId id="272" r:id="rId21"/>
-    <p:sldId id="273" r:id="rId22"/>
+    <p:sldId id="280" r:id="rId9"/>
+    <p:sldId id="260" r:id="rId10"/>
+    <p:sldId id="261" r:id="rId11"/>
+    <p:sldId id="262" r:id="rId12"/>
+    <p:sldId id="263" r:id="rId13"/>
+    <p:sldId id="264" r:id="rId14"/>
+    <p:sldId id="265" r:id="rId15"/>
+    <p:sldId id="274" r:id="rId16"/>
+    <p:sldId id="275" r:id="rId17"/>
+    <p:sldId id="277" r:id="rId18"/>
+    <p:sldId id="276" r:id="rId19"/>
+    <p:sldId id="270" r:id="rId20"/>
+    <p:sldId id="278" r:id="rId21"/>
+    <p:sldId id="279" r:id="rId22"/>
+    <p:sldId id="269" r:id="rId23"/>
+    <p:sldId id="271" r:id="rId24"/>
+    <p:sldId id="272" r:id="rId25"/>
+    <p:sldId id="273" r:id="rId26"/>
   </p:sldIdLst>
   <p:sldSz cx="12192000" cy="6858000"/>
   <p:notesSz cx="6858000" cy="9144000"/>
@@ -121,7 +125,288 @@
       </a:defRPr>
     </a:lvl9pPr>
   </p:defaultTextStyle>
+  <p:extLst>
+    <p:ext uri="{521415D9-36F7-43E2-AB2F-B90AF26B5E84}">
+      <p14:sectionLst xmlns:p14="http://schemas.microsoft.com/office/powerpoint/2010/main">
+        <p14:section name="Standardabschnitt" id="{B2F12491-BB24-40B5-8667-DDC29AF88E14}">
+          <p14:sldIdLst>
+            <p14:sldId id="256"/>
+            <p14:sldId id="257"/>
+            <p14:sldId id="258"/>
+            <p14:sldId id="259"/>
+          </p14:sldIdLst>
+        </p14:section>
+        <p14:section name="Segmentierung" id="{7E295DCB-EC2A-4C5E-9C76-B61DFE00E8F7}">
+          <p14:sldIdLst>
+            <p14:sldId id="280"/>
+            <p14:sldId id="260"/>
+            <p14:sldId id="261"/>
+            <p14:sldId id="262"/>
+            <p14:sldId id="263"/>
+            <p14:sldId id="264"/>
+            <p14:sldId id="265"/>
+            <p14:sldId id="274"/>
+            <p14:sldId id="275"/>
+            <p14:sldId id="277"/>
+            <p14:sldId id="276"/>
+          </p14:sldIdLst>
+        </p14:section>
+        <p14:section name="Gestenerkennung" id="{8BB851A4-44BC-47B7-873D-14AA70B85179}">
+          <p14:sldIdLst>
+            <p14:sldId id="270"/>
+            <p14:sldId id="278"/>
+            <p14:sldId id="279"/>
+            <p14:sldId id="269"/>
+            <p14:sldId id="271"/>
+            <p14:sldId id="272"/>
+          </p14:sldIdLst>
+        </p14:section>
+        <p14:section name="Demo" id="{742D2275-8686-405F-8E4B-83E33C646D6A}">
+          <p14:sldIdLst>
+            <p14:sldId id="273"/>
+          </p14:sldIdLst>
+        </p14:section>
+      </p14:sectionLst>
+    </p:ext>
+    <p:ext uri="{EFAFB233-063F-42B5-8137-9DF3F51BA10A}">
+      <p15:sldGuideLst xmlns:p15="http://schemas.microsoft.com/office/powerpoint/2012/main"/>
+    </p:ext>
+  </p:extLst>
 </p:presentation>
+</file>
+
+<file path=ppt/changesInfos/changesInfo1.xml><?xml version="1.0" encoding="utf-8"?>
+<pc:chgInfo xmlns:a="http://schemas.openxmlformats.org/drawingml/2006/main" xmlns:r="http://schemas.openxmlformats.org/officeDocument/2006/relationships" xmlns:ac="http://schemas.microsoft.com/office/drawing/2013/main/command" xmlns:pc="http://schemas.microsoft.com/office/powerpoint/2013/main/command">
+  <pc:docChgLst>
+    <pc:chgData name="Julien Räker" userId="f703576a-8f1c-4667-8516-689ca4152980" providerId="ADAL" clId="{279AF8AD-ED70-48EF-94D6-722EBF423A23}"/>
+    <pc:docChg chg="custSel modSld">
+      <pc:chgData name="Julien Räker" userId="f703576a-8f1c-4667-8516-689ca4152980" providerId="ADAL" clId="{279AF8AD-ED70-48EF-94D6-722EBF423A23}" dt="2020-01-21T18:05:40.287" v="1260" actId="20577"/>
+      <pc:docMkLst>
+        <pc:docMk/>
+      </pc:docMkLst>
+      <pc:sldChg chg="modSp">
+        <pc:chgData name="Julien Räker" userId="f703576a-8f1c-4667-8516-689ca4152980" providerId="ADAL" clId="{279AF8AD-ED70-48EF-94D6-722EBF423A23}" dt="2020-01-21T17:55:22.470" v="223" actId="20577"/>
+        <pc:sldMkLst>
+          <pc:docMk/>
+          <pc:sldMk cId="3055773712" sldId="257"/>
+        </pc:sldMkLst>
+        <pc:spChg chg="mod">
+          <ac:chgData name="Julien Räker" userId="f703576a-8f1c-4667-8516-689ca4152980" providerId="ADAL" clId="{279AF8AD-ED70-48EF-94D6-722EBF423A23}" dt="2020-01-21T17:53:54.819" v="25" actId="20577"/>
+          <ac:spMkLst>
+            <pc:docMk/>
+            <pc:sldMk cId="3055773712" sldId="257"/>
+            <ac:spMk id="2" creationId="{C4569660-225A-4851-8A46-8371A515AB0C}"/>
+          </ac:spMkLst>
+        </pc:spChg>
+        <pc:spChg chg="mod">
+          <ac:chgData name="Julien Räker" userId="f703576a-8f1c-4667-8516-689ca4152980" providerId="ADAL" clId="{279AF8AD-ED70-48EF-94D6-722EBF423A23}" dt="2020-01-21T17:55:22.470" v="223" actId="20577"/>
+          <ac:spMkLst>
+            <pc:docMk/>
+            <pc:sldMk cId="3055773712" sldId="257"/>
+            <ac:spMk id="3" creationId="{A570A51B-FB42-48E1-8B42-A1793A5A928B}"/>
+          </ac:spMkLst>
+        </pc:spChg>
+      </pc:sldChg>
+      <pc:sldChg chg="modSp">
+        <pc:chgData name="Julien Räker" userId="f703576a-8f1c-4667-8516-689ca4152980" providerId="ADAL" clId="{279AF8AD-ED70-48EF-94D6-722EBF423A23}" dt="2020-01-21T17:57:47.692" v="415" actId="20577"/>
+        <pc:sldMkLst>
+          <pc:docMk/>
+          <pc:sldMk cId="2193758624" sldId="258"/>
+        </pc:sldMkLst>
+        <pc:spChg chg="mod">
+          <ac:chgData name="Julien Räker" userId="f703576a-8f1c-4667-8516-689ca4152980" providerId="ADAL" clId="{279AF8AD-ED70-48EF-94D6-722EBF423A23}" dt="2020-01-21T17:55:32.755" v="238" actId="20577"/>
+          <ac:spMkLst>
+            <pc:docMk/>
+            <pc:sldMk cId="2193758624" sldId="258"/>
+            <ac:spMk id="2" creationId="{3BFA08E3-B5CB-4492-A933-8E2B82B8524A}"/>
+          </ac:spMkLst>
+        </pc:spChg>
+        <pc:spChg chg="mod">
+          <ac:chgData name="Julien Räker" userId="f703576a-8f1c-4667-8516-689ca4152980" providerId="ADAL" clId="{279AF8AD-ED70-48EF-94D6-722EBF423A23}" dt="2020-01-21T17:57:47.692" v="415" actId="20577"/>
+          <ac:spMkLst>
+            <pc:docMk/>
+            <pc:sldMk cId="2193758624" sldId="258"/>
+            <ac:spMk id="3" creationId="{720B3467-E693-4654-B5DB-5B01375DFB3F}"/>
+          </ac:spMkLst>
+        </pc:spChg>
+      </pc:sldChg>
+      <pc:sldChg chg="modSp">
+        <pc:chgData name="Julien Räker" userId="f703576a-8f1c-4667-8516-689ca4152980" providerId="ADAL" clId="{279AF8AD-ED70-48EF-94D6-722EBF423A23}" dt="2020-01-21T17:58:36.599" v="500" actId="20577"/>
+        <pc:sldMkLst>
+          <pc:docMk/>
+          <pc:sldMk cId="1521990099" sldId="259"/>
+        </pc:sldMkLst>
+        <pc:spChg chg="mod">
+          <ac:chgData name="Julien Räker" userId="f703576a-8f1c-4667-8516-689ca4152980" providerId="ADAL" clId="{279AF8AD-ED70-48EF-94D6-722EBF423A23}" dt="2020-01-21T17:57:56.362" v="432" actId="20577"/>
+          <ac:spMkLst>
+            <pc:docMk/>
+            <pc:sldMk cId="1521990099" sldId="259"/>
+            <ac:spMk id="2" creationId="{040F19B1-52EA-465B-9A20-08A2914039FD}"/>
+          </ac:spMkLst>
+        </pc:spChg>
+        <pc:spChg chg="mod">
+          <ac:chgData name="Julien Räker" userId="f703576a-8f1c-4667-8516-689ca4152980" providerId="ADAL" clId="{279AF8AD-ED70-48EF-94D6-722EBF423A23}" dt="2020-01-21T17:58:36.599" v="500" actId="20577"/>
+          <ac:spMkLst>
+            <pc:docMk/>
+            <pc:sldMk cId="1521990099" sldId="259"/>
+            <ac:spMk id="3" creationId="{9D122486-33EF-47F4-841F-1906A2A717EA}"/>
+          </ac:spMkLst>
+        </pc:spChg>
+      </pc:sldChg>
+      <pc:sldChg chg="modSp">
+        <pc:chgData name="Julien Räker" userId="f703576a-8f1c-4667-8516-689ca4152980" providerId="ADAL" clId="{279AF8AD-ED70-48EF-94D6-722EBF423A23}" dt="2020-01-21T17:58:56.512" v="535" actId="20577"/>
+        <pc:sldMkLst>
+          <pc:docMk/>
+          <pc:sldMk cId="4011837298" sldId="260"/>
+        </pc:sldMkLst>
+        <pc:spChg chg="mod">
+          <ac:chgData name="Julien Räker" userId="f703576a-8f1c-4667-8516-689ca4152980" providerId="ADAL" clId="{279AF8AD-ED70-48EF-94D6-722EBF423A23}" dt="2020-01-21T17:58:56.512" v="535" actId="20577"/>
+          <ac:spMkLst>
+            <pc:docMk/>
+            <pc:sldMk cId="4011837298" sldId="260"/>
+            <ac:spMk id="2" creationId="{37D4AB2A-34A8-4B2A-AB96-6BB32E119EF3}"/>
+          </ac:spMkLst>
+        </pc:spChg>
+      </pc:sldChg>
+      <pc:sldChg chg="modSp">
+        <pc:chgData name="Julien Räker" userId="f703576a-8f1c-4667-8516-689ca4152980" providerId="ADAL" clId="{279AF8AD-ED70-48EF-94D6-722EBF423A23}" dt="2020-01-21T17:59:10.570" v="558" actId="20577"/>
+        <pc:sldMkLst>
+          <pc:docMk/>
+          <pc:sldMk cId="712588021" sldId="261"/>
+        </pc:sldMkLst>
+        <pc:spChg chg="mod">
+          <ac:chgData name="Julien Räker" userId="f703576a-8f1c-4667-8516-689ca4152980" providerId="ADAL" clId="{279AF8AD-ED70-48EF-94D6-722EBF423A23}" dt="2020-01-21T17:59:10.570" v="558" actId="20577"/>
+          <ac:spMkLst>
+            <pc:docMk/>
+            <pc:sldMk cId="712588021" sldId="261"/>
+            <ac:spMk id="2" creationId="{D6B1C9ED-F07B-4194-AD5C-2243A720F292}"/>
+          </ac:spMkLst>
+        </pc:spChg>
+      </pc:sldChg>
+      <pc:sldChg chg="modSp">
+        <pc:chgData name="Julien Räker" userId="f703576a-8f1c-4667-8516-689ca4152980" providerId="ADAL" clId="{279AF8AD-ED70-48EF-94D6-722EBF423A23}" dt="2020-01-21T17:59:31.859" v="602" actId="20577"/>
+        <pc:sldMkLst>
+          <pc:docMk/>
+          <pc:sldMk cId="3646002518" sldId="262"/>
+        </pc:sldMkLst>
+        <pc:spChg chg="mod">
+          <ac:chgData name="Julien Räker" userId="f703576a-8f1c-4667-8516-689ca4152980" providerId="ADAL" clId="{279AF8AD-ED70-48EF-94D6-722EBF423A23}" dt="2020-01-21T17:59:31.859" v="602" actId="20577"/>
+          <ac:spMkLst>
+            <pc:docMk/>
+            <pc:sldMk cId="3646002518" sldId="262"/>
+            <ac:spMk id="2" creationId="{4DAB6E64-6785-45BB-AC2C-2CAC212A8755}"/>
+          </ac:spMkLst>
+        </pc:spChg>
+      </pc:sldChg>
+      <pc:sldChg chg="modSp">
+        <pc:chgData name="Julien Räker" userId="f703576a-8f1c-4667-8516-689ca4152980" providerId="ADAL" clId="{279AF8AD-ED70-48EF-94D6-722EBF423A23}" dt="2020-01-21T18:00:12.377" v="712" actId="20577"/>
+        <pc:sldMkLst>
+          <pc:docMk/>
+          <pc:sldMk cId="3291533081" sldId="263"/>
+        </pc:sldMkLst>
+        <pc:spChg chg="mod">
+          <ac:chgData name="Julien Räker" userId="f703576a-8f1c-4667-8516-689ca4152980" providerId="ADAL" clId="{279AF8AD-ED70-48EF-94D6-722EBF423A23}" dt="2020-01-21T17:59:42.705" v="615" actId="20577"/>
+          <ac:spMkLst>
+            <pc:docMk/>
+            <pc:sldMk cId="3291533081" sldId="263"/>
+            <ac:spMk id="2" creationId="{020E37CE-70FE-41CA-B7E1-EBD26958AD04}"/>
+          </ac:spMkLst>
+        </pc:spChg>
+        <pc:spChg chg="mod">
+          <ac:chgData name="Julien Räker" userId="f703576a-8f1c-4667-8516-689ca4152980" providerId="ADAL" clId="{279AF8AD-ED70-48EF-94D6-722EBF423A23}" dt="2020-01-21T18:00:12.377" v="712" actId="20577"/>
+          <ac:spMkLst>
+            <pc:docMk/>
+            <pc:sldMk cId="3291533081" sldId="263"/>
+            <ac:spMk id="3" creationId="{92A6E969-F633-45CC-8BBB-7593B57043A7}"/>
+          </ac:spMkLst>
+        </pc:spChg>
+      </pc:sldChg>
+      <pc:sldChg chg="modSp">
+        <pc:chgData name="Julien Räker" userId="f703576a-8f1c-4667-8516-689ca4152980" providerId="ADAL" clId="{279AF8AD-ED70-48EF-94D6-722EBF423A23}" dt="2020-01-21T18:00:33.658" v="743" actId="20577"/>
+        <pc:sldMkLst>
+          <pc:docMk/>
+          <pc:sldMk cId="1957000218" sldId="264"/>
+        </pc:sldMkLst>
+        <pc:spChg chg="mod">
+          <ac:chgData name="Julien Räker" userId="f703576a-8f1c-4667-8516-689ca4152980" providerId="ADAL" clId="{279AF8AD-ED70-48EF-94D6-722EBF423A23}" dt="2020-01-21T18:00:33.658" v="743" actId="20577"/>
+          <ac:spMkLst>
+            <pc:docMk/>
+            <pc:sldMk cId="1957000218" sldId="264"/>
+            <ac:spMk id="2" creationId="{3D2066B7-3496-4FA8-90D2-1C7F1B90E46E}"/>
+          </ac:spMkLst>
+        </pc:spChg>
+      </pc:sldChg>
+      <pc:sldChg chg="modSp">
+        <pc:chgData name="Julien Räker" userId="f703576a-8f1c-4667-8516-689ca4152980" providerId="ADAL" clId="{279AF8AD-ED70-48EF-94D6-722EBF423A23}" dt="2020-01-21T18:00:41.107" v="755" actId="20577"/>
+        <pc:sldMkLst>
+          <pc:docMk/>
+          <pc:sldMk cId="1888371391" sldId="265"/>
+        </pc:sldMkLst>
+        <pc:spChg chg="mod">
+          <ac:chgData name="Julien Räker" userId="f703576a-8f1c-4667-8516-689ca4152980" providerId="ADAL" clId="{279AF8AD-ED70-48EF-94D6-722EBF423A23}" dt="2020-01-21T18:00:41.107" v="755" actId="20577"/>
+          <ac:spMkLst>
+            <pc:docMk/>
+            <pc:sldMk cId="1888371391" sldId="265"/>
+            <ac:spMk id="2" creationId="{FE2F1749-A280-47B6-A57E-8C96147DFE2F}"/>
+          </ac:spMkLst>
+        </pc:spChg>
+      </pc:sldChg>
+      <pc:sldChg chg="modSp">
+        <pc:chgData name="Julien Räker" userId="f703576a-8f1c-4667-8516-689ca4152980" providerId="ADAL" clId="{279AF8AD-ED70-48EF-94D6-722EBF423A23}" dt="2020-01-21T18:03:40.903" v="982" actId="20577"/>
+        <pc:sldMkLst>
+          <pc:docMk/>
+          <pc:sldMk cId="1011547283" sldId="269"/>
+        </pc:sldMkLst>
+        <pc:spChg chg="mod">
+          <ac:chgData name="Julien Räker" userId="f703576a-8f1c-4667-8516-689ca4152980" providerId="ADAL" clId="{279AF8AD-ED70-48EF-94D6-722EBF423A23}" dt="2020-01-21T18:03:40.903" v="982" actId="20577"/>
+          <ac:spMkLst>
+            <pc:docMk/>
+            <pc:sldMk cId="1011547283" sldId="269"/>
+            <ac:spMk id="3" creationId="{D9D97966-40B3-4D37-BA7D-608025084265}"/>
+          </ac:spMkLst>
+        </pc:spChg>
+      </pc:sldChg>
+      <pc:sldChg chg="modSp">
+        <pc:chgData name="Julien Räker" userId="f703576a-8f1c-4667-8516-689ca4152980" providerId="ADAL" clId="{279AF8AD-ED70-48EF-94D6-722EBF423A23}" dt="2020-01-21T18:04:56.477" v="1202" actId="20577"/>
+        <pc:sldMkLst>
+          <pc:docMk/>
+          <pc:sldMk cId="383444743" sldId="271"/>
+        </pc:sldMkLst>
+        <pc:spChg chg="mod">
+          <ac:chgData name="Julien Räker" userId="f703576a-8f1c-4667-8516-689ca4152980" providerId="ADAL" clId="{279AF8AD-ED70-48EF-94D6-722EBF423A23}" dt="2020-01-21T18:04:56.477" v="1202" actId="20577"/>
+          <ac:spMkLst>
+            <pc:docMk/>
+            <pc:sldMk cId="383444743" sldId="271"/>
+            <ac:spMk id="3" creationId="{B7A80C4B-3030-4B85-AC6C-9D68ABF68B71}"/>
+          </ac:spMkLst>
+        </pc:spChg>
+      </pc:sldChg>
+      <pc:sldChg chg="modSp">
+        <pc:chgData name="Julien Räker" userId="f703576a-8f1c-4667-8516-689ca4152980" providerId="ADAL" clId="{279AF8AD-ED70-48EF-94D6-722EBF423A23}" dt="2020-01-21T18:05:40.287" v="1260" actId="20577"/>
+        <pc:sldMkLst>
+          <pc:docMk/>
+          <pc:sldMk cId="479086456" sldId="272"/>
+        </pc:sldMkLst>
+        <pc:spChg chg="mod">
+          <ac:chgData name="Julien Räker" userId="f703576a-8f1c-4667-8516-689ca4152980" providerId="ADAL" clId="{279AF8AD-ED70-48EF-94D6-722EBF423A23}" dt="2020-01-21T18:05:14.602" v="1231" actId="20577"/>
+          <ac:spMkLst>
+            <pc:docMk/>
+            <pc:sldMk cId="479086456" sldId="272"/>
+            <ac:spMk id="2" creationId="{865A0312-22D1-41FF-A1B0-3A79F6780865}"/>
+          </ac:spMkLst>
+        </pc:spChg>
+        <pc:spChg chg="mod">
+          <ac:chgData name="Julien Räker" userId="f703576a-8f1c-4667-8516-689ca4152980" providerId="ADAL" clId="{279AF8AD-ED70-48EF-94D6-722EBF423A23}" dt="2020-01-21T18:05:40.287" v="1260" actId="20577"/>
+          <ac:spMkLst>
+            <pc:docMk/>
+            <pc:sldMk cId="479086456" sldId="272"/>
+            <ac:spMk id="3" creationId="{7D47AA47-2D94-44C1-AA82-DF4A83F84737}"/>
+          </ac:spMkLst>
+        </pc:spChg>
+      </pc:sldChg>
+    </pc:docChg>
+  </pc:docChgLst>
+</pc:chgInfo>
 </file>
 
 <file path=ppt/slideLayouts/slideLayout1.xml><?xml version="1.0" encoding="utf-8"?>
@@ -294,7 +579,7 @@
             <a:fld id="{87DE6118-2437-4B30-8E3C-4D2BE6020583}" type="datetimeFigureOut">
               <a:rPr lang="en-US" dirty="0"/>
               <a:pPr/>
-              <a:t>1/20/2020</a:t>
+              <a:t>1/21/2020</a:t>
             </a:fld>
             <a:endParaRPr lang="en-US" dirty="0"/>
           </a:p>
@@ -620,7 +905,7 @@
           <a:p>
             <a:fld id="{87DE6118-2437-4B30-8E3C-4D2BE6020583}" type="datetimeFigureOut">
               <a:rPr lang="en-US" dirty="0"/>
-              <a:t>1/20/2020</a:t>
+              <a:t>1/21/2020</a:t>
             </a:fld>
             <a:endParaRPr lang="en-US" dirty="0"/>
           </a:p>
@@ -795,7 +1080,7 @@
           <a:p>
             <a:fld id="{87DE6118-2437-4B30-8E3C-4D2BE6020583}" type="datetimeFigureOut">
               <a:rPr lang="en-US" dirty="0"/>
-              <a:t>1/20/2020</a:t>
+              <a:t>1/21/2020</a:t>
             </a:fld>
             <a:endParaRPr lang="en-US" dirty="0"/>
           </a:p>
@@ -960,7 +1245,7 @@
           <a:p>
             <a:fld id="{87DE6118-2437-4B30-8E3C-4D2BE6020583}" type="datetimeFigureOut">
               <a:rPr lang="en-US" dirty="0"/>
-              <a:t>1/20/2020</a:t>
+              <a:t>1/21/2020</a:t>
             </a:fld>
             <a:endParaRPr lang="en-US" dirty="0"/>
           </a:p>
@@ -1233,7 +1518,7 @@
             <a:fld id="{87DE6118-2437-4B30-8E3C-4D2BE6020583}" type="datetimeFigureOut">
               <a:rPr lang="en-US" dirty="0"/>
               <a:pPr/>
-              <a:t>1/20/2020</a:t>
+              <a:t>1/21/2020</a:t>
             </a:fld>
             <a:endParaRPr lang="en-US" dirty="0"/>
           </a:p>
@@ -1623,7 +1908,7 @@
           <a:p>
             <a:fld id="{87DE6118-2437-4B30-8E3C-4D2BE6020583}" type="datetimeFigureOut">
               <a:rPr lang="en-US" dirty="0"/>
-              <a:t>1/20/2020</a:t>
+              <a:t>1/21/2020</a:t>
             </a:fld>
             <a:endParaRPr lang="en-US" dirty="0"/>
           </a:p>
@@ -2095,7 +2380,7 @@
           <a:p>
             <a:fld id="{87DE6118-2437-4B30-8E3C-4D2BE6020583}" type="datetimeFigureOut">
               <a:rPr lang="en-US" dirty="0"/>
-              <a:t>1/20/2020</a:t>
+              <a:t>1/21/2020</a:t>
             </a:fld>
             <a:endParaRPr lang="en-US" dirty="0"/>
           </a:p>
@@ -2208,7 +2493,7 @@
           <a:p>
             <a:fld id="{87DE6118-2437-4B30-8E3C-4D2BE6020583}" type="datetimeFigureOut">
               <a:rPr lang="en-US" dirty="0"/>
-              <a:t>1/20/2020</a:t>
+              <a:t>1/21/2020</a:t>
             </a:fld>
             <a:endParaRPr lang="en-US" dirty="0"/>
           </a:p>
@@ -2298,7 +2583,7 @@
           <a:p>
             <a:fld id="{87DE6118-2437-4B30-8E3C-4D2BE6020583}" type="datetimeFigureOut">
               <a:rPr lang="en-US" dirty="0"/>
-              <a:t>1/20/2020</a:t>
+              <a:t>1/21/2020</a:t>
             </a:fld>
             <a:endParaRPr lang="en-US" dirty="0"/>
           </a:p>
@@ -2640,7 +2925,7 @@
             <a:fld id="{87DE6118-2437-4B30-8E3C-4D2BE6020583}" type="datetimeFigureOut">
               <a:rPr lang="en-US" dirty="0"/>
               <a:pPr/>
-              <a:t>1/20/2020</a:t>
+              <a:t>1/21/2020</a:t>
             </a:fld>
             <a:endParaRPr lang="en-US" dirty="0"/>
           </a:p>
@@ -3025,7 +3310,7 @@
             <a:fld id="{87DE6118-2437-4B30-8E3C-4D2BE6020583}" type="datetimeFigureOut">
               <a:rPr lang="en-US" dirty="0"/>
               <a:pPr/>
-              <a:t>1/20/2020</a:t>
+              <a:t>1/21/2020</a:t>
             </a:fld>
             <a:endParaRPr lang="en-US" dirty="0"/>
           </a:p>
@@ -3300,7 +3585,7 @@
             <a:fld id="{87DE6118-2437-4B30-8E3C-4D2BE6020583}" type="datetimeFigureOut">
               <a:rPr lang="en-US" dirty="0"/>
               <a:pPr/>
-              <a:t>1/20/2020</a:t>
+              <a:t>1/21/2020</a:t>
             </a:fld>
             <a:endParaRPr lang="en-US" dirty="0"/>
           </a:p>
@@ -3742,7 +4027,7 @@
       </a:lvl9pPr>
     </p:otherStyle>
   </p:txStyles>
-  <p:extLst mod="1">
+  <p:extLst>
     <p:ext uri="{27BBF7A9-308A-43DC-89C8-2F10F3537804}">
       <p15:sldGuideLst xmlns:p15="http://schemas.microsoft.com/office/powerpoint/2012/main">
         <p15:guide id="3" orient="horz" pos="1368">
@@ -3794,6 +4079,14 @@
 <file path=ppt/slides/slide1.xml><?xml version="1.0" encoding="utf-8"?>
 <p:sld xmlns:a="http://schemas.openxmlformats.org/drawingml/2006/main" xmlns:r="http://schemas.openxmlformats.org/officeDocument/2006/relationships" xmlns:p="http://schemas.openxmlformats.org/presentationml/2006/main">
   <p:cSld>
+    <p:bg>
+      <p:bgPr>
+        <a:solidFill>
+          <a:schemeClr val="bg2"/>
+        </a:solidFill>
+        <a:effectLst/>
+      </p:bgPr>
+    </p:bg>
     <p:spTree>
       <p:nvGrpSpPr>
         <p:cNvPr id="1" name=""/>
@@ -3808,6 +4101,279 @@
           <a:chExt cx="0" cy="0"/>
         </a:xfrm>
       </p:grpSpPr>
+      <p:sp useBgFill="1">
+        <p:nvSpPr>
+          <p:cNvPr id="16" name="Rectangle 7">
+            <a:extLst>
+              <a:ext uri="{FF2B5EF4-FFF2-40B4-BE49-F238E27FC236}">
+                <a16:creationId xmlns:a16="http://schemas.microsoft.com/office/drawing/2014/main" id="{EC2B4A13-0632-456F-A66A-2D0CDB9D30AE}"/>
+              </a:ext>
+              <a:ext uri="{C183D7F6-B498-43B3-948B-1728B52AA6E4}">
+                <adec:decorative xmlns:adec="http://schemas.microsoft.com/office/drawing/2017/decorative" val="1"/>
+              </a:ext>
+            </a:extLst>
+          </p:cNvPr>
+          <p:cNvSpPr>
+            <a:spLocks noGrp="1" noRot="1" noChangeAspect="1" noMove="1" noResize="1" noEditPoints="1" noAdjustHandles="1" noChangeArrowheads="1" noChangeShapeType="1" noTextEdit="1"/>
+          </p:cNvSpPr>
+          <p:nvPr>
+            <p:extLst>
+              <p:ext uri="{386F3935-93C4-4BCD-93E2-E3B085C9AB24}">
+                <p16:designElem xmlns:p16="http://schemas.microsoft.com/office/powerpoint/2015/main" val="1"/>
+              </p:ext>
+            </p:extLst>
+          </p:nvPr>
+        </p:nvSpPr>
+        <p:spPr>
+          <a:xfrm>
+            <a:off x="0" y="0"/>
+            <a:ext cx="12192000" cy="6858000"/>
+          </a:xfrm>
+          <a:prstGeom prst="rect">
+            <a:avLst/>
+          </a:prstGeom>
+          <a:ln>
+            <a:noFill/>
+          </a:ln>
+        </p:spPr>
+        <p:style>
+          <a:lnRef idx="2">
+            <a:schemeClr val="accent1">
+              <a:shade val="50000"/>
+            </a:schemeClr>
+          </a:lnRef>
+          <a:fillRef idx="1001">
+            <a:schemeClr val="lt2"/>
+          </a:fillRef>
+          <a:effectRef idx="0">
+            <a:schemeClr val="accent1"/>
+          </a:effectRef>
+          <a:fontRef idx="minor">
+            <a:schemeClr val="lt1"/>
+          </a:fontRef>
+        </p:style>
+        <p:txBody>
+          <a:bodyPr rtlCol="0" anchor="ctr"/>
+          <a:lstStyle/>
+          <a:p>
+            <a:pPr algn="ctr"/>
+            <a:endParaRPr lang="en-US"/>
+          </a:p>
+        </p:txBody>
+      </p:sp>
+      <p:sp>
+        <p:nvSpPr>
+          <p:cNvPr id="17" name="Freeform: Shape 9">
+            <a:extLst>
+              <a:ext uri="{FF2B5EF4-FFF2-40B4-BE49-F238E27FC236}">
+                <a16:creationId xmlns:a16="http://schemas.microsoft.com/office/drawing/2014/main" id="{1568A552-34C4-41D2-A36B-9E86EC569E10}"/>
+              </a:ext>
+              <a:ext uri="{C183D7F6-B498-43B3-948B-1728B52AA6E4}">
+                <adec:decorative xmlns:adec="http://schemas.microsoft.com/office/drawing/2017/decorative" val="1"/>
+              </a:ext>
+            </a:extLst>
+          </p:cNvPr>
+          <p:cNvSpPr>
+            <a:spLocks noGrp="1" noRot="1" noChangeAspect="1" noMove="1" noResize="1" noEditPoints="1" noAdjustHandles="1" noChangeArrowheads="1" noChangeShapeType="1" noTextEdit="1"/>
+          </p:cNvSpPr>
+          <p:nvPr>
+            <p:extLst>
+              <p:ext uri="{386F3935-93C4-4BCD-93E2-E3B085C9AB24}">
+                <p16:designElem xmlns:p16="http://schemas.microsoft.com/office/powerpoint/2015/main" val="1"/>
+              </p:ext>
+            </p:extLst>
+          </p:nvPr>
+        </p:nvSpPr>
+        <p:spPr bwMode="auto">
+          <a:xfrm rot="5400000" flipH="1">
+            <a:off x="1730653" y="-921117"/>
+            <a:ext cx="1756584" cy="4408488"/>
+          </a:xfrm>
+          <a:custGeom>
+            <a:avLst/>
+            <a:gdLst>
+              <a:gd name="connsiteX0" fmla="*/ 1756584 w 1756584"/>
+              <a:gd name="connsiteY0" fmla="*/ 4408488 h 4408488"/>
+              <a:gd name="connsiteX1" fmla="*/ 1756584 w 1756584"/>
+              <a:gd name="connsiteY1" fmla="*/ 0 h 4408488"/>
+              <a:gd name="connsiteX2" fmla="*/ 1350810 w 1756584"/>
+              <a:gd name="connsiteY2" fmla="*/ 0 h 4408488"/>
+              <a:gd name="connsiteX3" fmla="*/ 1350810 w 1756584"/>
+              <a:gd name="connsiteY3" fmla="*/ 4024068 h 4408488"/>
+              <a:gd name="connsiteX4" fmla="*/ 0 w 1756584"/>
+              <a:gd name="connsiteY4" fmla="*/ 4023445 h 4408488"/>
+              <a:gd name="connsiteX5" fmla="*/ 0 w 1756584"/>
+              <a:gd name="connsiteY5" fmla="*/ 4408488 h 4408488"/>
+            </a:gdLst>
+            <a:ahLst/>
+            <a:cxnLst>
+              <a:cxn ang="0">
+                <a:pos x="connsiteX0" y="connsiteY0"/>
+              </a:cxn>
+              <a:cxn ang="0">
+                <a:pos x="connsiteX1" y="connsiteY1"/>
+              </a:cxn>
+              <a:cxn ang="0">
+                <a:pos x="connsiteX2" y="connsiteY2"/>
+              </a:cxn>
+              <a:cxn ang="0">
+                <a:pos x="connsiteX3" y="connsiteY3"/>
+              </a:cxn>
+              <a:cxn ang="0">
+                <a:pos x="connsiteX4" y="connsiteY4"/>
+              </a:cxn>
+              <a:cxn ang="0">
+                <a:pos x="connsiteX5" y="connsiteY5"/>
+              </a:cxn>
+            </a:cxnLst>
+            <a:rect l="l" t="t" r="r" b="b"/>
+            <a:pathLst>
+              <a:path w="1756584" h="4408488">
+                <a:moveTo>
+                  <a:pt x="1756584" y="4408488"/>
+                </a:moveTo>
+                <a:lnTo>
+                  <a:pt x="1756584" y="0"/>
+                </a:lnTo>
+                <a:lnTo>
+                  <a:pt x="1350810" y="0"/>
+                </a:lnTo>
+                <a:lnTo>
+                  <a:pt x="1350810" y="4024068"/>
+                </a:lnTo>
+                <a:lnTo>
+                  <a:pt x="0" y="4023445"/>
+                </a:lnTo>
+                <a:lnTo>
+                  <a:pt x="0" y="4408488"/>
+                </a:lnTo>
+                <a:close/>
+              </a:path>
+            </a:pathLst>
+          </a:custGeom>
+          <a:solidFill>
+            <a:schemeClr val="tx2"/>
+          </a:solidFill>
+          <a:ln w="0">
+            <a:noFill/>
+            <a:prstDash val="solid"/>
+            <a:round/>
+            <a:headEnd/>
+            <a:tailEnd/>
+          </a:ln>
+        </p:spPr>
+        <p:txBody>
+          <a:bodyPr wrap="square">
+            <a:noAutofit/>
+          </a:bodyPr>
+          <a:lstStyle/>
+          <a:p>
+            <a:endParaRPr lang="en-US" dirty="0"/>
+          </a:p>
+        </p:txBody>
+      </p:sp>
+      <p:sp>
+        <p:nvSpPr>
+          <p:cNvPr id="12" name="Freeform: Shape 11">
+            <a:extLst>
+              <a:ext uri="{FF2B5EF4-FFF2-40B4-BE49-F238E27FC236}">
+                <a16:creationId xmlns:a16="http://schemas.microsoft.com/office/drawing/2014/main" id="{B8BE655E-142C-41C9-895E-54D55EDDAF85}"/>
+              </a:ext>
+              <a:ext uri="{C183D7F6-B498-43B3-948B-1728B52AA6E4}">
+                <adec:decorative xmlns:adec="http://schemas.microsoft.com/office/drawing/2017/decorative" val="1"/>
+              </a:ext>
+            </a:extLst>
+          </p:cNvPr>
+          <p:cNvSpPr>
+            <a:spLocks noGrp="1" noRot="1" noChangeAspect="1" noMove="1" noResize="1" noEditPoints="1" noAdjustHandles="1" noChangeArrowheads="1" noChangeShapeType="1" noTextEdit="1"/>
+          </p:cNvSpPr>
+          <p:nvPr>
+            <p:extLst>
+              <p:ext uri="{386F3935-93C4-4BCD-93E2-E3B085C9AB24}">
+                <p16:designElem xmlns:p16="http://schemas.microsoft.com/office/powerpoint/2015/main" val="1"/>
+              </p:ext>
+            </p:extLst>
+          </p:nvPr>
+        </p:nvSpPr>
+        <p:spPr bwMode="auto">
+          <a:xfrm rot="5400000" flipV="1">
+            <a:off x="8673443" y="2182330"/>
+            <a:ext cx="1755930" cy="4408488"/>
+          </a:xfrm>
+          <a:custGeom>
+            <a:avLst/>
+            <a:gdLst>
+              <a:gd name="connsiteX0" fmla="*/ 0 w 1755930"/>
+              <a:gd name="connsiteY0" fmla="*/ 4023420 h 4408488"/>
+              <a:gd name="connsiteX1" fmla="*/ 1 w 1755930"/>
+              <a:gd name="connsiteY1" fmla="*/ 4408488 h 4408488"/>
+              <a:gd name="connsiteX2" fmla="*/ 1755930 w 1755930"/>
+              <a:gd name="connsiteY2" fmla="*/ 4408488 h 4408488"/>
+              <a:gd name="connsiteX3" fmla="*/ 1755930 w 1755930"/>
+              <a:gd name="connsiteY3" fmla="*/ 0 h 4408488"/>
+              <a:gd name="connsiteX4" fmla="*/ 1350156 w 1755930"/>
+              <a:gd name="connsiteY4" fmla="*/ 0 h 4408488"/>
+              <a:gd name="connsiteX5" fmla="*/ 1350156 w 1755930"/>
+              <a:gd name="connsiteY5" fmla="*/ 4023628 h 4408488"/>
+            </a:gdLst>
+            <a:ahLst/>
+            <a:cxnLst>
+              <a:cxn ang="0">
+                <a:pos x="connsiteX0" y="connsiteY0"/>
+              </a:cxn>
+              <a:cxn ang="0">
+                <a:pos x="connsiteX1" y="connsiteY1"/>
+              </a:cxn>
+              <a:cxn ang="0">
+                <a:pos x="connsiteX2" y="connsiteY2"/>
+              </a:cxn>
+              <a:cxn ang="0">
+                <a:pos x="connsiteX3" y="connsiteY3"/>
+              </a:cxn>
+              <a:cxn ang="0">
+                <a:pos x="connsiteX4" y="connsiteY4"/>
+              </a:cxn>
+              <a:cxn ang="0">
+                <a:pos x="connsiteX5" y="connsiteY5"/>
+              </a:cxn>
+            </a:cxnLst>
+            <a:rect l="l" t="t" r="r" b="b"/>
+            <a:pathLst>
+              <a:path w="1755930" h="4408488">
+                <a:moveTo>
+                  <a:pt x="0" y="4023420"/>
+                </a:moveTo>
+                <a:lnTo>
+                  <a:pt x="1" y="4408488"/>
+                </a:lnTo>
+                <a:lnTo>
+                  <a:pt x="1755930" y="4408488"/>
+                </a:lnTo>
+                <a:lnTo>
+                  <a:pt x="1755930" y="0"/>
+                </a:lnTo>
+                <a:lnTo>
+                  <a:pt x="1350156" y="0"/>
+                </a:lnTo>
+                <a:lnTo>
+                  <a:pt x="1350156" y="4023628"/>
+                </a:lnTo>
+                <a:close/>
+              </a:path>
+            </a:pathLst>
+          </a:custGeom>
+          <a:solidFill>
+            <a:schemeClr val="tx2"/>
+          </a:solidFill>
+          <a:ln w="0">
+            <a:noFill/>
+            <a:prstDash val="solid"/>
+            <a:round/>
+            <a:headEnd/>
+            <a:tailEnd/>
+          </a:ln>
+        </p:spPr>
+      </p:sp>
       <p:sp>
         <p:nvSpPr>
           <p:cNvPr id="2" name="Titel 1">
@@ -3826,43 +4392,44 @@
         </p:nvSpPr>
         <p:spPr>
           <a:xfrm>
-            <a:off x="1915128" y="1673525"/>
-            <a:ext cx="8361229" cy="2213155"/>
-          </a:xfrm>
-        </p:spPr>
-        <p:txBody>
-          <a:bodyPr/>
+            <a:off x="1084006" y="1086143"/>
+            <a:ext cx="9969910" cy="3540448"/>
+          </a:xfrm>
+        </p:spPr>
+        <p:txBody>
+          <a:bodyPr anchor="b">
+            <a:normAutofit/>
+          </a:bodyPr>
           <a:lstStyle/>
           <a:p>
-            <a:pPr algn="l"/>
-            <a:r>
-              <a:rPr lang="de-DE" sz="5400" dirty="0"/>
+            <a:r>
+              <a:rPr lang="de-DE" dirty="0"/>
               <a:t>Group c:</a:t>
             </a:r>
             <a:br>
-              <a:rPr lang="de-DE" sz="5400" dirty="0"/>
+              <a:rPr lang="de-DE" dirty="0"/>
             </a:br>
             <a:r>
-              <a:rPr lang="de-DE" sz="5400" dirty="0" err="1"/>
+              <a:rPr lang="de-DE" dirty="0" err="1"/>
               <a:t>hand</a:t>
             </a:r>
             <a:r>
-              <a:rPr lang="de-DE" sz="5400" dirty="0"/>
+              <a:rPr lang="de-DE" dirty="0"/>
               <a:t> </a:t>
             </a:r>
             <a:r>
-              <a:rPr lang="de-DE" sz="5400" dirty="0" err="1"/>
+              <a:rPr lang="de-DE" dirty="0" err="1"/>
               <a:t>gesture</a:t>
             </a:r>
             <a:r>
-              <a:rPr lang="de-DE" sz="5400" dirty="0"/>
+              <a:rPr lang="de-DE" dirty="0"/>
               <a:t> </a:t>
             </a:r>
             <a:r>
-              <a:rPr lang="de-DE" sz="5400" dirty="0" err="1"/>
+              <a:rPr lang="de-DE" dirty="0" err="1"/>
               <a:t>recognition</a:t>
             </a:r>
-            <a:endParaRPr lang="de-DE" sz="5400" dirty="0"/>
+            <a:endParaRPr lang="de-DE" dirty="0"/>
           </a:p>
         </p:txBody>
       </p:sp>
@@ -3882,16 +4449,109 @@
             <p:ph type="subTitle" idx="1"/>
           </p:nvPr>
         </p:nvSpPr>
-        <p:spPr/>
+        <p:spPr>
+          <a:xfrm>
+            <a:off x="752858" y="5307899"/>
+            <a:ext cx="10674117" cy="923219"/>
+          </a:xfrm>
+        </p:spPr>
+        <p:txBody>
+          <a:bodyPr>
+            <a:normAutofit lnSpcReduction="10000"/>
+          </a:bodyPr>
+          <a:lstStyle/>
+          <a:p>
+            <a:pPr>
+              <a:spcAft>
+                <a:spcPts val="600"/>
+              </a:spcAft>
+            </a:pPr>
+            <a:r>
+              <a:rPr lang="de-DE" sz="2400" dirty="0"/>
+              <a:t>Abschlussvortrag 2020</a:t>
+            </a:r>
+          </a:p>
+          <a:p>
+            <a:pPr>
+              <a:spcAft>
+                <a:spcPts val="600"/>
+              </a:spcAft>
+            </a:pPr>
+            <a:r>
+              <a:rPr lang="de-DE" sz="2400" dirty="0"/>
+              <a:t>Niklas Holtz, Joshua Falk und Julien </a:t>
+            </a:r>
+            <a:r>
+              <a:rPr lang="de-DE" sz="2400" dirty="0" err="1"/>
+              <a:t>Räker</a:t>
+            </a:r>
+            <a:endParaRPr lang="de-DE" sz="2400" dirty="0"/>
+          </a:p>
+        </p:txBody>
+      </p:sp>
+      <p:sp>
+        <p:nvSpPr>
+          <p:cNvPr id="18" name="Rectangle 13">
+            <a:extLst>
+              <a:ext uri="{FF2B5EF4-FFF2-40B4-BE49-F238E27FC236}">
+                <a16:creationId xmlns:a16="http://schemas.microsoft.com/office/drawing/2014/main" id="{198CC593-9FF4-46EF-81AE-2D26922F154C}"/>
+              </a:ext>
+              <a:ext uri="{C183D7F6-B498-43B3-948B-1728B52AA6E4}">
+                <adec:decorative xmlns:adec="http://schemas.microsoft.com/office/drawing/2017/decorative" val="1"/>
+              </a:ext>
+            </a:extLst>
+          </p:cNvPr>
+          <p:cNvSpPr>
+            <a:spLocks noGrp="1" noRot="1" noChangeAspect="1" noMove="1" noResize="1" noEditPoints="1" noAdjustHandles="1" noChangeArrowheads="1" noChangeShapeType="1" noTextEdit="1"/>
+          </p:cNvSpPr>
+          <p:nvPr>
+            <p:extLst>
+              <p:ext uri="{386F3935-93C4-4BCD-93E2-E3B085C9AB24}">
+                <p16:designElem xmlns:p16="http://schemas.microsoft.com/office/powerpoint/2015/main" val="1"/>
+              </p:ext>
+            </p:extLst>
+          </p:nvPr>
+        </p:nvSpPr>
+        <p:spPr>
+          <a:xfrm>
+            <a:off x="2" y="6453386"/>
+            <a:ext cx="12191998" cy="404614"/>
+          </a:xfrm>
+          <a:prstGeom prst="rect">
+            <a:avLst/>
+          </a:prstGeom>
+          <a:solidFill>
+            <a:schemeClr val="tx2"/>
+          </a:solidFill>
+          <a:ln>
+            <a:noFill/>
+          </a:ln>
+        </p:spPr>
+        <p:style>
+          <a:lnRef idx="2">
+            <a:schemeClr val="accent1">
+              <a:shade val="50000"/>
+            </a:schemeClr>
+          </a:lnRef>
+          <a:fillRef idx="1">
+            <a:schemeClr val="accent1"/>
+          </a:fillRef>
+          <a:effectRef idx="0">
+            <a:schemeClr val="accent1"/>
+          </a:effectRef>
+          <a:fontRef idx="minor">
+            <a:schemeClr val="lt1"/>
+          </a:fontRef>
+        </p:style>
         <p:txBody>
           <a:bodyPr/>
           <a:lstStyle/>
           <a:p>
-            <a:pPr algn="l"/>
-            <a:r>
-              <a:rPr lang="de-DE" dirty="0"/>
-              <a:t>Niklas Holtz, Joshua Falk und Julien Räker</a:t>
-            </a:r>
+            <a:endParaRPr lang="en-US" dirty="0">
+              <a:solidFill>
+                <a:schemeClr val="bg1"/>
+              </a:solidFill>
+            </a:endParaRPr>
           </a:p>
         </p:txBody>
       </p:sp>
@@ -3930,7 +4590,7 @@
           <p:cNvPr id="2" name="Titel 1">
             <a:extLst>
               <a:ext uri="{FF2B5EF4-FFF2-40B4-BE49-F238E27FC236}">
-                <a16:creationId xmlns:a16="http://schemas.microsoft.com/office/drawing/2014/main" id="{FE2F1749-A280-47B6-A57E-8C96147DFE2F}"/>
+                <a16:creationId xmlns:a16="http://schemas.microsoft.com/office/drawing/2014/main" id="{3D2066B7-3496-4FA8-90D2-1C7F1B90E46E}"/>
               </a:ext>
             </a:extLst>
           </p:cNvPr>
@@ -3948,15 +4608,14 @@
           <a:p>
             <a:r>
               <a:rPr lang="de-DE" dirty="0"/>
-              <a:t>Problems </a:t>
-            </a:r>
-            <a:r>
-              <a:rPr lang="de-DE" dirty="0" err="1"/>
-              <a:t>with</a:t>
-            </a:r>
-            <a:r>
+              <a:t>Zweiter Versuch:</a:t>
+            </a:r>
+            <a:br>
               <a:rPr lang="de-DE" dirty="0"/>
-              <a:t> Edge </a:t>
+            </a:br>
+            <a:r>
+              <a:rPr lang="de-DE" dirty="0"/>
+              <a:t>Edge </a:t>
             </a:r>
             <a:r>
               <a:rPr lang="de-DE" dirty="0" err="1"/>
@@ -3966,118 +4625,72 @@
           </a:p>
         </p:txBody>
       </p:sp>
-      <p:sp>
-        <p:nvSpPr>
-          <p:cNvPr id="3" name="Inhaltsplatzhalter 2">
-            <a:extLst>
-              <a:ext uri="{FF2B5EF4-FFF2-40B4-BE49-F238E27FC236}">
-                <a16:creationId xmlns:a16="http://schemas.microsoft.com/office/drawing/2014/main" id="{7F35BF96-1E6F-41C5-967A-2DDDF39A7CA5}"/>
-              </a:ext>
-            </a:extLst>
-          </p:cNvPr>
-          <p:cNvSpPr>
-            <a:spLocks noGrp="1"/>
-          </p:cNvSpPr>
+      <p:pic>
+        <p:nvPicPr>
+          <p:cNvPr id="4" name="Inhaltsplatzhalter 3">
+            <a:extLst>
+              <a:ext uri="{FF2B5EF4-FFF2-40B4-BE49-F238E27FC236}">
+                <a16:creationId xmlns:a16="http://schemas.microsoft.com/office/drawing/2014/main" id="{8F8A94A3-5BCE-4961-8A5C-CA9B4BF034EA}"/>
+              </a:ext>
+            </a:extLst>
+          </p:cNvPr>
+          <p:cNvPicPr>
+            <a:picLocks noGrp="1" noChangeAspect="1"/>
+          </p:cNvPicPr>
           <p:nvPr>
             <p:ph idx="1"/>
           </p:nvPr>
-        </p:nvSpPr>
-        <p:spPr/>
-        <p:txBody>
-          <a:bodyPr/>
-          <a:lstStyle/>
-          <a:p>
-            <a:r>
-              <a:rPr lang="de-DE" dirty="0" err="1"/>
-              <a:t>Busy</a:t>
-            </a:r>
-            <a:r>
-              <a:rPr lang="de-DE" dirty="0"/>
-              <a:t> </a:t>
-            </a:r>
-            <a:r>
-              <a:rPr lang="de-DE" dirty="0" err="1"/>
-              <a:t>background</a:t>
-            </a:r>
-            <a:endParaRPr lang="de-DE" dirty="0"/>
-          </a:p>
-          <a:p>
-            <a:r>
-              <a:rPr lang="de-DE" dirty="0"/>
-              <a:t>The </a:t>
-            </a:r>
-            <a:r>
-              <a:rPr lang="de-DE" dirty="0" err="1"/>
-              <a:t>hand</a:t>
-            </a:r>
-            <a:r>
-              <a:rPr lang="de-DE" dirty="0"/>
-              <a:t> </a:t>
-            </a:r>
-            <a:r>
-              <a:rPr lang="de-DE" dirty="0" err="1"/>
-              <a:t>contours</a:t>
-            </a:r>
-            <a:r>
-              <a:rPr lang="de-DE" dirty="0"/>
-              <a:t> </a:t>
-            </a:r>
-            <a:r>
-              <a:rPr lang="de-DE" dirty="0" err="1"/>
-              <a:t>often</a:t>
-            </a:r>
-            <a:r>
-              <a:rPr lang="de-DE" dirty="0"/>
-              <a:t> </a:t>
-            </a:r>
-            <a:r>
-              <a:rPr lang="de-DE" dirty="0" err="1"/>
-              <a:t>have</a:t>
-            </a:r>
-            <a:r>
-              <a:rPr lang="de-DE" dirty="0"/>
-              <a:t> </a:t>
-            </a:r>
-            <a:r>
-              <a:rPr lang="de-DE" dirty="0" err="1"/>
-              <a:t>holes</a:t>
-            </a:r>
-            <a:endParaRPr lang="de-DE" dirty="0"/>
-          </a:p>
-          <a:p>
-            <a:pPr lvl="1"/>
-            <a:r>
-              <a:rPr lang="de-DE" dirty="0"/>
-              <a:t>Closing </a:t>
-            </a:r>
-            <a:r>
-              <a:rPr lang="de-DE" dirty="0" err="1"/>
-              <a:t>filter</a:t>
-            </a:r>
-            <a:r>
-              <a:rPr lang="de-DE" dirty="0"/>
-              <a:t> </a:t>
-            </a:r>
-            <a:r>
-              <a:rPr lang="de-DE" dirty="0" err="1"/>
-              <a:t>does</a:t>
-            </a:r>
-            <a:r>
-              <a:rPr lang="de-DE" dirty="0"/>
-              <a:t> not </a:t>
-            </a:r>
-            <a:r>
-              <a:rPr lang="de-DE" dirty="0" err="1"/>
-              <a:t>help</a:t>
-            </a:r>
-            <a:endParaRPr lang="de-DE" dirty="0"/>
-          </a:p>
-        </p:txBody>
-      </p:sp>
+        </p:nvPicPr>
+        <p:blipFill>
+          <a:blip r:embed="rId2"/>
+          <a:stretch>
+            <a:fillRect/>
+          </a:stretch>
+        </p:blipFill>
+        <p:spPr>
+          <a:xfrm>
+            <a:off x="2236048" y="2370221"/>
+            <a:ext cx="3035609" cy="3581400"/>
+          </a:xfrm>
+          <a:prstGeom prst="rect">
+            <a:avLst/>
+          </a:prstGeom>
+        </p:spPr>
+      </p:pic>
+      <p:pic>
+        <p:nvPicPr>
+          <p:cNvPr id="5" name="Grafik 4">
+            <a:extLst>
+              <a:ext uri="{FF2B5EF4-FFF2-40B4-BE49-F238E27FC236}">
+                <a16:creationId xmlns:a16="http://schemas.microsoft.com/office/drawing/2014/main" id="{B4E30C6A-2BF1-46C5-A7DF-05CFFBC8D919}"/>
+              </a:ext>
+            </a:extLst>
+          </p:cNvPr>
+          <p:cNvPicPr>
+            <a:picLocks noChangeAspect="1"/>
+          </p:cNvPicPr>
+          <p:nvPr/>
+        </p:nvPicPr>
+        <p:blipFill>
+          <a:blip r:embed="rId3"/>
+          <a:stretch>
+            <a:fillRect/>
+          </a:stretch>
+        </p:blipFill>
+        <p:spPr>
+          <a:xfrm>
+            <a:off x="6920345" y="2370221"/>
+            <a:ext cx="2966496" cy="3581400"/>
+          </a:xfrm>
+          <a:prstGeom prst="rect">
+            <a:avLst/>
+          </a:prstGeom>
+        </p:spPr>
+      </p:pic>
     </p:spTree>
     <p:extLst>
       <p:ext uri="{BB962C8B-B14F-4D97-AF65-F5344CB8AC3E}">
-        <p14:creationId xmlns:p14="http://schemas.microsoft.com/office/powerpoint/2010/main" val="1888371391"/>
+        <p14:creationId xmlns:p14="http://schemas.microsoft.com/office/powerpoint/2010/main" val="1957000218"/>
       </p:ext>
     </p:extLst>
   </p:cSld>
@@ -4109,7 +4722,7 @@
           <p:cNvPr id="2" name="Titel 1">
             <a:extLst>
               <a:ext uri="{FF2B5EF4-FFF2-40B4-BE49-F238E27FC236}">
-                <a16:creationId xmlns:a16="http://schemas.microsoft.com/office/drawing/2014/main" id="{FD442414-11DC-46D7-90A1-FF3EC73BC0D8}"/>
+                <a16:creationId xmlns:a16="http://schemas.microsoft.com/office/drawing/2014/main" id="{FE2F1749-A280-47B6-A57E-8C96147DFE2F}"/>
               </a:ext>
             </a:extLst>
           </p:cNvPr>
@@ -4127,367 +4740,128 @@
           <a:p>
             <a:r>
               <a:rPr lang="de-DE" dirty="0"/>
-              <a:t>Third </a:t>
+              <a:t>Problem mit Edge </a:t>
             </a:r>
             <a:r>
               <a:rPr lang="de-DE" dirty="0" err="1"/>
-              <a:t>attempt</a:t>
-            </a:r>
-            <a:r>
-              <a:rPr lang="de-DE" dirty="0"/>
-              <a:t>:</a:t>
-            </a:r>
-            <a:br>
-              <a:rPr lang="de-DE" dirty="0"/>
-            </a:br>
-            <a:r>
-              <a:rPr lang="de-DE" dirty="0"/>
-              <a:t>Background </a:t>
-            </a:r>
-            <a:r>
-              <a:rPr lang="de-DE" dirty="0" err="1"/>
-              <a:t>Subtraction</a:t>
+              <a:t>Detection</a:t>
             </a:r>
             <a:endParaRPr lang="de-DE" dirty="0"/>
           </a:p>
         </p:txBody>
       </p:sp>
-      <p:pic>
-        <p:nvPicPr>
-          <p:cNvPr id="4" name="Inhaltsplatzhalter 3">
-            <a:extLst>
-              <a:ext uri="{FF2B5EF4-FFF2-40B4-BE49-F238E27FC236}">
-                <a16:creationId xmlns:a16="http://schemas.microsoft.com/office/drawing/2014/main" id="{404BBB6B-B373-4F31-8BE4-3435224E6130}"/>
-              </a:ext>
-            </a:extLst>
-          </p:cNvPr>
-          <p:cNvPicPr>
-            <a:picLocks noGrp="1" noChangeAspect="1"/>
-          </p:cNvPicPr>
+      <p:sp>
+        <p:nvSpPr>
+          <p:cNvPr id="3" name="Inhaltsplatzhalter 2">
+            <a:extLst>
+              <a:ext uri="{FF2B5EF4-FFF2-40B4-BE49-F238E27FC236}">
+                <a16:creationId xmlns:a16="http://schemas.microsoft.com/office/drawing/2014/main" id="{7F35BF96-1E6F-41C5-967A-2DDDF39A7CA5}"/>
+              </a:ext>
+            </a:extLst>
+          </p:cNvPr>
+          <p:cNvSpPr>
+            <a:spLocks noGrp="1"/>
+          </p:cNvSpPr>
           <p:nvPr>
             <p:ph idx="1"/>
           </p:nvPr>
-        </p:nvPicPr>
-        <p:blipFill>
-          <a:blip r:embed="rId2"/>
-          <a:stretch>
-            <a:fillRect/>
-          </a:stretch>
-        </p:blipFill>
-        <p:spPr>
-          <a:xfrm>
-            <a:off x="2191825" y="2118315"/>
-            <a:ext cx="2115480" cy="2101447"/>
-          </a:xfrm>
-          <a:prstGeom prst="rect">
-            <a:avLst/>
-          </a:prstGeom>
-        </p:spPr>
-      </p:pic>
-      <p:pic>
-        <p:nvPicPr>
-          <p:cNvPr id="5" name="Grafik 4">
-            <a:extLst>
-              <a:ext uri="{FF2B5EF4-FFF2-40B4-BE49-F238E27FC236}">
-                <a16:creationId xmlns:a16="http://schemas.microsoft.com/office/drawing/2014/main" id="{CE0D226A-3AD2-4756-85E3-7464F3AE9217}"/>
-              </a:ext>
-            </a:extLst>
-          </p:cNvPr>
-          <p:cNvPicPr>
-            <a:picLocks noChangeAspect="1"/>
-          </p:cNvPicPr>
-          <p:nvPr/>
-        </p:nvPicPr>
-        <p:blipFill>
-          <a:blip r:embed="rId3"/>
-          <a:stretch>
-            <a:fillRect/>
-          </a:stretch>
-        </p:blipFill>
-        <p:spPr>
-          <a:xfrm>
-            <a:off x="2191825" y="4421984"/>
-            <a:ext cx="2115480" cy="2101423"/>
-          </a:xfrm>
-          <a:prstGeom prst="rect">
-            <a:avLst/>
-          </a:prstGeom>
-        </p:spPr>
-      </p:pic>
-      <p:pic>
-        <p:nvPicPr>
-          <p:cNvPr id="6" name="Grafik 5">
-            <a:extLst>
-              <a:ext uri="{FF2B5EF4-FFF2-40B4-BE49-F238E27FC236}">
-                <a16:creationId xmlns:a16="http://schemas.microsoft.com/office/drawing/2014/main" id="{0AC0295B-60CF-4087-857A-C7A02FD462CF}"/>
-              </a:ext>
-            </a:extLst>
-          </p:cNvPr>
-          <p:cNvPicPr>
-            <a:picLocks noChangeAspect="1"/>
-          </p:cNvPicPr>
-          <p:nvPr/>
-        </p:nvPicPr>
-        <p:blipFill>
-          <a:blip r:embed="rId4"/>
-          <a:stretch>
-            <a:fillRect/>
-          </a:stretch>
-        </p:blipFill>
-        <p:spPr>
-          <a:xfrm>
-            <a:off x="8707796" y="2776805"/>
-            <a:ext cx="2731699" cy="2750033"/>
-          </a:xfrm>
-          <a:prstGeom prst="rect">
-            <a:avLst/>
-          </a:prstGeom>
-        </p:spPr>
-      </p:pic>
-      <p:sp>
-        <p:nvSpPr>
-          <p:cNvPr id="7" name="Ellipse 6">
-            <a:extLst>
-              <a:ext uri="{FF2B5EF4-FFF2-40B4-BE49-F238E27FC236}">
-                <a16:creationId xmlns:a16="http://schemas.microsoft.com/office/drawing/2014/main" id="{ACA718D0-C204-4FBD-B008-841A8A77CF8C}"/>
-              </a:ext>
-            </a:extLst>
-          </p:cNvPr>
-          <p:cNvSpPr/>
-          <p:nvPr/>
-        </p:nvSpPr>
-        <p:spPr>
-          <a:xfrm>
-            <a:off x="6096000" y="3766866"/>
-            <a:ext cx="1086928" cy="1086929"/>
-          </a:xfrm>
-          <a:prstGeom prst="ellipse">
-            <a:avLst/>
-          </a:prstGeom>
-          <a:solidFill>
-            <a:schemeClr val="accent1">
-              <a:lumMod val="75000"/>
-            </a:schemeClr>
-          </a:solidFill>
-        </p:spPr>
-        <p:style>
-          <a:lnRef idx="2">
-            <a:schemeClr val="accent1">
-              <a:shade val="50000"/>
-            </a:schemeClr>
-          </a:lnRef>
-          <a:fillRef idx="1">
-            <a:schemeClr val="accent1"/>
-          </a:fillRef>
-          <a:effectRef idx="0">
-            <a:schemeClr val="accent1"/>
-          </a:effectRef>
-          <a:fontRef idx="minor">
-            <a:schemeClr val="lt1"/>
-          </a:fontRef>
-        </p:style>
-        <p:txBody>
-          <a:bodyPr rtlCol="0" anchor="ctr"/>
+        </p:nvSpPr>
+        <p:spPr/>
+        <p:txBody>
+          <a:bodyPr/>
           <a:lstStyle/>
           <a:p>
-            <a:pPr algn="ctr"/>
-            <a:endParaRPr lang="de-DE"/>
-          </a:p>
-        </p:txBody>
-      </p:sp>
-      <p:sp>
-        <p:nvSpPr>
-          <p:cNvPr id="8" name="Minuszeichen 7">
-            <a:extLst>
-              <a:ext uri="{FF2B5EF4-FFF2-40B4-BE49-F238E27FC236}">
-                <a16:creationId xmlns:a16="http://schemas.microsoft.com/office/drawing/2014/main" id="{60C42EF5-2FA0-4321-98A4-27125B2D8675}"/>
-              </a:ext>
-            </a:extLst>
-          </p:cNvPr>
-          <p:cNvSpPr/>
-          <p:nvPr/>
-        </p:nvSpPr>
-        <p:spPr>
-          <a:xfrm>
-            <a:off x="6343290" y="3927712"/>
-            <a:ext cx="592347" cy="765236"/>
-          </a:xfrm>
-          <a:prstGeom prst="mathMinus">
-            <a:avLst/>
-          </a:prstGeom>
-          <a:solidFill>
-            <a:schemeClr val="bg1">
-              <a:lumMod val="75000"/>
-            </a:schemeClr>
-          </a:solidFill>
-        </p:spPr>
-        <p:style>
-          <a:lnRef idx="2">
-            <a:schemeClr val="accent1">
-              <a:shade val="50000"/>
-            </a:schemeClr>
-          </a:lnRef>
-          <a:fillRef idx="1">
-            <a:schemeClr val="accent1"/>
-          </a:fillRef>
-          <a:effectRef idx="0">
-            <a:schemeClr val="accent1"/>
-          </a:effectRef>
-          <a:fontRef idx="minor">
-            <a:schemeClr val="lt1"/>
-          </a:fontRef>
-        </p:style>
-        <p:txBody>
-          <a:bodyPr rtlCol="0" anchor="ctr"/>
-          <a:lstStyle/>
-          <a:p>
-            <a:pPr algn="ctr"/>
-            <a:endParaRPr lang="de-DE"/>
-          </a:p>
-        </p:txBody>
-      </p:sp>
-      <p:sp>
-        <p:nvSpPr>
-          <p:cNvPr id="9" name="Pfeil: nach rechts 8">
-            <a:extLst>
-              <a:ext uri="{FF2B5EF4-FFF2-40B4-BE49-F238E27FC236}">
-                <a16:creationId xmlns:a16="http://schemas.microsoft.com/office/drawing/2014/main" id="{65E53E04-687E-4FFE-996B-CA0908EA60D8}"/>
-              </a:ext>
-            </a:extLst>
-          </p:cNvPr>
-          <p:cNvSpPr/>
-          <p:nvPr/>
-        </p:nvSpPr>
-        <p:spPr>
-          <a:xfrm rot="1514431">
-            <a:off x="4490989" y="3429850"/>
-            <a:ext cx="1462742" cy="495775"/>
-          </a:xfrm>
-          <a:prstGeom prst="rightArrow">
-            <a:avLst/>
-          </a:prstGeom>
-        </p:spPr>
-        <p:style>
-          <a:lnRef idx="2">
-            <a:schemeClr val="accent1">
-              <a:shade val="50000"/>
-            </a:schemeClr>
-          </a:lnRef>
-          <a:fillRef idx="1">
-            <a:schemeClr val="accent1"/>
-          </a:fillRef>
-          <a:effectRef idx="0">
-            <a:schemeClr val="accent1"/>
-          </a:effectRef>
-          <a:fontRef idx="minor">
-            <a:schemeClr val="lt1"/>
-          </a:fontRef>
-        </p:style>
-        <p:txBody>
-          <a:bodyPr rtlCol="0" anchor="ctr"/>
-          <a:lstStyle/>
-          <a:p>
-            <a:pPr algn="ctr"/>
-            <a:endParaRPr lang="de-DE"/>
-          </a:p>
-        </p:txBody>
-      </p:sp>
-      <p:sp>
-        <p:nvSpPr>
-          <p:cNvPr id="10" name="Pfeil: nach rechts 9">
-            <a:extLst>
-              <a:ext uri="{FF2B5EF4-FFF2-40B4-BE49-F238E27FC236}">
-                <a16:creationId xmlns:a16="http://schemas.microsoft.com/office/drawing/2014/main" id="{DC6A8F66-0F7C-4C2F-95AE-FFE472E10AF9}"/>
-              </a:ext>
-            </a:extLst>
-          </p:cNvPr>
-          <p:cNvSpPr/>
-          <p:nvPr/>
-        </p:nvSpPr>
-        <p:spPr>
-          <a:xfrm rot="20037794">
-            <a:off x="4489697" y="4717861"/>
-            <a:ext cx="1462742" cy="495775"/>
-          </a:xfrm>
-          <a:prstGeom prst="rightArrow">
-            <a:avLst/>
-          </a:prstGeom>
-        </p:spPr>
-        <p:style>
-          <a:lnRef idx="2">
-            <a:schemeClr val="accent1">
-              <a:shade val="50000"/>
-            </a:schemeClr>
-          </a:lnRef>
-          <a:fillRef idx="1">
-            <a:schemeClr val="accent1"/>
-          </a:fillRef>
-          <a:effectRef idx="0">
-            <a:schemeClr val="accent1"/>
-          </a:effectRef>
-          <a:fontRef idx="minor">
-            <a:schemeClr val="lt1"/>
-          </a:fontRef>
-        </p:style>
-        <p:txBody>
-          <a:bodyPr rtlCol="0" anchor="ctr"/>
-          <a:lstStyle/>
-          <a:p>
-            <a:pPr algn="ctr"/>
-            <a:endParaRPr lang="de-DE"/>
-          </a:p>
-        </p:txBody>
-      </p:sp>
-      <p:sp>
-        <p:nvSpPr>
-          <p:cNvPr id="11" name="Pfeil: nach rechts 10">
-            <a:extLst>
-              <a:ext uri="{FF2B5EF4-FFF2-40B4-BE49-F238E27FC236}">
-                <a16:creationId xmlns:a16="http://schemas.microsoft.com/office/drawing/2014/main" id="{9BCC468C-7823-490C-9DD9-69C3D9A3E2E9}"/>
-              </a:ext>
-            </a:extLst>
-          </p:cNvPr>
-          <p:cNvSpPr/>
-          <p:nvPr/>
-        </p:nvSpPr>
-        <p:spPr>
-          <a:xfrm>
-            <a:off x="7395713" y="4050821"/>
-            <a:ext cx="1064792" cy="519015"/>
-          </a:xfrm>
-          <a:prstGeom prst="rightArrow">
-            <a:avLst/>
-          </a:prstGeom>
-        </p:spPr>
-        <p:style>
-          <a:lnRef idx="2">
-            <a:schemeClr val="accent1">
-              <a:shade val="50000"/>
-            </a:schemeClr>
-          </a:lnRef>
-          <a:fillRef idx="1">
-            <a:schemeClr val="accent1"/>
-          </a:fillRef>
-          <a:effectRef idx="0">
-            <a:schemeClr val="accent1"/>
-          </a:effectRef>
-          <a:fontRef idx="minor">
-            <a:schemeClr val="lt1"/>
-          </a:fontRef>
-        </p:style>
-        <p:txBody>
-          <a:bodyPr rtlCol="0" anchor="ctr"/>
-          <a:lstStyle/>
-          <a:p>
-            <a:pPr algn="ctr"/>
-            <a:endParaRPr lang="de-DE"/>
+            <a:r>
+              <a:rPr lang="de-DE" dirty="0" err="1"/>
+              <a:t>Busy</a:t>
+            </a:r>
+            <a:r>
+              <a:rPr lang="de-DE" dirty="0"/>
+              <a:t> </a:t>
+            </a:r>
+            <a:r>
+              <a:rPr lang="de-DE" dirty="0" err="1"/>
+              <a:t>background</a:t>
+            </a:r>
+            <a:endParaRPr lang="de-DE" dirty="0"/>
+          </a:p>
+          <a:p>
+            <a:r>
+              <a:rPr lang="de-DE" dirty="0"/>
+              <a:t>The </a:t>
+            </a:r>
+            <a:r>
+              <a:rPr lang="de-DE" dirty="0" err="1"/>
+              <a:t>hand</a:t>
+            </a:r>
+            <a:r>
+              <a:rPr lang="de-DE" dirty="0"/>
+              <a:t> </a:t>
+            </a:r>
+            <a:r>
+              <a:rPr lang="de-DE" dirty="0" err="1"/>
+              <a:t>contours</a:t>
+            </a:r>
+            <a:r>
+              <a:rPr lang="de-DE" dirty="0"/>
+              <a:t> </a:t>
+            </a:r>
+            <a:r>
+              <a:rPr lang="de-DE" dirty="0" err="1"/>
+              <a:t>often</a:t>
+            </a:r>
+            <a:r>
+              <a:rPr lang="de-DE" dirty="0"/>
+              <a:t> </a:t>
+            </a:r>
+            <a:r>
+              <a:rPr lang="de-DE" dirty="0" err="1"/>
+              <a:t>have</a:t>
+            </a:r>
+            <a:r>
+              <a:rPr lang="de-DE" dirty="0"/>
+              <a:t> </a:t>
+            </a:r>
+            <a:r>
+              <a:rPr lang="de-DE" dirty="0" err="1"/>
+              <a:t>holes</a:t>
+            </a:r>
+            <a:endParaRPr lang="de-DE" dirty="0"/>
+          </a:p>
+          <a:p>
+            <a:pPr lvl="1"/>
+            <a:r>
+              <a:rPr lang="de-DE" dirty="0"/>
+              <a:t>Closing </a:t>
+            </a:r>
+            <a:r>
+              <a:rPr lang="de-DE" dirty="0" err="1"/>
+              <a:t>filter</a:t>
+            </a:r>
+            <a:r>
+              <a:rPr lang="de-DE" dirty="0"/>
+              <a:t> </a:t>
+            </a:r>
+            <a:r>
+              <a:rPr lang="de-DE" dirty="0" err="1"/>
+              <a:t>does</a:t>
+            </a:r>
+            <a:r>
+              <a:rPr lang="de-DE" dirty="0"/>
+              <a:t> not </a:t>
+            </a:r>
+            <a:r>
+              <a:rPr lang="de-DE" dirty="0" err="1"/>
+              <a:t>help</a:t>
+            </a:r>
+            <a:endParaRPr lang="de-DE" dirty="0"/>
           </a:p>
         </p:txBody>
       </p:sp>
     </p:spTree>
     <p:extLst>
       <p:ext uri="{BB962C8B-B14F-4D97-AF65-F5344CB8AC3E}">
-        <p14:creationId xmlns:p14="http://schemas.microsoft.com/office/powerpoint/2010/main" val="3702687256"/>
+        <p14:creationId xmlns:p14="http://schemas.microsoft.com/office/powerpoint/2010/main" val="1888371391"/>
       </p:ext>
     </p:extLst>
   </p:cSld>
@@ -4516,52 +4890,83 @@
       </p:grpSpPr>
       <p:sp>
         <p:nvSpPr>
-          <p:cNvPr id="2" name="Titel 1">
-            <a:extLst>
-              <a:ext uri="{FF2B5EF4-FFF2-40B4-BE49-F238E27FC236}">
-                <a16:creationId xmlns:a16="http://schemas.microsoft.com/office/drawing/2014/main" id="{44DE71EE-D0E6-406D-8534-25D4289494F6}"/>
-              </a:ext>
-            </a:extLst>
-          </p:cNvPr>
-          <p:cNvSpPr>
-            <a:spLocks noGrp="1"/>
+          <p:cNvPr id="4" name="Titel 1">
+            <a:extLst>
+              <a:ext uri="{FF2B5EF4-FFF2-40B4-BE49-F238E27FC236}">
+                <a16:creationId xmlns:a16="http://schemas.microsoft.com/office/drawing/2014/main" id="{80238E45-5CDA-4D81-896E-1ED298671C2D}"/>
+              </a:ext>
+            </a:extLst>
+          </p:cNvPr>
+          <p:cNvSpPr txBox="1">
+            <a:spLocks/>
           </p:cNvSpPr>
-          <p:nvPr>
-            <p:ph type="title"/>
-          </p:nvPr>
-        </p:nvSpPr>
-        <p:spPr/>
-        <p:txBody>
-          <a:bodyPr/>
-          <a:lstStyle/>
+          <p:nvPr/>
+        </p:nvSpPr>
+        <p:spPr>
+          <a:xfrm>
+            <a:off x="1295400" y="175470"/>
+            <a:ext cx="9601200" cy="1485900"/>
+          </a:xfrm>
+          <a:prstGeom prst="rect">
+            <a:avLst/>
+          </a:prstGeom>
+        </p:spPr>
+        <p:txBody>
+          <a:bodyPr vert="horz" lIns="91440" tIns="45720" rIns="91440" bIns="45720" rtlCol="0" anchor="t">
+            <a:normAutofit/>
+          </a:bodyPr>
+          <a:lstStyle>
+            <a:lvl1pPr algn="l" defTabSz="914400" rtl="0" eaLnBrk="1" latinLnBrk="0" hangingPunct="1">
+              <a:lnSpc>
+                <a:spcPct val="89000"/>
+              </a:lnSpc>
+              <a:spcBef>
+                <a:spcPct val="0"/>
+              </a:spcBef>
+              <a:buNone/>
+              <a:defRPr sz="4400" kern="1200" baseline="0">
+                <a:solidFill>
+                  <a:schemeClr val="tx2"/>
+                </a:solidFill>
+                <a:latin typeface="+mj-lt"/>
+                <a:ea typeface="+mj-ea"/>
+                <a:cs typeface="+mj-cs"/>
+              </a:defRPr>
+            </a:lvl1pPr>
+          </a:lstStyle>
           <a:p>
             <a:r>
               <a:rPr lang="de-DE" dirty="0"/>
+              <a:t>Dritter Versuch:</a:t>
+            </a:r>
+            <a:br>
+              <a:rPr lang="de-DE" dirty="0"/>
+            </a:br>
+            <a:r>
+              <a:rPr lang="de-DE" i="1" dirty="0"/>
               <a:t>Background </a:t>
             </a:r>
             <a:r>
-              <a:rPr lang="de-DE" dirty="0" err="1"/>
+              <a:rPr lang="de-DE" i="1" dirty="0" err="1"/>
               <a:t>Subtraction</a:t>
             </a:r>
-            <a:endParaRPr lang="de-DE" dirty="0"/>
+            <a:endParaRPr lang="de-DE" i="1" dirty="0"/>
           </a:p>
         </p:txBody>
       </p:sp>
       <p:pic>
         <p:nvPicPr>
-          <p:cNvPr id="4" name="Inhaltsplatzhalter 3">
-            <a:extLst>
-              <a:ext uri="{FF2B5EF4-FFF2-40B4-BE49-F238E27FC236}">
-                <a16:creationId xmlns:a16="http://schemas.microsoft.com/office/drawing/2014/main" id="{94747927-E8A4-4A85-8F1D-839EDC51C89E}"/>
+          <p:cNvPr id="13" name="Grafik 12" descr="Ein Bild, das Spieler, Wasser, Ball, haltend enthält.&#10;&#10;Automatisch generierte Beschreibung">
+            <a:extLst>
+              <a:ext uri="{FF2B5EF4-FFF2-40B4-BE49-F238E27FC236}">
+                <a16:creationId xmlns:a16="http://schemas.microsoft.com/office/drawing/2014/main" id="{55379305-0AD4-4584-931D-9C0EBFADAA77}"/>
               </a:ext>
             </a:extLst>
           </p:cNvPr>
           <p:cNvPicPr>
-            <a:picLocks noGrp="1" noChangeAspect="1"/>
+            <a:picLocks noChangeAspect="1"/>
           </p:cNvPicPr>
-          <p:nvPr>
-            <p:ph idx="1"/>
-          </p:nvPr>
+          <p:nvPr/>
         </p:nvPicPr>
         <p:blipFill>
           <a:blip r:embed="rId2"/>
@@ -4571,8 +4976,8 @@
         </p:blipFill>
         <p:spPr>
           <a:xfrm>
-            <a:off x="1987122" y="2364206"/>
-            <a:ext cx="2897699" cy="2917147"/>
+            <a:off x="1995441" y="4528391"/>
+            <a:ext cx="2243011" cy="1762867"/>
           </a:xfrm>
           <a:prstGeom prst="rect">
             <a:avLst/>
@@ -4581,10 +4986,10 @@
       </p:pic>
       <p:pic>
         <p:nvPicPr>
-          <p:cNvPr id="5" name="Grafik 4">
-            <a:extLst>
-              <a:ext uri="{FF2B5EF4-FFF2-40B4-BE49-F238E27FC236}">
-                <a16:creationId xmlns:a16="http://schemas.microsoft.com/office/drawing/2014/main" id="{5551284D-A073-4A6E-8028-D0237F01FD65}"/>
+          <p:cNvPr id="15" name="Grafik 14">
+            <a:extLst>
+              <a:ext uri="{FF2B5EF4-FFF2-40B4-BE49-F238E27FC236}">
+                <a16:creationId xmlns:a16="http://schemas.microsoft.com/office/drawing/2014/main" id="{280DCE36-56C8-4FF7-A627-EAC0D3C377B1}"/>
               </a:ext>
             </a:extLst>
           </p:cNvPr>
@@ -4601,20 +5006,50 @@
         </p:blipFill>
         <p:spPr>
           <a:xfrm>
-            <a:off x="7307181" y="2364206"/>
-            <a:ext cx="2931781" cy="2917147"/>
+            <a:off x="1995440" y="2025674"/>
+            <a:ext cx="2243012" cy="1762867"/>
           </a:xfrm>
           <a:prstGeom prst="rect">
             <a:avLst/>
           </a:prstGeom>
         </p:spPr>
       </p:pic>
-      <p:sp>
-        <p:nvSpPr>
-          <p:cNvPr id="6" name="Pfeil: nach rechts 5">
-            <a:extLst>
-              <a:ext uri="{FF2B5EF4-FFF2-40B4-BE49-F238E27FC236}">
-                <a16:creationId xmlns:a16="http://schemas.microsoft.com/office/drawing/2014/main" id="{D617B044-7CB5-4B61-B3E6-DBD11A4A04F1}"/>
+      <p:pic>
+        <p:nvPicPr>
+          <p:cNvPr id="17" name="Grafik 16" descr="Ein Bild, das stehend enthält.&#10;&#10;Automatisch generierte Beschreibung">
+            <a:extLst>
+              <a:ext uri="{FF2B5EF4-FFF2-40B4-BE49-F238E27FC236}">
+                <a16:creationId xmlns:a16="http://schemas.microsoft.com/office/drawing/2014/main" id="{EAFCD94E-B8E9-4F75-8871-D2DE1A6A7379}"/>
+              </a:ext>
+            </a:extLst>
+          </p:cNvPr>
+          <p:cNvPicPr>
+            <a:picLocks noChangeAspect="1"/>
+          </p:cNvPicPr>
+          <p:nvPr/>
+        </p:nvPicPr>
+        <p:blipFill>
+          <a:blip r:embed="rId4"/>
+          <a:stretch>
+            <a:fillRect/>
+          </a:stretch>
+        </p:blipFill>
+        <p:spPr>
+          <a:xfrm>
+            <a:off x="8682371" y="2652390"/>
+            <a:ext cx="2632916" cy="2069307"/>
+          </a:xfrm>
+          <a:prstGeom prst="rect">
+            <a:avLst/>
+          </a:prstGeom>
+        </p:spPr>
+      </p:pic>
+      <p:sp>
+        <p:nvSpPr>
+          <p:cNvPr id="19" name="Pfeil: gebogen 18">
+            <a:extLst>
+              <a:ext uri="{FF2B5EF4-FFF2-40B4-BE49-F238E27FC236}">
+                <a16:creationId xmlns:a16="http://schemas.microsoft.com/office/drawing/2014/main" id="{56326DE1-ADB0-4BB8-BFBB-0678850C5662}"/>
               </a:ext>
             </a:extLst>
           </p:cNvPr>
@@ -4622,11 +5057,11 @@
           <p:nvPr/>
         </p:nvSpPr>
         <p:spPr>
-          <a:xfrm>
-            <a:off x="5243422" y="3571336"/>
-            <a:ext cx="1857555" cy="603849"/>
-          </a:xfrm>
-          <a:prstGeom prst="rightArrow">
+          <a:xfrm rot="5400000">
+            <a:off x="4571980" y="2301240"/>
+            <a:ext cx="810948" cy="916285"/>
+          </a:xfrm>
+          <a:prstGeom prst="bentArrow">
             <a:avLst/>
           </a:prstGeom>
         </p:spPr>
@@ -4651,6 +5086,870 @@
           <a:lstStyle/>
           <a:p>
             <a:pPr algn="ctr"/>
+            <a:endParaRPr lang="de-DE">
+              <a:solidFill>
+                <a:schemeClr val="tx1"/>
+              </a:solidFill>
+            </a:endParaRPr>
+          </a:p>
+        </p:txBody>
+      </p:sp>
+      <p:sp>
+        <p:nvSpPr>
+          <p:cNvPr id="20" name="Pfeil: gebogen 19">
+            <a:extLst>
+              <a:ext uri="{FF2B5EF4-FFF2-40B4-BE49-F238E27FC236}">
+                <a16:creationId xmlns:a16="http://schemas.microsoft.com/office/drawing/2014/main" id="{A7FC9DE0-39A2-4627-8B8A-1176F0F7D7DB}"/>
+              </a:ext>
+            </a:extLst>
+          </p:cNvPr>
+          <p:cNvSpPr/>
+          <p:nvPr/>
+        </p:nvSpPr>
+        <p:spPr>
+          <a:xfrm rot="16200000" flipV="1">
+            <a:off x="4571980" y="4084884"/>
+            <a:ext cx="810948" cy="916287"/>
+          </a:xfrm>
+          <a:prstGeom prst="bentArrow">
+            <a:avLst/>
+          </a:prstGeom>
+        </p:spPr>
+        <p:style>
+          <a:lnRef idx="2">
+            <a:schemeClr val="accent1">
+              <a:shade val="50000"/>
+            </a:schemeClr>
+          </a:lnRef>
+          <a:fillRef idx="1">
+            <a:schemeClr val="accent1"/>
+          </a:fillRef>
+          <a:effectRef idx="0">
+            <a:schemeClr val="accent1"/>
+          </a:effectRef>
+          <a:fontRef idx="minor">
+            <a:schemeClr val="lt1"/>
+          </a:fontRef>
+        </p:style>
+        <p:txBody>
+          <a:bodyPr rtlCol="0" anchor="ctr"/>
+          <a:lstStyle/>
+          <a:p>
+            <a:pPr algn="ctr"/>
+            <a:endParaRPr lang="de-DE">
+              <a:solidFill>
+                <a:schemeClr val="tx1"/>
+              </a:solidFill>
+            </a:endParaRPr>
+          </a:p>
+        </p:txBody>
+      </p:sp>
+      <p:grpSp>
+        <p:nvGrpSpPr>
+          <p:cNvPr id="23" name="Gruppieren 22">
+            <a:extLst>
+              <a:ext uri="{FF2B5EF4-FFF2-40B4-BE49-F238E27FC236}">
+                <a16:creationId xmlns:a16="http://schemas.microsoft.com/office/drawing/2014/main" id="{6A9C2A46-985E-422F-AE36-3140A3786E54}"/>
+              </a:ext>
+            </a:extLst>
+          </p:cNvPr>
+          <p:cNvGrpSpPr/>
+          <p:nvPr/>
+        </p:nvGrpSpPr>
+        <p:grpSpPr>
+          <a:xfrm>
+            <a:off x="4968735" y="3331054"/>
+            <a:ext cx="653665" cy="640303"/>
+            <a:chOff x="6095996" y="3766866"/>
+            <a:chExt cx="1086932" cy="1086929"/>
+          </a:xfrm>
+        </p:grpSpPr>
+        <p:sp>
+          <p:nvSpPr>
+            <p:cNvPr id="21" name="Ellipse 20">
+              <a:extLst>
+                <a:ext uri="{FF2B5EF4-FFF2-40B4-BE49-F238E27FC236}">
+                  <a16:creationId xmlns:a16="http://schemas.microsoft.com/office/drawing/2014/main" id="{3ECF4B64-CD1B-4D6B-9AD6-885C471BB21E}"/>
+                </a:ext>
+              </a:extLst>
+            </p:cNvPr>
+            <p:cNvSpPr/>
+            <p:nvPr/>
+          </p:nvSpPr>
+          <p:spPr>
+            <a:xfrm>
+              <a:off x="6096000" y="3766866"/>
+              <a:ext cx="1086928" cy="1086929"/>
+            </a:xfrm>
+            <a:prstGeom prst="ellipse">
+              <a:avLst/>
+            </a:prstGeom>
+            <a:solidFill>
+              <a:schemeClr val="accent1">
+                <a:lumMod val="75000"/>
+              </a:schemeClr>
+            </a:solidFill>
+          </p:spPr>
+          <p:style>
+            <a:lnRef idx="2">
+              <a:schemeClr val="accent1">
+                <a:shade val="50000"/>
+              </a:schemeClr>
+            </a:lnRef>
+            <a:fillRef idx="1">
+              <a:schemeClr val="accent1"/>
+            </a:fillRef>
+            <a:effectRef idx="0">
+              <a:schemeClr val="accent1"/>
+            </a:effectRef>
+            <a:fontRef idx="minor">
+              <a:schemeClr val="lt1"/>
+            </a:fontRef>
+          </p:style>
+          <p:txBody>
+            <a:bodyPr rtlCol="0" anchor="ctr"/>
+            <a:lstStyle/>
+            <a:p>
+              <a:pPr algn="ctr"/>
+              <a:endParaRPr lang="de-DE"/>
+            </a:p>
+          </p:txBody>
+        </p:sp>
+        <p:sp>
+          <p:nvSpPr>
+            <p:cNvPr id="22" name="Minuszeichen 21">
+              <a:extLst>
+                <a:ext uri="{FF2B5EF4-FFF2-40B4-BE49-F238E27FC236}">
+                  <a16:creationId xmlns:a16="http://schemas.microsoft.com/office/drawing/2014/main" id="{B0E0664A-39C8-4906-A4FA-F0CFFDA60C53}"/>
+                </a:ext>
+              </a:extLst>
+            </p:cNvPr>
+            <p:cNvSpPr/>
+            <p:nvPr/>
+          </p:nvSpPr>
+          <p:spPr>
+            <a:xfrm>
+              <a:off x="6095996" y="3766866"/>
+              <a:ext cx="1086928" cy="1086929"/>
+            </a:xfrm>
+            <a:prstGeom prst="mathMinus">
+              <a:avLst/>
+            </a:prstGeom>
+            <a:solidFill>
+              <a:schemeClr val="bg1">
+                <a:lumMod val="75000"/>
+              </a:schemeClr>
+            </a:solidFill>
+          </p:spPr>
+          <p:style>
+            <a:lnRef idx="2">
+              <a:schemeClr val="accent1">
+                <a:shade val="50000"/>
+              </a:schemeClr>
+            </a:lnRef>
+            <a:fillRef idx="1">
+              <a:schemeClr val="accent1"/>
+            </a:fillRef>
+            <a:effectRef idx="0">
+              <a:schemeClr val="accent1"/>
+            </a:effectRef>
+            <a:fontRef idx="minor">
+              <a:schemeClr val="lt1"/>
+            </a:fontRef>
+          </p:style>
+          <p:txBody>
+            <a:bodyPr rtlCol="0" anchor="ctr"/>
+            <a:lstStyle/>
+            <a:p>
+              <a:pPr algn="ctr"/>
+              <a:endParaRPr lang="de-DE"/>
+            </a:p>
+          </p:txBody>
+        </p:sp>
+      </p:grpSp>
+      <p:sp>
+        <p:nvSpPr>
+          <p:cNvPr id="24" name="Pfeil: nach rechts 23">
+            <a:extLst>
+              <a:ext uri="{FF2B5EF4-FFF2-40B4-BE49-F238E27FC236}">
+                <a16:creationId xmlns:a16="http://schemas.microsoft.com/office/drawing/2014/main" id="{E011B39A-3BC5-436C-A477-BF4B8E3C23A9}"/>
+              </a:ext>
+            </a:extLst>
+          </p:cNvPr>
+          <p:cNvSpPr/>
+          <p:nvPr/>
+        </p:nvSpPr>
+        <p:spPr>
+          <a:xfrm>
+            <a:off x="5763378" y="3391697"/>
+            <a:ext cx="653663" cy="519015"/>
+          </a:xfrm>
+          <a:prstGeom prst="rightArrow">
+            <a:avLst/>
+          </a:prstGeom>
+        </p:spPr>
+        <p:style>
+          <a:lnRef idx="2">
+            <a:schemeClr val="accent1">
+              <a:shade val="50000"/>
+            </a:schemeClr>
+          </a:lnRef>
+          <a:fillRef idx="1">
+            <a:schemeClr val="accent1"/>
+          </a:fillRef>
+          <a:effectRef idx="0">
+            <a:schemeClr val="accent1"/>
+          </a:effectRef>
+          <a:fontRef idx="minor">
+            <a:schemeClr val="lt1"/>
+          </a:fontRef>
+        </p:style>
+        <p:txBody>
+          <a:bodyPr rtlCol="0" anchor="ctr"/>
+          <a:lstStyle/>
+          <a:p>
+            <a:pPr algn="ctr"/>
+            <a:endParaRPr lang="de-DE"/>
+          </a:p>
+        </p:txBody>
+      </p:sp>
+      <p:sp>
+        <p:nvSpPr>
+          <p:cNvPr id="25" name="Pfeil: nach rechts 24">
+            <a:extLst>
+              <a:ext uri="{FF2B5EF4-FFF2-40B4-BE49-F238E27FC236}">
+                <a16:creationId xmlns:a16="http://schemas.microsoft.com/office/drawing/2014/main" id="{331DADE6-6862-4652-AE68-88B043F0D50A}"/>
+              </a:ext>
+            </a:extLst>
+          </p:cNvPr>
+          <p:cNvSpPr/>
+          <p:nvPr/>
+        </p:nvSpPr>
+        <p:spPr>
+          <a:xfrm>
+            <a:off x="7887728" y="3391696"/>
+            <a:ext cx="653663" cy="519015"/>
+          </a:xfrm>
+          <a:prstGeom prst="rightArrow">
+            <a:avLst/>
+          </a:prstGeom>
+        </p:spPr>
+        <p:style>
+          <a:lnRef idx="2">
+            <a:schemeClr val="accent1">
+              <a:shade val="50000"/>
+            </a:schemeClr>
+          </a:lnRef>
+          <a:fillRef idx="1">
+            <a:schemeClr val="accent1"/>
+          </a:fillRef>
+          <a:effectRef idx="0">
+            <a:schemeClr val="accent1"/>
+          </a:effectRef>
+          <a:fontRef idx="minor">
+            <a:schemeClr val="lt1"/>
+          </a:fontRef>
+        </p:style>
+        <p:txBody>
+          <a:bodyPr rtlCol="0" anchor="ctr"/>
+          <a:lstStyle/>
+          <a:p>
+            <a:pPr algn="ctr"/>
+            <a:endParaRPr lang="de-DE"/>
+          </a:p>
+        </p:txBody>
+      </p:sp>
+      <p:sp>
+        <p:nvSpPr>
+          <p:cNvPr id="26" name="Flussdiagramm: Verbinder 25">
+            <a:extLst>
+              <a:ext uri="{FF2B5EF4-FFF2-40B4-BE49-F238E27FC236}">
+                <a16:creationId xmlns:a16="http://schemas.microsoft.com/office/drawing/2014/main" id="{C18DA6DA-C3DE-4982-BB58-2CE0844C4292}"/>
+              </a:ext>
+            </a:extLst>
+          </p:cNvPr>
+          <p:cNvSpPr/>
+          <p:nvPr/>
+        </p:nvSpPr>
+        <p:spPr>
+          <a:xfrm>
+            <a:off x="6758919" y="3245728"/>
+            <a:ext cx="800099" cy="810949"/>
+          </a:xfrm>
+          <a:prstGeom prst="flowChartConnector">
+            <a:avLst/>
+          </a:prstGeom>
+        </p:spPr>
+        <p:style>
+          <a:lnRef idx="2">
+            <a:schemeClr val="accent1">
+              <a:shade val="50000"/>
+            </a:schemeClr>
+          </a:lnRef>
+          <a:fillRef idx="1">
+            <a:schemeClr val="accent1"/>
+          </a:fillRef>
+          <a:effectRef idx="0">
+            <a:schemeClr val="accent1"/>
+          </a:effectRef>
+          <a:fontRef idx="minor">
+            <a:schemeClr val="lt1"/>
+          </a:fontRef>
+        </p:style>
+        <p:txBody>
+          <a:bodyPr rtlCol="0" anchor="ctr"/>
+          <a:lstStyle/>
+          <a:p>
+            <a:pPr algn="ctr"/>
+            <a:r>
+              <a:rPr lang="de-DE" sz="4800" b="1" dirty="0"/>
+              <a:t>&gt;</a:t>
+            </a:r>
+          </a:p>
+        </p:txBody>
+      </p:sp>
+      <p:sp>
+        <p:nvSpPr>
+          <p:cNvPr id="27" name="Textfeld 26">
+            <a:extLst>
+              <a:ext uri="{FF2B5EF4-FFF2-40B4-BE49-F238E27FC236}">
+                <a16:creationId xmlns:a16="http://schemas.microsoft.com/office/drawing/2014/main" id="{6254D000-2E15-4019-9FA9-6EACFF887020}"/>
+              </a:ext>
+            </a:extLst>
+          </p:cNvPr>
+          <p:cNvSpPr txBox="1"/>
+          <p:nvPr/>
+        </p:nvSpPr>
+        <p:spPr>
+          <a:xfrm>
+            <a:off x="2193171" y="4056677"/>
+            <a:ext cx="1739066" cy="461665"/>
+          </a:xfrm>
+          <a:prstGeom prst="rect">
+            <a:avLst/>
+          </a:prstGeom>
+          <a:noFill/>
+        </p:spPr>
+        <p:txBody>
+          <a:bodyPr wrap="none" rtlCol="0">
+            <a:spAutoFit/>
+          </a:bodyPr>
+          <a:lstStyle/>
+          <a:p>
+            <a:r>
+              <a:rPr lang="de-DE" sz="2400" dirty="0"/>
+              <a:t>Background</a:t>
+            </a:r>
+          </a:p>
+        </p:txBody>
+      </p:sp>
+      <p:sp>
+        <p:nvSpPr>
+          <p:cNvPr id="28" name="Textfeld 27">
+            <a:extLst>
+              <a:ext uri="{FF2B5EF4-FFF2-40B4-BE49-F238E27FC236}">
+                <a16:creationId xmlns:a16="http://schemas.microsoft.com/office/drawing/2014/main" id="{339A812A-C1AC-4621-A628-1A7874B3498C}"/>
+              </a:ext>
+            </a:extLst>
+          </p:cNvPr>
+          <p:cNvSpPr txBox="1"/>
+          <p:nvPr/>
+        </p:nvSpPr>
+        <p:spPr>
+          <a:xfrm>
+            <a:off x="2559649" y="1591741"/>
+            <a:ext cx="1006109" cy="461665"/>
+          </a:xfrm>
+          <a:prstGeom prst="rect">
+            <a:avLst/>
+          </a:prstGeom>
+          <a:noFill/>
+        </p:spPr>
+        <p:txBody>
+          <a:bodyPr wrap="none" rtlCol="0">
+            <a:spAutoFit/>
+          </a:bodyPr>
+          <a:lstStyle/>
+          <a:p>
+            <a:r>
+              <a:rPr lang="de-DE" sz="2400" dirty="0"/>
+              <a:t>Frame</a:t>
+            </a:r>
+          </a:p>
+        </p:txBody>
+      </p:sp>
+      <p:sp>
+        <p:nvSpPr>
+          <p:cNvPr id="29" name="Textfeld 28">
+            <a:extLst>
+              <a:ext uri="{FF2B5EF4-FFF2-40B4-BE49-F238E27FC236}">
+                <a16:creationId xmlns:a16="http://schemas.microsoft.com/office/drawing/2014/main" id="{ADF2DD8A-E031-4555-BE94-195C9FB5FB21}"/>
+              </a:ext>
+            </a:extLst>
+          </p:cNvPr>
+          <p:cNvSpPr txBox="1"/>
+          <p:nvPr/>
+        </p:nvSpPr>
+        <p:spPr>
+          <a:xfrm>
+            <a:off x="6476300" y="2694641"/>
+            <a:ext cx="1467068" cy="461665"/>
+          </a:xfrm>
+          <a:prstGeom prst="rect">
+            <a:avLst/>
+          </a:prstGeom>
+          <a:noFill/>
+        </p:spPr>
+        <p:txBody>
+          <a:bodyPr wrap="none" rtlCol="0">
+            <a:spAutoFit/>
+          </a:bodyPr>
+          <a:lstStyle/>
+          <a:p>
+            <a:r>
+              <a:rPr lang="de-DE" sz="2400" dirty="0"/>
+              <a:t>Threshold</a:t>
+            </a:r>
+          </a:p>
+        </p:txBody>
+      </p:sp>
+      <p:sp>
+        <p:nvSpPr>
+          <p:cNvPr id="30" name="Textfeld 29">
+            <a:extLst>
+              <a:ext uri="{FF2B5EF4-FFF2-40B4-BE49-F238E27FC236}">
+                <a16:creationId xmlns:a16="http://schemas.microsoft.com/office/drawing/2014/main" id="{CBD626DE-D73C-4E89-84CA-9E9D8CD65DB5}"/>
+              </a:ext>
+            </a:extLst>
+          </p:cNvPr>
+          <p:cNvSpPr txBox="1"/>
+          <p:nvPr/>
+        </p:nvSpPr>
+        <p:spPr>
+          <a:xfrm>
+            <a:off x="9265295" y="2168341"/>
+            <a:ext cx="894797" cy="461665"/>
+          </a:xfrm>
+          <a:prstGeom prst="rect">
+            <a:avLst/>
+          </a:prstGeom>
+          <a:noFill/>
+        </p:spPr>
+        <p:txBody>
+          <a:bodyPr wrap="none" rtlCol="0">
+            <a:spAutoFit/>
+          </a:bodyPr>
+          <a:lstStyle/>
+          <a:p>
+            <a:r>
+              <a:rPr lang="de-DE" sz="2400" dirty="0" err="1"/>
+              <a:t>Mask</a:t>
+            </a:r>
+            <a:endParaRPr lang="de-DE" sz="2400" dirty="0"/>
+          </a:p>
+        </p:txBody>
+      </p:sp>
+      <p:sp>
+        <p:nvSpPr>
+          <p:cNvPr id="31" name="Inhaltsplatzhalter 2">
+            <a:extLst>
+              <a:ext uri="{FF2B5EF4-FFF2-40B4-BE49-F238E27FC236}">
+                <a16:creationId xmlns:a16="http://schemas.microsoft.com/office/drawing/2014/main" id="{B94EBC4F-6A10-402F-9FCE-37CF2F9DF0E7}"/>
+              </a:ext>
+            </a:extLst>
+          </p:cNvPr>
+          <p:cNvSpPr txBox="1">
+            <a:spLocks/>
+          </p:cNvSpPr>
+          <p:nvPr/>
+        </p:nvSpPr>
+        <p:spPr>
+          <a:xfrm>
+            <a:off x="6262341" y="4555199"/>
+            <a:ext cx="9601200" cy="3581400"/>
+          </a:xfrm>
+          <a:prstGeom prst="rect">
+            <a:avLst/>
+          </a:prstGeom>
+        </p:spPr>
+        <p:txBody>
+          <a:bodyPr vert="horz" lIns="91440" tIns="45720" rIns="91440" bIns="45720" rtlCol="0">
+            <a:normAutofit/>
+          </a:bodyPr>
+          <a:lstStyle>
+            <a:lvl1pPr marL="384048" indent="-384048" algn="l" defTabSz="914400" rtl="0" eaLnBrk="1" latinLnBrk="0" hangingPunct="1">
+              <a:lnSpc>
+                <a:spcPct val="94000"/>
+              </a:lnSpc>
+              <a:spcBef>
+                <a:spcPts val="1000"/>
+              </a:spcBef>
+              <a:spcAft>
+                <a:spcPts val="200"/>
+              </a:spcAft>
+              <a:buFont typeface="Franklin Gothic Book" panose="020B0503020102020204" pitchFamily="34" charset="0"/>
+              <a:buChar char="■"/>
+              <a:defRPr sz="2000" kern="1200" baseline="0">
+                <a:solidFill>
+                  <a:schemeClr val="tx2"/>
+                </a:solidFill>
+                <a:latin typeface="+mn-lt"/>
+                <a:ea typeface="+mn-ea"/>
+                <a:cs typeface="+mn-cs"/>
+              </a:defRPr>
+            </a:lvl1pPr>
+            <a:lvl2pPr marL="914400" indent="-384048" algn="l" defTabSz="914400" rtl="0" eaLnBrk="1" latinLnBrk="0" hangingPunct="1">
+              <a:lnSpc>
+                <a:spcPct val="94000"/>
+              </a:lnSpc>
+              <a:spcBef>
+                <a:spcPts val="500"/>
+              </a:spcBef>
+              <a:spcAft>
+                <a:spcPts val="200"/>
+              </a:spcAft>
+              <a:buFont typeface="Franklin Gothic Book" panose="020B0503020102020204" pitchFamily="34" charset="0"/>
+              <a:buChar char="–"/>
+              <a:defRPr sz="2000" i="1" kern="1200" baseline="0">
+                <a:solidFill>
+                  <a:schemeClr val="tx2"/>
+                </a:solidFill>
+                <a:latin typeface="+mn-lt"/>
+                <a:ea typeface="+mn-ea"/>
+                <a:cs typeface="+mn-cs"/>
+              </a:defRPr>
+            </a:lvl2pPr>
+            <a:lvl3pPr marL="1371600" indent="-384048" algn="l" defTabSz="914400" rtl="0" eaLnBrk="1" latinLnBrk="0" hangingPunct="1">
+              <a:lnSpc>
+                <a:spcPct val="94000"/>
+              </a:lnSpc>
+              <a:spcBef>
+                <a:spcPts val="500"/>
+              </a:spcBef>
+              <a:spcAft>
+                <a:spcPts val="200"/>
+              </a:spcAft>
+              <a:buFont typeface="Franklin Gothic Book" panose="020B0503020102020204" pitchFamily="34" charset="0"/>
+              <a:buChar char="■"/>
+              <a:defRPr sz="1800" kern="1200" baseline="0">
+                <a:solidFill>
+                  <a:schemeClr val="tx2"/>
+                </a:solidFill>
+                <a:latin typeface="+mn-lt"/>
+                <a:ea typeface="+mn-ea"/>
+                <a:cs typeface="+mn-cs"/>
+              </a:defRPr>
+            </a:lvl3pPr>
+            <a:lvl4pPr marL="1828800" indent="-384048" algn="l" defTabSz="914400" rtl="0" eaLnBrk="1" latinLnBrk="0" hangingPunct="1">
+              <a:lnSpc>
+                <a:spcPct val="94000"/>
+              </a:lnSpc>
+              <a:spcBef>
+                <a:spcPts val="500"/>
+              </a:spcBef>
+              <a:spcAft>
+                <a:spcPts val="200"/>
+              </a:spcAft>
+              <a:buFont typeface="Franklin Gothic Book" panose="020B0503020102020204" pitchFamily="34" charset="0"/>
+              <a:buChar char="–"/>
+              <a:defRPr sz="1800" i="1" kern="1200" baseline="0">
+                <a:solidFill>
+                  <a:schemeClr val="tx2"/>
+                </a:solidFill>
+                <a:latin typeface="+mn-lt"/>
+                <a:ea typeface="+mn-ea"/>
+                <a:cs typeface="+mn-cs"/>
+              </a:defRPr>
+            </a:lvl4pPr>
+            <a:lvl5pPr marL="2286000" indent="-384048" algn="l" defTabSz="914400" rtl="0" eaLnBrk="1" latinLnBrk="0" hangingPunct="1">
+              <a:lnSpc>
+                <a:spcPct val="94000"/>
+              </a:lnSpc>
+              <a:spcBef>
+                <a:spcPts val="500"/>
+              </a:spcBef>
+              <a:spcAft>
+                <a:spcPts val="200"/>
+              </a:spcAft>
+              <a:buFont typeface="Franklin Gothic Book" panose="020B0503020102020204" pitchFamily="34" charset="0"/>
+              <a:buChar char="■"/>
+              <a:defRPr sz="1600" kern="1200" baseline="0">
+                <a:solidFill>
+                  <a:schemeClr val="tx2"/>
+                </a:solidFill>
+                <a:latin typeface="+mn-lt"/>
+                <a:ea typeface="+mn-ea"/>
+                <a:cs typeface="+mn-cs"/>
+              </a:defRPr>
+            </a:lvl5pPr>
+            <a:lvl6pPr marL="2743200" indent="-384048" algn="l" defTabSz="914400" rtl="0" eaLnBrk="1" latinLnBrk="0" hangingPunct="1">
+              <a:lnSpc>
+                <a:spcPct val="94000"/>
+              </a:lnSpc>
+              <a:spcBef>
+                <a:spcPts val="500"/>
+              </a:spcBef>
+              <a:spcAft>
+                <a:spcPts val="200"/>
+              </a:spcAft>
+              <a:buFont typeface="Franklin Gothic Book" panose="020B0503020102020204" pitchFamily="34" charset="0"/>
+              <a:buChar char="–"/>
+              <a:defRPr sz="1600" i="1" kern="1200" baseline="0">
+                <a:solidFill>
+                  <a:schemeClr val="tx2"/>
+                </a:solidFill>
+                <a:latin typeface="+mn-lt"/>
+                <a:ea typeface="+mn-ea"/>
+                <a:cs typeface="+mn-cs"/>
+              </a:defRPr>
+            </a:lvl6pPr>
+            <a:lvl7pPr marL="3200400" indent="-384048" algn="l" defTabSz="914400" rtl="0" eaLnBrk="1" latinLnBrk="0" hangingPunct="1">
+              <a:lnSpc>
+                <a:spcPct val="94000"/>
+              </a:lnSpc>
+              <a:spcBef>
+                <a:spcPts val="500"/>
+              </a:spcBef>
+              <a:spcAft>
+                <a:spcPts val="200"/>
+              </a:spcAft>
+              <a:buFont typeface="Franklin Gothic Book" panose="020B0503020102020204" pitchFamily="34" charset="0"/>
+              <a:buChar char="■"/>
+              <a:defRPr sz="1400" kern="1200" baseline="0">
+                <a:solidFill>
+                  <a:schemeClr val="tx2"/>
+                </a:solidFill>
+                <a:latin typeface="+mn-lt"/>
+                <a:ea typeface="+mn-ea"/>
+                <a:cs typeface="+mn-cs"/>
+              </a:defRPr>
+            </a:lvl7pPr>
+            <a:lvl8pPr marL="3657600" indent="-384048" algn="l" defTabSz="914400" rtl="0" eaLnBrk="1" latinLnBrk="0" hangingPunct="1">
+              <a:lnSpc>
+                <a:spcPct val="94000"/>
+              </a:lnSpc>
+              <a:spcBef>
+                <a:spcPts val="500"/>
+              </a:spcBef>
+              <a:spcAft>
+                <a:spcPts val="200"/>
+              </a:spcAft>
+              <a:buFont typeface="Franklin Gothic Book" panose="020B0503020102020204" pitchFamily="34" charset="0"/>
+              <a:buChar char="–"/>
+              <a:defRPr sz="1400" i="1" kern="1200" baseline="0">
+                <a:solidFill>
+                  <a:schemeClr val="tx2"/>
+                </a:solidFill>
+                <a:latin typeface="+mn-lt"/>
+                <a:ea typeface="+mn-ea"/>
+                <a:cs typeface="+mn-cs"/>
+              </a:defRPr>
+            </a:lvl8pPr>
+            <a:lvl9pPr marL="4114800" indent="-384048" algn="l" defTabSz="914400" rtl="0" eaLnBrk="1" latinLnBrk="0" hangingPunct="1">
+              <a:lnSpc>
+                <a:spcPct val="94000"/>
+              </a:lnSpc>
+              <a:spcBef>
+                <a:spcPts val="500"/>
+              </a:spcBef>
+              <a:spcAft>
+                <a:spcPts val="200"/>
+              </a:spcAft>
+              <a:buFont typeface="Franklin Gothic Book" panose="020B0503020102020204" pitchFamily="34" charset="0"/>
+              <a:buChar char="■"/>
+              <a:defRPr sz="1400" kern="1200" baseline="0">
+                <a:solidFill>
+                  <a:schemeClr val="tx2"/>
+                </a:solidFill>
+                <a:latin typeface="+mn-lt"/>
+                <a:ea typeface="+mn-ea"/>
+                <a:cs typeface="+mn-cs"/>
+              </a:defRPr>
+            </a:lvl9pPr>
+          </a:lstStyle>
+          <a:p>
+            <a:pPr marL="0" indent="0">
+              <a:buNone/>
+            </a:pPr>
+            <a:r>
+              <a:rPr lang="de-DE" dirty="0"/>
+              <a:t>Gute Ergebnisse</a:t>
+            </a:r>
+            <a:br>
+              <a:rPr lang="de-DE" dirty="0"/>
+            </a:br>
+            <a:endParaRPr lang="de-DE" dirty="0"/>
+          </a:p>
+          <a:p>
+            <a:pPr marL="0" indent="0">
+              <a:buNone/>
+            </a:pPr>
+            <a:r>
+              <a:rPr lang="de-DE" dirty="0"/>
+              <a:t>Unabhängig von der Hautfarbe</a:t>
+            </a:r>
+            <a:br>
+              <a:rPr lang="de-DE" dirty="0"/>
+            </a:br>
+            <a:endParaRPr lang="de-DE" dirty="0"/>
+          </a:p>
+          <a:p>
+            <a:pPr marL="0" indent="0">
+              <a:buNone/>
+            </a:pPr>
+            <a:r>
+              <a:rPr lang="de-DE" dirty="0"/>
+              <a:t>Geringe Empfindlichkeit gegenüber Lichtverhältnissen</a:t>
+            </a:r>
+          </a:p>
+        </p:txBody>
+      </p:sp>
+      <p:sp>
+        <p:nvSpPr>
+          <p:cNvPr id="32" name="Additionszeichen 31">
+            <a:extLst>
+              <a:ext uri="{FF2B5EF4-FFF2-40B4-BE49-F238E27FC236}">
+                <a16:creationId xmlns:a16="http://schemas.microsoft.com/office/drawing/2014/main" id="{0AE4F785-ED0D-4BCC-968F-668022810F7E}"/>
+              </a:ext>
+            </a:extLst>
+          </p:cNvPr>
+          <p:cNvSpPr/>
+          <p:nvPr/>
+        </p:nvSpPr>
+        <p:spPr>
+          <a:xfrm>
+            <a:off x="5799088" y="4517013"/>
+            <a:ext cx="508216" cy="452082"/>
+          </a:xfrm>
+          <a:prstGeom prst="mathPlus">
+            <a:avLst/>
+          </a:prstGeom>
+          <a:solidFill>
+            <a:srgbClr val="92D050"/>
+          </a:solidFill>
+          <a:ln w="3175"/>
+        </p:spPr>
+        <p:style>
+          <a:lnRef idx="2">
+            <a:schemeClr val="accent4">
+              <a:shade val="50000"/>
+            </a:schemeClr>
+          </a:lnRef>
+          <a:fillRef idx="1">
+            <a:schemeClr val="accent4"/>
+          </a:fillRef>
+          <a:effectRef idx="0">
+            <a:schemeClr val="accent4"/>
+          </a:effectRef>
+          <a:fontRef idx="minor">
+            <a:schemeClr val="lt1"/>
+          </a:fontRef>
+        </p:style>
+        <p:txBody>
+          <a:bodyPr rtlCol="0" anchor="ctr"/>
+          <a:lstStyle/>
+          <a:p>
+            <a:pPr algn="ctr"/>
+            <a:endParaRPr lang="de-DE"/>
+          </a:p>
+        </p:txBody>
+      </p:sp>
+      <p:sp>
+        <p:nvSpPr>
+          <p:cNvPr id="33" name="Additionszeichen 32">
+            <a:extLst>
+              <a:ext uri="{FF2B5EF4-FFF2-40B4-BE49-F238E27FC236}">
+                <a16:creationId xmlns:a16="http://schemas.microsoft.com/office/drawing/2014/main" id="{65160103-C558-4887-B215-FC7ECE6593B2}"/>
+              </a:ext>
+            </a:extLst>
+          </p:cNvPr>
+          <p:cNvSpPr/>
+          <p:nvPr/>
+        </p:nvSpPr>
+        <p:spPr>
+          <a:xfrm>
+            <a:off x="5808264" y="5233023"/>
+            <a:ext cx="508216" cy="452082"/>
+          </a:xfrm>
+          <a:prstGeom prst="mathPlus">
+            <a:avLst/>
+          </a:prstGeom>
+          <a:solidFill>
+            <a:srgbClr val="92D050"/>
+          </a:solidFill>
+          <a:ln w="3175"/>
+        </p:spPr>
+        <p:style>
+          <a:lnRef idx="2">
+            <a:schemeClr val="accent4">
+              <a:shade val="50000"/>
+            </a:schemeClr>
+          </a:lnRef>
+          <a:fillRef idx="1">
+            <a:schemeClr val="accent4"/>
+          </a:fillRef>
+          <a:effectRef idx="0">
+            <a:schemeClr val="accent4"/>
+          </a:effectRef>
+          <a:fontRef idx="minor">
+            <a:schemeClr val="lt1"/>
+          </a:fontRef>
+        </p:style>
+        <p:txBody>
+          <a:bodyPr rtlCol="0" anchor="ctr"/>
+          <a:lstStyle/>
+          <a:p>
+            <a:pPr algn="ctr"/>
+            <a:endParaRPr lang="de-DE"/>
+          </a:p>
+        </p:txBody>
+      </p:sp>
+      <p:sp>
+        <p:nvSpPr>
+          <p:cNvPr id="34" name="Additionszeichen 33">
+            <a:extLst>
+              <a:ext uri="{FF2B5EF4-FFF2-40B4-BE49-F238E27FC236}">
+                <a16:creationId xmlns:a16="http://schemas.microsoft.com/office/drawing/2014/main" id="{F272C125-9B3C-417B-ACF9-2A5833FAECE4}"/>
+              </a:ext>
+            </a:extLst>
+          </p:cNvPr>
+          <p:cNvSpPr/>
+          <p:nvPr/>
+        </p:nvSpPr>
+        <p:spPr>
+          <a:xfrm>
+            <a:off x="5808264" y="5968801"/>
+            <a:ext cx="508216" cy="452082"/>
+          </a:xfrm>
+          <a:prstGeom prst="mathPlus">
+            <a:avLst/>
+          </a:prstGeom>
+          <a:solidFill>
+            <a:srgbClr val="92D050"/>
+          </a:solidFill>
+          <a:ln w="3175"/>
+        </p:spPr>
+        <p:style>
+          <a:lnRef idx="2">
+            <a:schemeClr val="accent4">
+              <a:shade val="50000"/>
+            </a:schemeClr>
+          </a:lnRef>
+          <a:fillRef idx="1">
+            <a:schemeClr val="accent4"/>
+          </a:fillRef>
+          <a:effectRef idx="0">
+            <a:schemeClr val="accent4"/>
+          </a:effectRef>
+          <a:fontRef idx="minor">
+            <a:schemeClr val="lt1"/>
+          </a:fontRef>
+        </p:style>
+        <p:txBody>
+          <a:bodyPr rtlCol="0" anchor="ctr"/>
+          <a:lstStyle/>
+          <a:p>
+            <a:pPr algn="ctr"/>
             <a:endParaRPr lang="de-DE"/>
           </a:p>
         </p:txBody>
@@ -4658,7 +5957,7 @@
     </p:spTree>
     <p:extLst>
       <p:ext uri="{BB962C8B-B14F-4D97-AF65-F5344CB8AC3E}">
-        <p14:creationId xmlns:p14="http://schemas.microsoft.com/office/powerpoint/2010/main" val="1197332737"/>
+        <p14:creationId xmlns:p14="http://schemas.microsoft.com/office/powerpoint/2010/main" val="1292432853"/>
       </p:ext>
     </p:extLst>
   </p:cSld>
@@ -4690,7 +5989,7 @@
           <p:cNvPr id="2" name="Titel 1">
             <a:extLst>
               <a:ext uri="{FF2B5EF4-FFF2-40B4-BE49-F238E27FC236}">
-                <a16:creationId xmlns:a16="http://schemas.microsoft.com/office/drawing/2014/main" id="{524F2D79-0293-42CB-8EAB-DB73F48CD7DF}"/>
+                <a16:creationId xmlns:a16="http://schemas.microsoft.com/office/drawing/2014/main" id="{81F584B0-215C-49FF-BE83-CF725679C0D9}"/>
               </a:ext>
             </a:extLst>
           </p:cNvPr>
@@ -4701,7 +6000,12 @@
             <p:ph type="title"/>
           </p:nvPr>
         </p:nvSpPr>
-        <p:spPr/>
+        <p:spPr>
+          <a:xfrm>
+            <a:off x="1371600" y="219076"/>
+            <a:ext cx="9601200" cy="1485900"/>
+          </a:xfrm>
+        </p:spPr>
         <p:txBody>
           <a:bodyPr/>
           <a:lstStyle/>
@@ -4723,7 +6027,7 @@
           <p:cNvPr id="3" name="Inhaltsplatzhalter 2">
             <a:extLst>
               <a:ext uri="{FF2B5EF4-FFF2-40B4-BE49-F238E27FC236}">
-                <a16:creationId xmlns:a16="http://schemas.microsoft.com/office/drawing/2014/main" id="{36DDE1E0-4A57-4150-96F2-FFBC39789A00}"/>
+                <a16:creationId xmlns:a16="http://schemas.microsoft.com/office/drawing/2014/main" id="{818D798B-5674-47CA-A4FB-DC243A18A399}"/>
               </a:ext>
             </a:extLst>
           </p:cNvPr>
@@ -4734,89 +6038,207 @@
             <p:ph idx="1"/>
           </p:nvPr>
         </p:nvSpPr>
-        <p:spPr/>
+        <p:spPr>
+          <a:xfrm>
+            <a:off x="1371600" y="944562"/>
+            <a:ext cx="9601200" cy="4178300"/>
+          </a:xfrm>
+        </p:spPr>
         <p:txBody>
           <a:bodyPr/>
           <a:lstStyle/>
           <a:p>
             <a:r>
+              <a:rPr lang="de-DE" dirty="0"/>
+              <a:t>Berechnung des  Durchschnittwertes</a:t>
+            </a:r>
+          </a:p>
+          <a:p>
+            <a:endParaRPr lang="de-DE" dirty="0"/>
+          </a:p>
+          <a:p>
+            <a:endParaRPr lang="de-DE" dirty="0"/>
+          </a:p>
+          <a:p>
+            <a:endParaRPr lang="de-DE" dirty="0"/>
+          </a:p>
+          <a:p>
+            <a:pPr marL="0" indent="0">
+              <a:buNone/>
+            </a:pPr>
+            <a:endParaRPr lang="de-DE" dirty="0"/>
+          </a:p>
+          <a:p>
+            <a:endParaRPr lang="de-DE" dirty="0"/>
+          </a:p>
+          <a:p>
+            <a:r>
+              <a:rPr lang="de-DE" dirty="0"/>
+              <a:t>Subtrahieren durch </a:t>
+            </a:r>
+            <a:r>
               <a:rPr lang="de-DE" dirty="0" err="1"/>
-              <a:t>Good</a:t>
-            </a:r>
-            <a:r>
-              <a:rPr lang="de-DE" dirty="0"/>
-              <a:t> </a:t>
-            </a:r>
-            <a:r>
-              <a:rPr lang="de-DE" dirty="0" err="1"/>
-              <a:t>results</a:t>
+              <a:t>BackgroundSubtractor</a:t>
             </a:r>
             <a:endParaRPr lang="de-DE" dirty="0"/>
           </a:p>
-          <a:p>
-            <a:r>
-              <a:rPr lang="de-DE" dirty="0" err="1"/>
-              <a:t>Regardless</a:t>
-            </a:r>
-            <a:r>
-              <a:rPr lang="de-DE" dirty="0"/>
-              <a:t> </a:t>
-            </a:r>
-            <a:r>
-              <a:rPr lang="de-DE" dirty="0" err="1"/>
-              <a:t>of</a:t>
-            </a:r>
-            <a:r>
-              <a:rPr lang="de-DE" dirty="0"/>
-              <a:t> </a:t>
-            </a:r>
-            <a:r>
-              <a:rPr lang="de-DE" dirty="0" err="1"/>
-              <a:t>skin</a:t>
-            </a:r>
-            <a:r>
-              <a:rPr lang="de-DE" dirty="0"/>
-              <a:t> </a:t>
-            </a:r>
-            <a:r>
-              <a:rPr lang="de-DE" dirty="0" err="1"/>
-              <a:t>color</a:t>
-            </a:r>
-            <a:endParaRPr lang="de-DE" dirty="0"/>
-          </a:p>
-          <a:p>
-            <a:r>
-              <a:rPr lang="de-DE" dirty="0"/>
-              <a:t>Independent </a:t>
-            </a:r>
-            <a:r>
-              <a:rPr lang="de-DE" dirty="0" err="1"/>
-              <a:t>of</a:t>
-            </a:r>
-            <a:r>
-              <a:rPr lang="de-DE" dirty="0"/>
-              <a:t> </a:t>
-            </a:r>
-            <a:r>
-              <a:rPr lang="de-DE" dirty="0" err="1"/>
-              <a:t>lighting</a:t>
-            </a:r>
-            <a:r>
-              <a:rPr lang="de-DE" dirty="0"/>
-              <a:t> </a:t>
-            </a:r>
-            <a:r>
-              <a:rPr lang="de-DE" dirty="0" err="1"/>
-              <a:t>conditions</a:t>
-            </a:r>
-            <a:endParaRPr lang="de-DE" dirty="0"/>
-          </a:p>
-        </p:txBody>
-      </p:sp>
+        </p:txBody>
+      </p:sp>
+      <p:pic>
+        <p:nvPicPr>
+          <p:cNvPr id="6" name="Grafik 5">
+            <a:extLst>
+              <a:ext uri="{FF2B5EF4-FFF2-40B4-BE49-F238E27FC236}">
+                <a16:creationId xmlns:a16="http://schemas.microsoft.com/office/drawing/2014/main" id="{FE6129B9-66A8-43E2-B8E6-A724B0D62E1E}"/>
+              </a:ext>
+            </a:extLst>
+          </p:cNvPr>
+          <p:cNvPicPr>
+            <a:picLocks noChangeAspect="1"/>
+          </p:cNvPicPr>
+          <p:nvPr/>
+        </p:nvPicPr>
+        <p:blipFill>
+          <a:blip r:embed="rId2"/>
+          <a:stretch>
+            <a:fillRect/>
+          </a:stretch>
+        </p:blipFill>
+        <p:spPr>
+          <a:xfrm>
+            <a:off x="866775" y="4038769"/>
+            <a:ext cx="4933950" cy="714375"/>
+          </a:xfrm>
+          <a:prstGeom prst="rect">
+            <a:avLst/>
+          </a:prstGeom>
+          <a:effectLst>
+            <a:outerShdw blurRad="50800" dist="38100" dir="2700000" algn="tl" rotWithShape="0">
+              <a:prstClr val="black">
+                <a:alpha val="40000"/>
+              </a:prstClr>
+            </a:outerShdw>
+          </a:effectLst>
+        </p:spPr>
+      </p:pic>
+      <p:pic>
+        <p:nvPicPr>
+          <p:cNvPr id="7" name="Grafik 6">
+            <a:extLst>
+              <a:ext uri="{FF2B5EF4-FFF2-40B4-BE49-F238E27FC236}">
+                <a16:creationId xmlns:a16="http://schemas.microsoft.com/office/drawing/2014/main" id="{534DDA2D-85E4-4054-BA16-E0D52168CA0C}"/>
+              </a:ext>
+            </a:extLst>
+          </p:cNvPr>
+          <p:cNvPicPr>
+            <a:picLocks noChangeAspect="1"/>
+          </p:cNvPicPr>
+          <p:nvPr/>
+        </p:nvPicPr>
+        <p:blipFill>
+          <a:blip r:embed="rId3"/>
+          <a:stretch>
+            <a:fillRect/>
+          </a:stretch>
+        </p:blipFill>
+        <p:spPr>
+          <a:xfrm>
+            <a:off x="6096000" y="4038769"/>
+            <a:ext cx="5258534" cy="2410161"/>
+          </a:xfrm>
+          <a:prstGeom prst="rect">
+            <a:avLst/>
+          </a:prstGeom>
+          <a:effectLst>
+            <a:outerShdw blurRad="50800" dist="38100" dir="2700000" algn="tl" rotWithShape="0">
+              <a:prstClr val="black">
+                <a:alpha val="40000"/>
+              </a:prstClr>
+            </a:outerShdw>
+          </a:effectLst>
+        </p:spPr>
+      </p:pic>
+      <p:pic>
+        <p:nvPicPr>
+          <p:cNvPr id="11" name="Grafik 10">
+            <a:extLst>
+              <a:ext uri="{FF2B5EF4-FFF2-40B4-BE49-F238E27FC236}">
+                <a16:creationId xmlns:a16="http://schemas.microsoft.com/office/drawing/2014/main" id="{A14CC1F5-0163-468A-B6A6-5BF09ABB2126}"/>
+              </a:ext>
+            </a:extLst>
+          </p:cNvPr>
+          <p:cNvPicPr>
+            <a:picLocks noChangeAspect="1"/>
+          </p:cNvPicPr>
+          <p:nvPr/>
+        </p:nvPicPr>
+        <p:blipFill>
+          <a:blip r:embed="rId4"/>
+          <a:stretch>
+            <a:fillRect/>
+          </a:stretch>
+        </p:blipFill>
+        <p:spPr>
+          <a:xfrm>
+            <a:off x="6172200" y="1420272"/>
+            <a:ext cx="6086475" cy="1247775"/>
+          </a:xfrm>
+          <a:prstGeom prst="rect">
+            <a:avLst/>
+          </a:prstGeom>
+          <a:effectLst>
+            <a:outerShdw blurRad="50800" dist="38100" dir="2700000" algn="tl" rotWithShape="0">
+              <a:prstClr val="black">
+                <a:alpha val="40000"/>
+              </a:prstClr>
+            </a:outerShdw>
+          </a:effectLst>
+        </p:spPr>
+      </p:pic>
+      <p:pic>
+        <p:nvPicPr>
+          <p:cNvPr id="12" name="Grafik 11">
+            <a:extLst>
+              <a:ext uri="{FF2B5EF4-FFF2-40B4-BE49-F238E27FC236}">
+                <a16:creationId xmlns:a16="http://schemas.microsoft.com/office/drawing/2014/main" id="{E2F144D8-1D29-44BF-99A7-9BA506D13272}"/>
+              </a:ext>
+            </a:extLst>
+          </p:cNvPr>
+          <p:cNvPicPr>
+            <a:picLocks noChangeAspect="1"/>
+          </p:cNvPicPr>
+          <p:nvPr/>
+        </p:nvPicPr>
+        <p:blipFill>
+          <a:blip r:embed="rId5"/>
+          <a:stretch>
+            <a:fillRect/>
+          </a:stretch>
+        </p:blipFill>
+        <p:spPr>
+          <a:xfrm>
+            <a:off x="989866" y="1420272"/>
+            <a:ext cx="5076825" cy="657225"/>
+          </a:xfrm>
+          <a:prstGeom prst="rect">
+            <a:avLst/>
+          </a:prstGeom>
+          <a:ln>
+            <a:noFill/>
+          </a:ln>
+          <a:effectLst>
+            <a:outerShdw blurRad="50800" dist="38100" dir="2700000" algn="tl" rotWithShape="0">
+              <a:prstClr val="black">
+                <a:alpha val="40000"/>
+              </a:prstClr>
+            </a:outerShdw>
+          </a:effectLst>
+        </p:spPr>
+      </p:pic>
     </p:spTree>
     <p:extLst>
       <p:ext uri="{BB962C8B-B14F-4D97-AF65-F5344CB8AC3E}">
-        <p14:creationId xmlns:p14="http://schemas.microsoft.com/office/powerpoint/2010/main" val="818185047"/>
+        <p14:creationId xmlns:p14="http://schemas.microsoft.com/office/powerpoint/2010/main" val="4272818907"/>
       </p:ext>
     </p:extLst>
   </p:cSld>
@@ -4848,7 +6270,7 @@
           <p:cNvPr id="2" name="Titel 1">
             <a:extLst>
               <a:ext uri="{FF2B5EF4-FFF2-40B4-BE49-F238E27FC236}">
-                <a16:creationId xmlns:a16="http://schemas.microsoft.com/office/drawing/2014/main" id="{2C955E82-1CCA-4921-B739-9D857E53D91C}"/>
+                <a16:creationId xmlns:a16="http://schemas.microsoft.com/office/drawing/2014/main" id="{03B232AC-E69F-4710-BCBA-62FB539A7D2C}"/>
               </a:ext>
             </a:extLst>
           </p:cNvPr>
@@ -4865,16 +6287,12 @@
           <a:lstStyle/>
           <a:p>
             <a:r>
+              <a:rPr lang="de-DE" dirty="0"/>
+              <a:t>Background </a:t>
+            </a:r>
+            <a:r>
               <a:rPr lang="de-DE" dirty="0" err="1"/>
-              <a:t>Camera</a:t>
-            </a:r>
-            <a:r>
-              <a:rPr lang="de-DE" dirty="0"/>
-              <a:t> </a:t>
-            </a:r>
-            <a:r>
-              <a:rPr lang="de-DE" dirty="0" err="1"/>
-              <a:t>Capturing</a:t>
+              <a:t>Subtraction</a:t>
             </a:r>
             <a:endParaRPr lang="de-DE" dirty="0"/>
           </a:p>
@@ -4885,7 +6303,7 @@
           <p:cNvPr id="3" name="Inhaltsplatzhalter 2">
             <a:extLst>
               <a:ext uri="{FF2B5EF4-FFF2-40B4-BE49-F238E27FC236}">
-                <a16:creationId xmlns:a16="http://schemas.microsoft.com/office/drawing/2014/main" id="{AF8B48C2-FBC5-415F-A74C-89093C75F117}"/>
+                <a16:creationId xmlns:a16="http://schemas.microsoft.com/office/drawing/2014/main" id="{FB48F235-4F4F-404E-81E6-DC8077936E7F}"/>
               </a:ext>
             </a:extLst>
           </p:cNvPr>
@@ -4896,19 +6314,107 @@
             <p:ph idx="1"/>
           </p:nvPr>
         </p:nvSpPr>
-        <p:spPr/>
+        <p:spPr>
+          <a:xfrm>
+            <a:off x="1295400" y="1981200"/>
+            <a:ext cx="9601200" cy="3581400"/>
+          </a:xfrm>
+        </p:spPr>
         <p:txBody>
           <a:bodyPr/>
           <a:lstStyle/>
           <a:p>
-            <a:endParaRPr lang="de-DE"/>
-          </a:p>
-        </p:txBody>
-      </p:sp>
+            <a:r>
+              <a:rPr lang="de-DE" dirty="0"/>
+              <a:t>Aufbereiten des Bildes durch</a:t>
+            </a:r>
+          </a:p>
+          <a:p>
+            <a:pPr lvl="1"/>
+            <a:r>
+              <a:rPr lang="de-DE" dirty="0"/>
+              <a:t>Bilateralen Filter</a:t>
+            </a:r>
+          </a:p>
+          <a:p>
+            <a:pPr lvl="1"/>
+            <a:r>
+              <a:rPr lang="de-DE" dirty="0" err="1"/>
+              <a:t>Grayscale</a:t>
+            </a:r>
+            <a:endParaRPr lang="de-DE" dirty="0"/>
+          </a:p>
+          <a:p>
+            <a:pPr lvl="1"/>
+            <a:r>
+              <a:rPr lang="de-DE" dirty="0" err="1"/>
+              <a:t>Gaussian</a:t>
+            </a:r>
+            <a:r>
+              <a:rPr lang="de-DE" dirty="0"/>
+              <a:t> Blur</a:t>
+            </a:r>
+          </a:p>
+          <a:p>
+            <a:pPr lvl="1"/>
+            <a:r>
+              <a:rPr lang="de-DE" dirty="0"/>
+              <a:t>Threshold</a:t>
+            </a:r>
+          </a:p>
+          <a:p>
+            <a:pPr lvl="1"/>
+            <a:r>
+              <a:rPr lang="de-DE" dirty="0"/>
+              <a:t>Erosion</a:t>
+            </a:r>
+          </a:p>
+        </p:txBody>
+      </p:sp>
+      <p:pic>
+        <p:nvPicPr>
+          <p:cNvPr id="4" name="Grafik 3">
+            <a:extLst>
+              <a:ext uri="{FF2B5EF4-FFF2-40B4-BE49-F238E27FC236}">
+                <a16:creationId xmlns:a16="http://schemas.microsoft.com/office/drawing/2014/main" id="{7E53E38C-B493-4009-B189-221ACA7086BE}"/>
+              </a:ext>
+            </a:extLst>
+          </p:cNvPr>
+          <p:cNvPicPr>
+            <a:picLocks noChangeAspect="1"/>
+          </p:cNvPicPr>
+          <p:nvPr/>
+        </p:nvPicPr>
+        <p:blipFill>
+          <a:blip r:embed="rId2"/>
+          <a:stretch>
+            <a:fillRect/>
+          </a:stretch>
+        </p:blipFill>
+        <p:spPr>
+          <a:xfrm>
+            <a:off x="5346237" y="1981200"/>
+            <a:ext cx="6630325" cy="3829584"/>
+          </a:xfrm>
+          <a:prstGeom prst="rect">
+            <a:avLst/>
+          </a:prstGeom>
+          <a:ln>
+            <a:noFill/>
+          </a:ln>
+          <a:effectLst>
+            <a:outerShdw blurRad="292100" dist="139700" dir="2700000" algn="tl" rotWithShape="0">
+              <a:srgbClr val="333333">
+                <a:alpha val="65000"/>
+              </a:srgbClr>
+            </a:outerShdw>
+          </a:effectLst>
+        </p:spPr>
+      </p:pic>
     </p:spTree>
     <p:extLst>
       <p:ext uri="{BB962C8B-B14F-4D97-AF65-F5344CB8AC3E}">
-        <p14:creationId xmlns:p14="http://schemas.microsoft.com/office/powerpoint/2010/main" val="2920523183"/>
+        <p14:creationId xmlns:p14="http://schemas.microsoft.com/office/powerpoint/2010/main" val="3669376018"/>
       </p:ext>
     </p:extLst>
   </p:cSld>
@@ -4937,10 +6443,78 @@
       </p:grpSpPr>
       <p:sp>
         <p:nvSpPr>
-          <p:cNvPr id="2" name="Titel 1">
-            <a:extLst>
-              <a:ext uri="{FF2B5EF4-FFF2-40B4-BE49-F238E27FC236}">
-                <a16:creationId xmlns:a16="http://schemas.microsoft.com/office/drawing/2014/main" id="{457FC214-453E-4352-AFB7-C630FB574ABE}"/>
+          <p:cNvPr id="6" name="Inhaltsplatzhalter 2">
+            <a:extLst>
+              <a:ext uri="{FF2B5EF4-FFF2-40B4-BE49-F238E27FC236}">
+                <a16:creationId xmlns:a16="http://schemas.microsoft.com/office/drawing/2014/main" id="{865A8F47-B412-46DA-BF2E-E2C766B5C485}"/>
+              </a:ext>
+            </a:extLst>
+          </p:cNvPr>
+          <p:cNvSpPr>
+            <a:spLocks noGrp="1"/>
+          </p:cNvSpPr>
+          <p:nvPr>
+            <p:ph idx="1"/>
+          </p:nvPr>
+        </p:nvSpPr>
+        <p:spPr>
+          <a:xfrm>
+            <a:off x="1371600" y="1065332"/>
+            <a:ext cx="9601200" cy="4178300"/>
+          </a:xfrm>
+        </p:spPr>
+        <p:txBody>
+          <a:bodyPr/>
+          <a:lstStyle/>
+          <a:p>
+            <a:r>
+              <a:rPr lang="de-DE" dirty="0"/>
+              <a:t>Berechnung des  Durchschnittwertes</a:t>
+            </a:r>
+          </a:p>
+          <a:p>
+            <a:endParaRPr lang="de-DE" dirty="0"/>
+          </a:p>
+          <a:p>
+            <a:endParaRPr lang="de-DE" dirty="0"/>
+          </a:p>
+          <a:p>
+            <a:endParaRPr lang="de-DE" dirty="0"/>
+          </a:p>
+          <a:p>
+            <a:pPr marL="0" indent="0">
+              <a:buNone/>
+            </a:pPr>
+            <a:endParaRPr lang="de-DE" dirty="0"/>
+          </a:p>
+          <a:p>
+            <a:endParaRPr lang="de-DE" dirty="0"/>
+          </a:p>
+          <a:p>
+            <a:pPr marL="0" indent="0">
+              <a:buNone/>
+            </a:pPr>
+            <a:endParaRPr lang="de-DE" dirty="0"/>
+          </a:p>
+          <a:p>
+            <a:r>
+              <a:rPr lang="de-DE" dirty="0"/>
+              <a:t>Subtrahieren durch </a:t>
+            </a:r>
+            <a:r>
+              <a:rPr lang="de-DE" dirty="0" err="1"/>
+              <a:t>BackgroundSubtractor</a:t>
+            </a:r>
+            <a:endParaRPr lang="de-DE" dirty="0"/>
+          </a:p>
+        </p:txBody>
+      </p:sp>
+      <p:sp>
+        <p:nvSpPr>
+          <p:cNvPr id="7" name="Titel 1">
+            <a:extLst>
+              <a:ext uri="{FF2B5EF4-FFF2-40B4-BE49-F238E27FC236}">
+                <a16:creationId xmlns:a16="http://schemas.microsoft.com/office/drawing/2014/main" id="{74F0345C-A633-4263-BAF0-FDFFFC4EF6BC}"/>
               </a:ext>
             </a:extLst>
           </p:cNvPr>
@@ -4951,244 +6525,695 @@
             <p:ph type="title"/>
           </p:nvPr>
         </p:nvSpPr>
-        <p:spPr/>
+        <p:spPr>
+          <a:xfrm>
+            <a:off x="1371600" y="219076"/>
+            <a:ext cx="9601200" cy="1485900"/>
+          </a:xfrm>
+        </p:spPr>
         <p:txBody>
           <a:bodyPr/>
           <a:lstStyle/>
           <a:p>
             <a:r>
+              <a:rPr lang="de-DE" dirty="0"/>
+              <a:t>Background </a:t>
+            </a:r>
+            <a:r>
               <a:rPr lang="de-DE" dirty="0" err="1"/>
-              <a:t>Machine</a:t>
-            </a:r>
+              <a:t>Subtraction</a:t>
+            </a:r>
+            <a:endParaRPr lang="de-DE" dirty="0"/>
+          </a:p>
+        </p:txBody>
+      </p:sp>
+      <p:pic>
+        <p:nvPicPr>
+          <p:cNvPr id="4" name="Grafik 3">
+            <a:extLst>
+              <a:ext uri="{FF2B5EF4-FFF2-40B4-BE49-F238E27FC236}">
+                <a16:creationId xmlns:a16="http://schemas.microsoft.com/office/drawing/2014/main" id="{944C089C-D119-4406-A8E9-E1E6C10E6991}"/>
+              </a:ext>
+            </a:extLst>
+          </p:cNvPr>
+          <p:cNvPicPr>
+            <a:picLocks noChangeAspect="1"/>
+          </p:cNvPicPr>
+          <p:nvPr/>
+        </p:nvPicPr>
+        <p:blipFill>
+          <a:blip r:embed="rId2"/>
+          <a:stretch>
+            <a:fillRect/>
+          </a:stretch>
+        </p:blipFill>
+        <p:spPr>
+          <a:xfrm flipH="1">
+            <a:off x="1852009" y="1517414"/>
+            <a:ext cx="1805590" cy="2338786"/>
+          </a:xfrm>
+          <a:prstGeom prst="rect">
+            <a:avLst/>
+          </a:prstGeom>
+        </p:spPr>
+      </p:pic>
+      <p:pic>
+        <p:nvPicPr>
+          <p:cNvPr id="5" name="Grafik 4">
+            <a:extLst>
+              <a:ext uri="{FF2B5EF4-FFF2-40B4-BE49-F238E27FC236}">
+                <a16:creationId xmlns:a16="http://schemas.microsoft.com/office/drawing/2014/main" id="{874C359A-457F-49CC-8379-2195887763A4}"/>
+              </a:ext>
+            </a:extLst>
+          </p:cNvPr>
+          <p:cNvPicPr>
+            <a:picLocks noChangeAspect="1"/>
+          </p:cNvPicPr>
+          <p:nvPr/>
+        </p:nvPicPr>
+        <p:blipFill>
+          <a:blip r:embed="rId3"/>
+          <a:stretch>
+            <a:fillRect/>
+          </a:stretch>
+        </p:blipFill>
+        <p:spPr>
+          <a:xfrm>
+            <a:off x="5141503" y="1517414"/>
+            <a:ext cx="1648976" cy="2338786"/>
+          </a:xfrm>
+          <a:prstGeom prst="rect">
+            <a:avLst/>
+          </a:prstGeom>
+        </p:spPr>
+      </p:pic>
+      <p:sp>
+        <p:nvSpPr>
+          <p:cNvPr id="8" name="Pfeil: nach rechts 7">
+            <a:extLst>
+              <a:ext uri="{FF2B5EF4-FFF2-40B4-BE49-F238E27FC236}">
+                <a16:creationId xmlns:a16="http://schemas.microsoft.com/office/drawing/2014/main" id="{AE8677C1-8473-40AC-B9D7-D8C3126886FB}"/>
+              </a:ext>
+            </a:extLst>
+          </p:cNvPr>
+          <p:cNvSpPr/>
+          <p:nvPr/>
+        </p:nvSpPr>
+        <p:spPr>
+          <a:xfrm>
+            <a:off x="4136510" y="2291724"/>
+            <a:ext cx="653663" cy="519015"/>
+          </a:xfrm>
+          <a:prstGeom prst="rightArrow">
+            <a:avLst/>
+          </a:prstGeom>
+        </p:spPr>
+        <p:style>
+          <a:lnRef idx="2">
+            <a:schemeClr val="accent1">
+              <a:shade val="50000"/>
+            </a:schemeClr>
+          </a:lnRef>
+          <a:fillRef idx="1">
+            <a:schemeClr val="accent1"/>
+          </a:fillRef>
+          <a:effectRef idx="0">
+            <a:schemeClr val="accent1"/>
+          </a:effectRef>
+          <a:fontRef idx="minor">
+            <a:schemeClr val="lt1"/>
+          </a:fontRef>
+        </p:style>
+        <p:txBody>
+          <a:bodyPr rtlCol="0" anchor="ctr"/>
+          <a:lstStyle/>
+          <a:p>
+            <a:pPr algn="ctr"/>
+            <a:endParaRPr lang="de-DE"/>
+          </a:p>
+        </p:txBody>
+      </p:sp>
+      <p:pic>
+        <p:nvPicPr>
+          <p:cNvPr id="10" name="Grafik 9" descr="Ein Bild, das drinnen, Person, haltend, Hand enthält.&#10;&#10;Automatisch generierte Beschreibung">
+            <a:extLst>
+              <a:ext uri="{FF2B5EF4-FFF2-40B4-BE49-F238E27FC236}">
+                <a16:creationId xmlns:a16="http://schemas.microsoft.com/office/drawing/2014/main" id="{BC883586-7539-4B99-A39A-8201D3FD76D3}"/>
+              </a:ext>
+            </a:extLst>
+          </p:cNvPr>
+          <p:cNvPicPr>
+            <a:picLocks noChangeAspect="1"/>
+          </p:cNvPicPr>
+          <p:nvPr/>
+        </p:nvPicPr>
+        <p:blipFill>
+          <a:blip r:embed="rId4"/>
+          <a:stretch>
+            <a:fillRect/>
+          </a:stretch>
+        </p:blipFill>
+        <p:spPr>
+          <a:xfrm>
+            <a:off x="1852009" y="4687886"/>
+            <a:ext cx="2059613" cy="1618727"/>
+          </a:xfrm>
+          <a:prstGeom prst="rect">
+            <a:avLst/>
+          </a:prstGeom>
+        </p:spPr>
+      </p:pic>
+      <p:pic>
+        <p:nvPicPr>
+          <p:cNvPr id="12" name="Grafik 11">
+            <a:extLst>
+              <a:ext uri="{FF2B5EF4-FFF2-40B4-BE49-F238E27FC236}">
+                <a16:creationId xmlns:a16="http://schemas.microsoft.com/office/drawing/2014/main" id="{CC64166B-1835-45C1-8DAC-4A361397C851}"/>
+              </a:ext>
+            </a:extLst>
+          </p:cNvPr>
+          <p:cNvPicPr>
+            <a:picLocks noChangeAspect="1"/>
+          </p:cNvPicPr>
+          <p:nvPr/>
+        </p:nvPicPr>
+        <p:blipFill>
+          <a:blip r:embed="rId5"/>
+          <a:stretch>
+            <a:fillRect/>
+          </a:stretch>
+        </p:blipFill>
+        <p:spPr>
+          <a:xfrm>
+            <a:off x="5141503" y="4687886"/>
+            <a:ext cx="2059613" cy="1618727"/>
+          </a:xfrm>
+          <a:prstGeom prst="rect">
+            <a:avLst/>
+          </a:prstGeom>
+        </p:spPr>
+      </p:pic>
+      <p:sp>
+        <p:nvSpPr>
+          <p:cNvPr id="13" name="Pfeil: nach rechts 12">
+            <a:extLst>
+              <a:ext uri="{FF2B5EF4-FFF2-40B4-BE49-F238E27FC236}">
+                <a16:creationId xmlns:a16="http://schemas.microsoft.com/office/drawing/2014/main" id="{983EDAA3-5C3E-459E-A07B-FDBA348AD712}"/>
+              </a:ext>
+            </a:extLst>
+          </p:cNvPr>
+          <p:cNvSpPr/>
+          <p:nvPr/>
+        </p:nvSpPr>
+        <p:spPr>
+          <a:xfrm>
+            <a:off x="4136510" y="5176699"/>
+            <a:ext cx="653663" cy="519015"/>
+          </a:xfrm>
+          <a:prstGeom prst="rightArrow">
+            <a:avLst/>
+          </a:prstGeom>
+        </p:spPr>
+        <p:style>
+          <a:lnRef idx="2">
+            <a:schemeClr val="accent1">
+              <a:shade val="50000"/>
+            </a:schemeClr>
+          </a:lnRef>
+          <a:fillRef idx="1">
+            <a:schemeClr val="accent1"/>
+          </a:fillRef>
+          <a:effectRef idx="0">
+            <a:schemeClr val="accent1"/>
+          </a:effectRef>
+          <a:fontRef idx="minor">
+            <a:schemeClr val="lt1"/>
+          </a:fontRef>
+        </p:style>
+        <p:txBody>
+          <a:bodyPr rtlCol="0" anchor="ctr"/>
+          <a:lstStyle/>
+          <a:p>
+            <a:pPr algn="ctr"/>
+            <a:endParaRPr lang="de-DE"/>
+          </a:p>
+        </p:txBody>
+      </p:sp>
+      <p:sp>
+        <p:nvSpPr>
+          <p:cNvPr id="15" name="Textfeld 14">
+            <a:extLst>
+              <a:ext uri="{FF2B5EF4-FFF2-40B4-BE49-F238E27FC236}">
+                <a16:creationId xmlns:a16="http://schemas.microsoft.com/office/drawing/2014/main" id="{33E9AE90-9C25-4935-9FBE-BFFDCCC57510}"/>
+              </a:ext>
+            </a:extLst>
+          </p:cNvPr>
+          <p:cNvSpPr txBox="1"/>
+          <p:nvPr/>
+        </p:nvSpPr>
+        <p:spPr>
+          <a:xfrm>
+            <a:off x="7975816" y="1517414"/>
+            <a:ext cx="4076484" cy="2308324"/>
+          </a:xfrm>
+          <a:prstGeom prst="rect">
+            <a:avLst/>
+          </a:prstGeom>
+          <a:noFill/>
+        </p:spPr>
+        <p:txBody>
+          <a:bodyPr wrap="square" rtlCol="0">
+            <a:spAutoFit/>
+          </a:bodyPr>
+          <a:lstStyle/>
+          <a:p>
             <a:r>
               <a:rPr lang="de-DE" dirty="0"/>
-              <a:t> Learning</a:t>
-            </a:r>
-          </a:p>
-        </p:txBody>
-      </p:sp>
-      <p:sp>
-        <p:nvSpPr>
-          <p:cNvPr id="3" name="Inhaltsplatzhalter 2">
-            <a:extLst>
-              <a:ext uri="{FF2B5EF4-FFF2-40B4-BE49-F238E27FC236}">
-                <a16:creationId xmlns:a16="http://schemas.microsoft.com/office/drawing/2014/main" id="{D9D97966-40B3-4D37-BA7D-608025084265}"/>
+              <a:t>Feine Konturen werden manchmal übernommen</a:t>
+            </a:r>
+          </a:p>
+          <a:p>
+            <a:endParaRPr lang="de-DE" dirty="0"/>
+          </a:p>
+          <a:p>
+            <a:r>
+              <a:rPr lang="de-DE" dirty="0"/>
+              <a:t>Empfindlich für veränderliche Lichtverhältnisse</a:t>
+            </a:r>
+          </a:p>
+          <a:p>
+            <a:endParaRPr lang="de-DE" dirty="0"/>
+          </a:p>
+          <a:p>
+            <a:r>
+              <a:rPr lang="de-DE" dirty="0"/>
+              <a:t>Benötigt zunächst viele Bilder, um den Hintergrund zunächst zu berechnen</a:t>
+            </a:r>
+          </a:p>
+        </p:txBody>
+      </p:sp>
+      <p:sp>
+        <p:nvSpPr>
+          <p:cNvPr id="16" name="AutoShape 2" descr="Check free icon">
+            <a:extLst>
+              <a:ext uri="{FF2B5EF4-FFF2-40B4-BE49-F238E27FC236}">
+                <a16:creationId xmlns:a16="http://schemas.microsoft.com/office/drawing/2014/main" id="{CEB42B8D-298C-49E0-84E8-0EBFA4D83365}"/>
               </a:ext>
             </a:extLst>
           </p:cNvPr>
           <p:cNvSpPr>
-            <a:spLocks noGrp="1"/>
+            <a:spLocks noChangeAspect="1" noChangeArrowheads="1"/>
           </p:cNvSpPr>
-          <p:nvPr>
-            <p:ph idx="1"/>
-          </p:nvPr>
-        </p:nvSpPr>
-        <p:spPr/>
-        <p:txBody>
-          <a:bodyPr/>
+          <p:nvPr/>
+        </p:nvSpPr>
+        <p:spPr bwMode="auto">
+          <a:xfrm>
+            <a:off x="5943600" y="3276600"/>
+            <a:ext cx="304800" cy="304800"/>
+          </a:xfrm>
+          <a:prstGeom prst="rect">
+            <a:avLst/>
+          </a:prstGeom>
+          <a:noFill/>
+          <a:extLst>
+            <a:ext uri="{909E8E84-426E-40DD-AFC4-6F175D3DCCD1}">
+              <a14:hiddenFill xmlns:a14="http://schemas.microsoft.com/office/drawing/2010/main">
+                <a:solidFill>
+                  <a:srgbClr val="FFFFFF"/>
+                </a:solidFill>
+              </a14:hiddenFill>
+            </a:ext>
+          </a:extLst>
+        </p:spPr>
+        <p:txBody>
+          <a:bodyPr vert="horz" wrap="square" lIns="91440" tIns="45720" rIns="91440" bIns="45720" numCol="1" anchor="t" anchorCtr="0" compatLnSpc="1">
+            <a:prstTxWarp prst="textNoShape">
+              <a:avLst/>
+            </a:prstTxWarp>
+          </a:bodyPr>
           <a:lstStyle/>
           <a:p>
-            <a:r>
-              <a:rPr lang="de-DE" dirty="0" err="1"/>
-              <a:t>We</a:t>
-            </a:r>
+            <a:endParaRPr lang="de-DE"/>
+          </a:p>
+        </p:txBody>
+      </p:sp>
+      <p:sp>
+        <p:nvSpPr>
+          <p:cNvPr id="19" name="Minuszeichen 18">
+            <a:extLst>
+              <a:ext uri="{FF2B5EF4-FFF2-40B4-BE49-F238E27FC236}">
+                <a16:creationId xmlns:a16="http://schemas.microsoft.com/office/drawing/2014/main" id="{C41BB397-A0F2-42CC-9E84-713AB57B03C6}"/>
+              </a:ext>
+            </a:extLst>
+          </p:cNvPr>
+          <p:cNvSpPr/>
+          <p:nvPr/>
+        </p:nvSpPr>
+        <p:spPr>
+          <a:xfrm>
+            <a:off x="7467600" y="1517414"/>
+            <a:ext cx="508216" cy="541716"/>
+          </a:xfrm>
+          <a:prstGeom prst="mathMinus">
+            <a:avLst/>
+          </a:prstGeom>
+          <a:solidFill>
+            <a:srgbClr val="FF0000"/>
+          </a:solidFill>
+          <a:ln w="3175"/>
+        </p:spPr>
+        <p:style>
+          <a:lnRef idx="2">
+            <a:schemeClr val="accent6">
+              <a:shade val="50000"/>
+            </a:schemeClr>
+          </a:lnRef>
+          <a:fillRef idx="1">
+            <a:schemeClr val="accent6"/>
+          </a:fillRef>
+          <a:effectRef idx="0">
+            <a:schemeClr val="accent6"/>
+          </a:effectRef>
+          <a:fontRef idx="minor">
+            <a:schemeClr val="lt1"/>
+          </a:fontRef>
+        </p:style>
+        <p:txBody>
+          <a:bodyPr rtlCol="0" anchor="ctr"/>
+          <a:lstStyle/>
+          <a:p>
+            <a:pPr algn="ctr"/>
+            <a:endParaRPr lang="de-DE"/>
+          </a:p>
+        </p:txBody>
+      </p:sp>
+      <p:sp>
+        <p:nvSpPr>
+          <p:cNvPr id="20" name="Minuszeichen 19">
+            <a:extLst>
+              <a:ext uri="{FF2B5EF4-FFF2-40B4-BE49-F238E27FC236}">
+                <a16:creationId xmlns:a16="http://schemas.microsoft.com/office/drawing/2014/main" id="{BD0A1C46-4B93-499B-AC7A-6038A950DF3C}"/>
+              </a:ext>
+            </a:extLst>
+          </p:cNvPr>
+          <p:cNvSpPr/>
+          <p:nvPr/>
+        </p:nvSpPr>
+        <p:spPr>
+          <a:xfrm>
+            <a:off x="7467600" y="2383857"/>
+            <a:ext cx="508216" cy="541716"/>
+          </a:xfrm>
+          <a:prstGeom prst="mathMinus">
+            <a:avLst/>
+          </a:prstGeom>
+          <a:solidFill>
+            <a:srgbClr val="FF0000"/>
+          </a:solidFill>
+          <a:ln w="3175"/>
+        </p:spPr>
+        <p:style>
+          <a:lnRef idx="2">
+            <a:schemeClr val="accent6">
+              <a:shade val="50000"/>
+            </a:schemeClr>
+          </a:lnRef>
+          <a:fillRef idx="1">
+            <a:schemeClr val="accent6"/>
+          </a:fillRef>
+          <a:effectRef idx="0">
+            <a:schemeClr val="accent6"/>
+          </a:effectRef>
+          <a:fontRef idx="minor">
+            <a:schemeClr val="lt1"/>
+          </a:fontRef>
+        </p:style>
+        <p:txBody>
+          <a:bodyPr rtlCol="0" anchor="ctr"/>
+          <a:lstStyle/>
+          <a:p>
+            <a:pPr algn="ctr"/>
+            <a:endParaRPr lang="de-DE"/>
+          </a:p>
+        </p:txBody>
+      </p:sp>
+      <p:sp>
+        <p:nvSpPr>
+          <p:cNvPr id="21" name="Minuszeichen 20">
+            <a:extLst>
+              <a:ext uri="{FF2B5EF4-FFF2-40B4-BE49-F238E27FC236}">
+                <a16:creationId xmlns:a16="http://schemas.microsoft.com/office/drawing/2014/main" id="{D3D3A180-98FF-4679-966E-ED53291C9BCC}"/>
+              </a:ext>
+            </a:extLst>
+          </p:cNvPr>
+          <p:cNvSpPr/>
+          <p:nvPr/>
+        </p:nvSpPr>
+        <p:spPr>
+          <a:xfrm>
+            <a:off x="7467600" y="3233597"/>
+            <a:ext cx="508216" cy="541716"/>
+          </a:xfrm>
+          <a:prstGeom prst="mathMinus">
+            <a:avLst/>
+          </a:prstGeom>
+          <a:solidFill>
+            <a:srgbClr val="FF0000"/>
+          </a:solidFill>
+          <a:ln w="3175"/>
+        </p:spPr>
+        <p:style>
+          <a:lnRef idx="2">
+            <a:schemeClr val="accent6">
+              <a:shade val="50000"/>
+            </a:schemeClr>
+          </a:lnRef>
+          <a:fillRef idx="1">
+            <a:schemeClr val="accent6"/>
+          </a:fillRef>
+          <a:effectRef idx="0">
+            <a:schemeClr val="accent6"/>
+          </a:effectRef>
+          <a:fontRef idx="minor">
+            <a:schemeClr val="lt1"/>
+          </a:fontRef>
+        </p:style>
+        <p:txBody>
+          <a:bodyPr rtlCol="0" anchor="ctr"/>
+          <a:lstStyle/>
+          <a:p>
+            <a:pPr algn="ctr"/>
+            <a:endParaRPr lang="de-DE"/>
+          </a:p>
+        </p:txBody>
+      </p:sp>
+      <p:sp>
+        <p:nvSpPr>
+          <p:cNvPr id="22" name="Textfeld 21">
+            <a:extLst>
+              <a:ext uri="{FF2B5EF4-FFF2-40B4-BE49-F238E27FC236}">
+                <a16:creationId xmlns:a16="http://schemas.microsoft.com/office/drawing/2014/main" id="{6BC752E6-220C-427A-92BB-A4F3D07A64FA}"/>
+              </a:ext>
+            </a:extLst>
+          </p:cNvPr>
+          <p:cNvSpPr txBox="1"/>
+          <p:nvPr/>
+        </p:nvSpPr>
+        <p:spPr>
+          <a:xfrm>
+            <a:off x="7975816" y="4186424"/>
+            <a:ext cx="4076484" cy="2031325"/>
+          </a:xfrm>
+          <a:prstGeom prst="rect">
+            <a:avLst/>
+          </a:prstGeom>
+          <a:noFill/>
+        </p:spPr>
+        <p:txBody>
+          <a:bodyPr wrap="square" rtlCol="0">
+            <a:spAutoFit/>
+          </a:bodyPr>
+          <a:lstStyle/>
+          <a:p>
             <a:r>
               <a:rPr lang="de-DE" dirty="0"/>
-              <a:t> </a:t>
-            </a:r>
-            <a:r>
-              <a:rPr lang="de-DE" dirty="0" err="1"/>
-              <a:t>have</a:t>
-            </a:r>
+              <a:t>Gute Trennung  von Vorder- und Hintergrund</a:t>
+            </a:r>
+          </a:p>
+          <a:p>
+            <a:endParaRPr lang="de-DE" dirty="0"/>
+          </a:p>
+          <a:p>
             <a:r>
               <a:rPr lang="de-DE" dirty="0"/>
-              <a:t> not </a:t>
-            </a:r>
-            <a:r>
-              <a:rPr lang="de-DE" dirty="0" err="1"/>
-              <a:t>fout</a:t>
-            </a:r>
+              <a:t>Eher unempfindlich für veränderliche Lichtverhältnisse</a:t>
+            </a:r>
+          </a:p>
+          <a:p>
+            <a:endParaRPr lang="de-DE" dirty="0"/>
+          </a:p>
+          <a:p>
             <a:r>
               <a:rPr lang="de-DE" dirty="0"/>
-              <a:t> a </a:t>
-            </a:r>
-            <a:r>
-              <a:rPr lang="de-DE" dirty="0" err="1"/>
-              <a:t>suitable</a:t>
-            </a:r>
-            <a:r>
-              <a:rPr lang="de-DE" dirty="0"/>
-              <a:t> </a:t>
-            </a:r>
-            <a:r>
-              <a:rPr lang="de-DE" dirty="0" err="1"/>
-              <a:t>data</a:t>
-            </a:r>
-            <a:r>
-              <a:rPr lang="de-DE" dirty="0"/>
-              <a:t> </a:t>
-            </a:r>
-            <a:r>
-              <a:rPr lang="de-DE" dirty="0" err="1"/>
-              <a:t>set</a:t>
-            </a:r>
-            <a:r>
-              <a:rPr lang="de-DE" dirty="0"/>
-              <a:t> on </a:t>
-            </a:r>
-            <a:r>
-              <a:rPr lang="de-DE" dirty="0" err="1"/>
-              <a:t>the</a:t>
-            </a:r>
-            <a:r>
-              <a:rPr lang="de-DE" dirty="0"/>
-              <a:t> </a:t>
-            </a:r>
-            <a:r>
-              <a:rPr lang="de-DE" dirty="0" err="1"/>
-              <a:t>internet</a:t>
-            </a:r>
-            <a:endParaRPr lang="de-DE" dirty="0"/>
-          </a:p>
-          <a:p>
-            <a:r>
-              <a:rPr lang="de-DE" dirty="0" err="1"/>
-              <a:t>We</a:t>
-            </a:r>
-            <a:r>
-              <a:rPr lang="de-DE" dirty="0"/>
-              <a:t> </a:t>
-            </a:r>
-            <a:r>
-              <a:rPr lang="de-DE" dirty="0" err="1"/>
-              <a:t>have</a:t>
-            </a:r>
-            <a:r>
-              <a:rPr lang="de-DE" dirty="0"/>
-              <a:t> </a:t>
-            </a:r>
-            <a:r>
-              <a:rPr lang="de-DE" dirty="0" err="1"/>
-              <a:t>tried</a:t>
-            </a:r>
-            <a:r>
-              <a:rPr lang="de-DE" dirty="0"/>
-              <a:t> </a:t>
-            </a:r>
-            <a:r>
-              <a:rPr lang="de-DE" dirty="0" err="1"/>
-              <a:t>to</a:t>
-            </a:r>
-            <a:r>
-              <a:rPr lang="de-DE" dirty="0"/>
-              <a:t> </a:t>
-            </a:r>
-            <a:r>
-              <a:rPr lang="de-DE" dirty="0" err="1"/>
-              <a:t>create</a:t>
-            </a:r>
-            <a:r>
-              <a:rPr lang="de-DE" dirty="0"/>
-              <a:t> </a:t>
-            </a:r>
-            <a:r>
-              <a:rPr lang="de-DE" dirty="0" err="1"/>
-              <a:t>one</a:t>
-            </a:r>
-            <a:r>
-              <a:rPr lang="de-DE" dirty="0"/>
-              <a:t> </a:t>
-            </a:r>
-            <a:r>
-              <a:rPr lang="de-DE" dirty="0" err="1"/>
-              <a:t>of</a:t>
-            </a:r>
-            <a:r>
-              <a:rPr lang="de-DE" dirty="0"/>
-              <a:t> </a:t>
-            </a:r>
-            <a:r>
-              <a:rPr lang="de-DE" dirty="0" err="1"/>
-              <a:t>our</a:t>
-            </a:r>
-            <a:r>
-              <a:rPr lang="de-DE" dirty="0"/>
-              <a:t> own</a:t>
-            </a:r>
-          </a:p>
-          <a:p>
-            <a:r>
-              <a:rPr lang="de-DE" dirty="0" err="1"/>
-              <a:t>Which</a:t>
-            </a:r>
-            <a:r>
-              <a:rPr lang="de-DE" dirty="0"/>
-              <a:t> </a:t>
-            </a:r>
-            <a:r>
-              <a:rPr lang="de-DE" dirty="0" err="1"/>
-              <a:t>data</a:t>
-            </a:r>
-            <a:r>
-              <a:rPr lang="de-DE" dirty="0"/>
-              <a:t> </a:t>
-            </a:r>
-            <a:r>
-              <a:rPr lang="de-DE" dirty="0" err="1"/>
-              <a:t>are</a:t>
-            </a:r>
-            <a:r>
-              <a:rPr lang="de-DE" dirty="0"/>
-              <a:t> </a:t>
-            </a:r>
-            <a:r>
-              <a:rPr lang="de-DE" dirty="0" err="1"/>
-              <a:t>the</a:t>
-            </a:r>
-            <a:r>
-              <a:rPr lang="de-DE" dirty="0"/>
-              <a:t> </a:t>
-            </a:r>
-            <a:r>
-              <a:rPr lang="de-DE" dirty="0" err="1"/>
-              <a:t>best</a:t>
-            </a:r>
-            <a:r>
-              <a:rPr lang="de-DE" dirty="0"/>
-              <a:t>?</a:t>
-            </a:r>
-          </a:p>
-          <a:p>
-            <a:pPr lvl="1"/>
-            <a:r>
-              <a:rPr lang="de-DE" dirty="0"/>
-              <a:t>RGB?</a:t>
-            </a:r>
-          </a:p>
-          <a:p>
-            <a:pPr lvl="1"/>
-            <a:r>
-              <a:rPr lang="de-DE" dirty="0" err="1"/>
-              <a:t>Grayscale</a:t>
-            </a:r>
-            <a:r>
-              <a:rPr lang="de-DE" dirty="0"/>
-              <a:t>?</a:t>
-            </a:r>
-          </a:p>
-          <a:p>
-            <a:pPr lvl="1"/>
-            <a:r>
-              <a:rPr lang="de-DE" dirty="0"/>
-              <a:t>Binary?</a:t>
-            </a:r>
+              <a:t>Benötigt stets ein Ausgangsbild</a:t>
+            </a:r>
+          </a:p>
+        </p:txBody>
+      </p:sp>
+      <p:sp>
+        <p:nvSpPr>
+          <p:cNvPr id="23" name="Additionszeichen 22">
+            <a:extLst>
+              <a:ext uri="{FF2B5EF4-FFF2-40B4-BE49-F238E27FC236}">
+                <a16:creationId xmlns:a16="http://schemas.microsoft.com/office/drawing/2014/main" id="{E9878F7E-D532-4D76-9081-ED559EB722E3}"/>
+              </a:ext>
+            </a:extLst>
+          </p:cNvPr>
+          <p:cNvSpPr/>
+          <p:nvPr/>
+        </p:nvSpPr>
+        <p:spPr>
+          <a:xfrm>
+            <a:off x="7467600" y="4247166"/>
+            <a:ext cx="508216" cy="452082"/>
+          </a:xfrm>
+          <a:prstGeom prst="mathPlus">
+            <a:avLst/>
+          </a:prstGeom>
+          <a:solidFill>
+            <a:srgbClr val="92D050"/>
+          </a:solidFill>
+          <a:ln w="3175"/>
+        </p:spPr>
+        <p:style>
+          <a:lnRef idx="2">
+            <a:schemeClr val="accent4">
+              <a:shade val="50000"/>
+            </a:schemeClr>
+          </a:lnRef>
+          <a:fillRef idx="1">
+            <a:schemeClr val="accent4"/>
+          </a:fillRef>
+          <a:effectRef idx="0">
+            <a:schemeClr val="accent4"/>
+          </a:effectRef>
+          <a:fontRef idx="minor">
+            <a:schemeClr val="lt1"/>
+          </a:fontRef>
+        </p:style>
+        <p:txBody>
+          <a:bodyPr rtlCol="0" anchor="ctr"/>
+          <a:lstStyle/>
+          <a:p>
+            <a:pPr algn="ctr"/>
+            <a:endParaRPr lang="de-DE"/>
+          </a:p>
+        </p:txBody>
+      </p:sp>
+      <p:sp>
+        <p:nvSpPr>
+          <p:cNvPr id="24" name="Additionszeichen 23">
+            <a:extLst>
+              <a:ext uri="{FF2B5EF4-FFF2-40B4-BE49-F238E27FC236}">
+                <a16:creationId xmlns:a16="http://schemas.microsoft.com/office/drawing/2014/main" id="{C6E024B9-7362-4342-9FDA-BDA8776C97FE}"/>
+              </a:ext>
+            </a:extLst>
+          </p:cNvPr>
+          <p:cNvSpPr/>
+          <p:nvPr/>
+        </p:nvSpPr>
+        <p:spPr>
+          <a:xfrm>
+            <a:off x="7467600" y="5027476"/>
+            <a:ext cx="508216" cy="452082"/>
+          </a:xfrm>
+          <a:prstGeom prst="mathPlus">
+            <a:avLst/>
+          </a:prstGeom>
+          <a:solidFill>
+            <a:srgbClr val="92D050"/>
+          </a:solidFill>
+          <a:ln w="3175"/>
+        </p:spPr>
+        <p:style>
+          <a:lnRef idx="2">
+            <a:schemeClr val="accent4">
+              <a:shade val="50000"/>
+            </a:schemeClr>
+          </a:lnRef>
+          <a:fillRef idx="1">
+            <a:schemeClr val="accent4"/>
+          </a:fillRef>
+          <a:effectRef idx="0">
+            <a:schemeClr val="accent4"/>
+          </a:effectRef>
+          <a:fontRef idx="minor">
+            <a:schemeClr val="lt1"/>
+          </a:fontRef>
+        </p:style>
+        <p:txBody>
+          <a:bodyPr rtlCol="0" anchor="ctr"/>
+          <a:lstStyle/>
+          <a:p>
+            <a:pPr algn="ctr"/>
+            <a:endParaRPr lang="de-DE"/>
+          </a:p>
+        </p:txBody>
+      </p:sp>
+      <p:sp>
+        <p:nvSpPr>
+          <p:cNvPr id="25" name="Minuszeichen 24">
+            <a:extLst>
+              <a:ext uri="{FF2B5EF4-FFF2-40B4-BE49-F238E27FC236}">
+                <a16:creationId xmlns:a16="http://schemas.microsoft.com/office/drawing/2014/main" id="{F1371B45-3B29-44AE-A969-FFC86A0ECDCE}"/>
+              </a:ext>
+            </a:extLst>
+          </p:cNvPr>
+          <p:cNvSpPr/>
+          <p:nvPr/>
+        </p:nvSpPr>
+        <p:spPr>
+          <a:xfrm>
+            <a:off x="7480516" y="5792596"/>
+            <a:ext cx="508216" cy="541716"/>
+          </a:xfrm>
+          <a:prstGeom prst="mathMinus">
+            <a:avLst/>
+          </a:prstGeom>
+          <a:solidFill>
+            <a:srgbClr val="FF0000"/>
+          </a:solidFill>
+          <a:ln w="3175"/>
+        </p:spPr>
+        <p:style>
+          <a:lnRef idx="2">
+            <a:schemeClr val="accent6">
+              <a:shade val="50000"/>
+            </a:schemeClr>
+          </a:lnRef>
+          <a:fillRef idx="1">
+            <a:schemeClr val="accent6"/>
+          </a:fillRef>
+          <a:effectRef idx="0">
+            <a:schemeClr val="accent6"/>
+          </a:effectRef>
+          <a:fontRef idx="minor">
+            <a:schemeClr val="lt1"/>
+          </a:fontRef>
+        </p:style>
+        <p:txBody>
+          <a:bodyPr rtlCol="0" anchor="ctr"/>
+          <a:lstStyle/>
+          <a:p>
+            <a:pPr algn="ctr"/>
+            <a:endParaRPr lang="de-DE"/>
           </a:p>
         </p:txBody>
       </p:sp>
     </p:spTree>
     <p:extLst>
       <p:ext uri="{BB962C8B-B14F-4D97-AF65-F5344CB8AC3E}">
-        <p14:creationId xmlns:p14="http://schemas.microsoft.com/office/powerpoint/2010/main" val="1011547283"/>
+        <p14:creationId xmlns:p14="http://schemas.microsoft.com/office/powerpoint/2010/main" val="1922704872"/>
       </p:ext>
     </p:extLst>
   </p:cSld>
@@ -5201,6 +7226,14 @@
 <file path=ppt/slides/slide16.xml><?xml version="1.0" encoding="utf-8"?>
 <p:sld xmlns:a="http://schemas.openxmlformats.org/drawingml/2006/main" xmlns:r="http://schemas.openxmlformats.org/officeDocument/2006/relationships" xmlns:p="http://schemas.openxmlformats.org/presentationml/2006/main">
   <p:cSld>
+    <p:bg>
+      <p:bgPr>
+        <a:solidFill>
+          <a:schemeClr val="bg2"/>
+        </a:solidFill>
+        <a:effectLst/>
+      </p:bgPr>
+    </p:bg>
     <p:spTree>
       <p:nvGrpSpPr>
         <p:cNvPr id="1" name=""/>
@@ -5215,12 +7248,424 @@
           <a:chExt cx="0" cy="0"/>
         </a:xfrm>
       </p:grpSpPr>
+      <p:grpSp>
+        <p:nvGrpSpPr>
+          <p:cNvPr id="38" name="Group 37">
+            <a:extLst>
+              <a:ext uri="{FF2B5EF4-FFF2-40B4-BE49-F238E27FC236}">
+                <a16:creationId xmlns:a16="http://schemas.microsoft.com/office/drawing/2014/main" id="{8C89EA62-F38E-4285-A105-C5E1BD360093}"/>
+              </a:ext>
+              <a:ext uri="{C183D7F6-B498-43B3-948B-1728B52AA6E4}">
+                <adec:decorative xmlns:adec="http://schemas.microsoft.com/office/drawing/2017/decorative" val="1"/>
+              </a:ext>
+            </a:extLst>
+          </p:cNvPr>
+          <p:cNvGrpSpPr>
+            <a:grpSpLocks noGrp="1" noUngrp="1" noRot="1" noChangeAspect="1" noMove="1" noResize="1"/>
+          </p:cNvGrpSpPr>
+          <p:nvPr>
+            <p:extLst>
+              <p:ext uri="{386F3935-93C4-4BCD-93E2-E3B085C9AB24}">
+                <p16:designElem xmlns:p16="http://schemas.microsoft.com/office/powerpoint/2015/main" val="1"/>
+              </p:ext>
+            </p:extLst>
+          </p:nvPr>
+        </p:nvGrpSpPr>
+        <p:grpSpPr>
+          <a:xfrm>
+            <a:off x="752858" y="744469"/>
+            <a:ext cx="10674117" cy="5349671"/>
+            <a:chOff x="752858" y="744469"/>
+            <a:chExt cx="10674117" cy="5349671"/>
+          </a:xfrm>
+        </p:grpSpPr>
+        <p:sp>
+          <p:nvSpPr>
+            <p:cNvPr id="39" name="Freeform 6">
+              <a:extLst>
+                <a:ext uri="{FF2B5EF4-FFF2-40B4-BE49-F238E27FC236}">
+                  <a16:creationId xmlns:a16="http://schemas.microsoft.com/office/drawing/2014/main" id="{2CF6E46A-CCCD-4728-B011-E147B23629A3}"/>
+                </a:ext>
+                <a:ext uri="{C183D7F6-B498-43B3-948B-1728B52AA6E4}">
+                  <adec:decorative xmlns:adec="http://schemas.microsoft.com/office/drawing/2017/decorative" val="1"/>
+                </a:ext>
+              </a:extLst>
+            </p:cNvPr>
+            <p:cNvSpPr/>
+            <p:nvPr>
+              <p:extLst>
+                <p:ext uri="{386F3935-93C4-4BCD-93E2-E3B085C9AB24}">
+                  <p16:designElem xmlns:p16="http://schemas.microsoft.com/office/powerpoint/2015/main" val="1"/>
+                </p:ext>
+              </p:extLst>
+            </p:nvPr>
+          </p:nvSpPr>
+          <p:spPr bwMode="auto">
+            <a:xfrm>
+              <a:off x="8151962" y="1685652"/>
+              <a:ext cx="3275013" cy="4408488"/>
+            </a:xfrm>
+            <a:custGeom>
+              <a:avLst/>
+              <a:gdLst/>
+              <a:ahLst/>
+              <a:cxnLst/>
+              <a:rect l="l" t="t" r="r" b="b"/>
+              <a:pathLst>
+                <a:path w="10000" h="10000">
+                  <a:moveTo>
+                    <a:pt x="8761" y="0"/>
+                  </a:moveTo>
+                  <a:lnTo>
+                    <a:pt x="10000" y="0"/>
+                  </a:lnTo>
+                  <a:lnTo>
+                    <a:pt x="10000" y="10000"/>
+                  </a:lnTo>
+                  <a:lnTo>
+                    <a:pt x="0" y="10000"/>
+                  </a:lnTo>
+                  <a:lnTo>
+                    <a:pt x="0" y="9126"/>
+                  </a:lnTo>
+                  <a:lnTo>
+                    <a:pt x="8761" y="9127"/>
+                  </a:lnTo>
+                  <a:lnTo>
+                    <a:pt x="8761" y="0"/>
+                  </a:lnTo>
+                  <a:close/>
+                </a:path>
+              </a:pathLst>
+            </a:custGeom>
+            <a:solidFill>
+              <a:schemeClr val="tx2"/>
+            </a:solidFill>
+            <a:ln w="0">
+              <a:noFill/>
+              <a:prstDash val="solid"/>
+              <a:round/>
+              <a:headEnd/>
+              <a:tailEnd/>
+            </a:ln>
+          </p:spPr>
+        </p:sp>
+        <p:sp>
+          <p:nvSpPr>
+            <p:cNvPr id="40" name="Freeform 6">
+              <a:extLst>
+                <a:ext uri="{FF2B5EF4-FFF2-40B4-BE49-F238E27FC236}">
+                  <a16:creationId xmlns:a16="http://schemas.microsoft.com/office/drawing/2014/main" id="{2E2C684B-30C9-4689-A529-EBF1B8ADB215}"/>
+                </a:ext>
+                <a:ext uri="{C183D7F6-B498-43B3-948B-1728B52AA6E4}">
+                  <adec:decorative xmlns:adec="http://schemas.microsoft.com/office/drawing/2017/decorative" val="1"/>
+                </a:ext>
+              </a:extLst>
+            </p:cNvPr>
+            <p:cNvSpPr/>
+            <p:nvPr>
+              <p:extLst>
+                <p:ext uri="{386F3935-93C4-4BCD-93E2-E3B085C9AB24}">
+                  <p16:designElem xmlns:p16="http://schemas.microsoft.com/office/powerpoint/2015/main" val="1"/>
+                </p:ext>
+              </p:extLst>
+            </p:nvPr>
+          </p:nvSpPr>
+          <p:spPr bwMode="auto">
+            <a:xfrm flipH="1" flipV="1">
+              <a:off x="752858" y="744469"/>
+              <a:ext cx="3275668" cy="4408488"/>
+            </a:xfrm>
+            <a:custGeom>
+              <a:avLst/>
+              <a:gdLst/>
+              <a:ahLst/>
+              <a:cxnLst/>
+              <a:rect l="l" t="t" r="r" b="b"/>
+              <a:pathLst>
+                <a:path w="10002" h="10000">
+                  <a:moveTo>
+                    <a:pt x="8763" y="0"/>
+                  </a:moveTo>
+                  <a:lnTo>
+                    <a:pt x="10002" y="0"/>
+                  </a:lnTo>
+                  <a:lnTo>
+                    <a:pt x="10002" y="10000"/>
+                  </a:lnTo>
+                  <a:lnTo>
+                    <a:pt x="2" y="10000"/>
+                  </a:lnTo>
+                  <a:cubicBezTo>
+                    <a:pt x="-2" y="9698"/>
+                    <a:pt x="4" y="9427"/>
+                    <a:pt x="0" y="9125"/>
+                  </a:cubicBezTo>
+                  <a:lnTo>
+                    <a:pt x="8763" y="9128"/>
+                  </a:lnTo>
+                  <a:lnTo>
+                    <a:pt x="8763" y="0"/>
+                  </a:lnTo>
+                  <a:close/>
+                </a:path>
+              </a:pathLst>
+            </a:custGeom>
+            <a:solidFill>
+              <a:schemeClr val="tx2"/>
+            </a:solidFill>
+            <a:ln w="0">
+              <a:noFill/>
+              <a:prstDash val="solid"/>
+              <a:round/>
+              <a:headEnd/>
+              <a:tailEnd/>
+            </a:ln>
+          </p:spPr>
+        </p:sp>
+      </p:grpSp>
+      <p:sp useBgFill="1">
+        <p:nvSpPr>
+          <p:cNvPr id="42" name="Rectangle 41">
+            <a:extLst>
+              <a:ext uri="{FF2B5EF4-FFF2-40B4-BE49-F238E27FC236}">
+                <a16:creationId xmlns:a16="http://schemas.microsoft.com/office/drawing/2014/main" id="{9ECB0E0D-AC1B-4E83-84EA-237BFA20636D}"/>
+              </a:ext>
+              <a:ext uri="{C183D7F6-B498-43B3-948B-1728B52AA6E4}">
+                <adec:decorative xmlns:adec="http://schemas.microsoft.com/office/drawing/2017/decorative" val="1"/>
+              </a:ext>
+            </a:extLst>
+          </p:cNvPr>
+          <p:cNvSpPr>
+            <a:spLocks noGrp="1" noRot="1" noChangeAspect="1" noMove="1" noResize="1" noEditPoints="1" noAdjustHandles="1" noChangeArrowheads="1" noChangeShapeType="1" noTextEdit="1"/>
+          </p:cNvSpPr>
+          <p:nvPr>
+            <p:extLst>
+              <p:ext uri="{386F3935-93C4-4BCD-93E2-E3B085C9AB24}">
+                <p16:designElem xmlns:p16="http://schemas.microsoft.com/office/powerpoint/2015/main" val="1"/>
+              </p:ext>
+            </p:extLst>
+          </p:nvPr>
+        </p:nvSpPr>
+        <p:spPr bwMode="grayWhite">
+          <a:xfrm>
+            <a:off x="0" y="0"/>
+            <a:ext cx="12192000" cy="6858000"/>
+          </a:xfrm>
+          <a:prstGeom prst="rect">
+            <a:avLst/>
+          </a:prstGeom>
+          <a:ln>
+            <a:noFill/>
+          </a:ln>
+        </p:spPr>
+        <p:style>
+          <a:lnRef idx="2">
+            <a:schemeClr val="accent1">
+              <a:shade val="50000"/>
+            </a:schemeClr>
+          </a:lnRef>
+          <a:fillRef idx="1">
+            <a:schemeClr val="accent1"/>
+          </a:fillRef>
+          <a:effectRef idx="0">
+            <a:schemeClr val="accent1"/>
+          </a:effectRef>
+          <a:fontRef idx="minor">
+            <a:schemeClr val="lt1"/>
+          </a:fontRef>
+        </p:style>
+        <p:txBody>
+          <a:bodyPr rtlCol="0" anchor="ctr"/>
+          <a:lstStyle/>
+          <a:p>
+            <a:pPr algn="ctr"/>
+            <a:endParaRPr lang="en-US"/>
+          </a:p>
+        </p:txBody>
+      </p:sp>
+      <p:grpSp>
+        <p:nvGrpSpPr>
+          <p:cNvPr id="44" name="Group 43">
+            <a:extLst>
+              <a:ext uri="{FF2B5EF4-FFF2-40B4-BE49-F238E27FC236}">
+                <a16:creationId xmlns:a16="http://schemas.microsoft.com/office/drawing/2014/main" id="{D6DCB3B1-E1A7-4510-831B-77C8EFF566AC}"/>
+              </a:ext>
+              <a:ext uri="{C183D7F6-B498-43B3-948B-1728B52AA6E4}">
+                <adec:decorative xmlns:adec="http://schemas.microsoft.com/office/drawing/2017/decorative" val="1"/>
+              </a:ext>
+            </a:extLst>
+          </p:cNvPr>
+          <p:cNvGrpSpPr>
+            <a:grpSpLocks noGrp="1" noUngrp="1" noRot="1" noChangeAspect="1" noMove="1" noResize="1"/>
+          </p:cNvGrpSpPr>
+          <p:nvPr>
+            <p:extLst>
+              <p:ext uri="{386F3935-93C4-4BCD-93E2-E3B085C9AB24}">
+                <p16:designElem xmlns:p16="http://schemas.microsoft.com/office/powerpoint/2015/main" val="1"/>
+              </p:ext>
+            </p:extLst>
+          </p:nvPr>
+        </p:nvGrpSpPr>
+        <p:grpSpPr>
+          <a:xfrm>
+            <a:off x="752858" y="744469"/>
+            <a:ext cx="10674117" cy="5349671"/>
+            <a:chOff x="752858" y="744469"/>
+            <a:chExt cx="10674117" cy="5349671"/>
+          </a:xfrm>
+        </p:grpSpPr>
+        <p:sp>
+          <p:nvSpPr>
+            <p:cNvPr id="45" name="Freeform 6">
+              <a:extLst>
+                <a:ext uri="{FF2B5EF4-FFF2-40B4-BE49-F238E27FC236}">
+                  <a16:creationId xmlns:a16="http://schemas.microsoft.com/office/drawing/2014/main" id="{10132A3B-10CF-4EEB-BA1F-A63D2ED61D79}"/>
+                </a:ext>
+                <a:ext uri="{C183D7F6-B498-43B3-948B-1728B52AA6E4}">
+                  <adec:decorative xmlns:adec="http://schemas.microsoft.com/office/drawing/2017/decorative" val="1"/>
+                </a:ext>
+              </a:extLst>
+            </p:cNvPr>
+            <p:cNvSpPr/>
+            <p:nvPr>
+              <p:extLst>
+                <p:ext uri="{386F3935-93C4-4BCD-93E2-E3B085C9AB24}">
+                  <p16:designElem xmlns:p16="http://schemas.microsoft.com/office/powerpoint/2015/main" val="1"/>
+                </p:ext>
+              </p:extLst>
+            </p:nvPr>
+          </p:nvSpPr>
+          <p:spPr bwMode="auto">
+            <a:xfrm>
+              <a:off x="8151962" y="1685652"/>
+              <a:ext cx="3275013" cy="4408488"/>
+            </a:xfrm>
+            <a:custGeom>
+              <a:avLst/>
+              <a:gdLst/>
+              <a:ahLst/>
+              <a:cxnLst/>
+              <a:rect l="l" t="t" r="r" b="b"/>
+              <a:pathLst>
+                <a:path w="10000" h="10000">
+                  <a:moveTo>
+                    <a:pt x="8761" y="0"/>
+                  </a:moveTo>
+                  <a:lnTo>
+                    <a:pt x="10000" y="0"/>
+                  </a:lnTo>
+                  <a:lnTo>
+                    <a:pt x="10000" y="10000"/>
+                  </a:lnTo>
+                  <a:lnTo>
+                    <a:pt x="0" y="10000"/>
+                  </a:lnTo>
+                  <a:lnTo>
+                    <a:pt x="0" y="9126"/>
+                  </a:lnTo>
+                  <a:lnTo>
+                    <a:pt x="8761" y="9127"/>
+                  </a:lnTo>
+                  <a:lnTo>
+                    <a:pt x="8761" y="0"/>
+                  </a:lnTo>
+                  <a:close/>
+                </a:path>
+              </a:pathLst>
+            </a:custGeom>
+            <a:solidFill>
+              <a:schemeClr val="tx2"/>
+            </a:solidFill>
+            <a:ln w="0">
+              <a:noFill/>
+              <a:prstDash val="solid"/>
+              <a:round/>
+              <a:headEnd/>
+              <a:tailEnd/>
+            </a:ln>
+          </p:spPr>
+        </p:sp>
+        <p:sp>
+          <p:nvSpPr>
+            <p:cNvPr id="46" name="Freeform 6">
+              <a:extLst>
+                <a:ext uri="{FF2B5EF4-FFF2-40B4-BE49-F238E27FC236}">
+                  <a16:creationId xmlns:a16="http://schemas.microsoft.com/office/drawing/2014/main" id="{014E52ED-3C51-46E6-BE4B-14FFAB2C3DB8}"/>
+                </a:ext>
+                <a:ext uri="{C183D7F6-B498-43B3-948B-1728B52AA6E4}">
+                  <adec:decorative xmlns:adec="http://schemas.microsoft.com/office/drawing/2017/decorative" val="1"/>
+                </a:ext>
+              </a:extLst>
+            </p:cNvPr>
+            <p:cNvSpPr/>
+            <p:nvPr>
+              <p:extLst>
+                <p:ext uri="{386F3935-93C4-4BCD-93E2-E3B085C9AB24}">
+                  <p16:designElem xmlns:p16="http://schemas.microsoft.com/office/powerpoint/2015/main" val="1"/>
+                </p:ext>
+              </p:extLst>
+            </p:nvPr>
+          </p:nvSpPr>
+          <p:spPr bwMode="auto">
+            <a:xfrm flipH="1" flipV="1">
+              <a:off x="752858" y="744469"/>
+              <a:ext cx="3275668" cy="4408488"/>
+            </a:xfrm>
+            <a:custGeom>
+              <a:avLst/>
+              <a:gdLst/>
+              <a:ahLst/>
+              <a:cxnLst/>
+              <a:rect l="l" t="t" r="r" b="b"/>
+              <a:pathLst>
+                <a:path w="10002" h="10000">
+                  <a:moveTo>
+                    <a:pt x="8763" y="0"/>
+                  </a:moveTo>
+                  <a:lnTo>
+                    <a:pt x="10002" y="0"/>
+                  </a:lnTo>
+                  <a:lnTo>
+                    <a:pt x="10002" y="10000"/>
+                  </a:lnTo>
+                  <a:lnTo>
+                    <a:pt x="2" y="10000"/>
+                  </a:lnTo>
+                  <a:cubicBezTo>
+                    <a:pt x="-2" y="9698"/>
+                    <a:pt x="4" y="9427"/>
+                    <a:pt x="0" y="9125"/>
+                  </a:cubicBezTo>
+                  <a:lnTo>
+                    <a:pt x="8763" y="9128"/>
+                  </a:lnTo>
+                  <a:lnTo>
+                    <a:pt x="8763" y="0"/>
+                  </a:lnTo>
+                  <a:close/>
+                </a:path>
+              </a:pathLst>
+            </a:custGeom>
+            <a:solidFill>
+              <a:schemeClr val="tx2"/>
+            </a:solidFill>
+            <a:ln w="0">
+              <a:noFill/>
+              <a:prstDash val="solid"/>
+              <a:round/>
+              <a:headEnd/>
+              <a:tailEnd/>
+            </a:ln>
+          </p:spPr>
+        </p:sp>
+      </p:grpSp>
       <p:sp>
         <p:nvSpPr>
           <p:cNvPr id="2" name="Titel 1">
             <a:extLst>
               <a:ext uri="{FF2B5EF4-FFF2-40B4-BE49-F238E27FC236}">
-                <a16:creationId xmlns:a16="http://schemas.microsoft.com/office/drawing/2014/main" id="{54A9925B-5059-4986-9F93-072F22C26728}"/>
+                <a16:creationId xmlns:a16="http://schemas.microsoft.com/office/drawing/2014/main" id="{2C955E82-1CCA-4921-B739-9D857E53D91C}"/>
               </a:ext>
             </a:extLst>
           </p:cNvPr>
@@ -5231,237 +7676,83 @@
             <p:ph type="title"/>
           </p:nvPr>
         </p:nvSpPr>
-        <p:spPr/>
-        <p:txBody>
-          <a:bodyPr/>
+        <p:spPr>
+          <a:xfrm>
+            <a:off x="1478521" y="1480930"/>
+            <a:ext cx="5751537" cy="3848521"/>
+          </a:xfrm>
+        </p:spPr>
+        <p:txBody>
+          <a:bodyPr vert="horz" lIns="91440" tIns="45720" rIns="91440" bIns="45720" rtlCol="0" anchor="ctr">
+            <a:normAutofit/>
+          </a:bodyPr>
           <a:lstStyle/>
           <a:p>
-            <a:r>
-              <a:rPr lang="de-DE" dirty="0" err="1"/>
-              <a:t>Machine</a:t>
-            </a:r>
-            <a:r>
-              <a:rPr lang="de-DE" dirty="0"/>
-              <a:t> Learning</a:t>
-            </a:r>
-          </a:p>
-        </p:txBody>
-      </p:sp>
-      <p:sp>
-        <p:nvSpPr>
-          <p:cNvPr id="3" name="Inhaltsplatzhalter 2">
-            <a:extLst>
-              <a:ext uri="{FF2B5EF4-FFF2-40B4-BE49-F238E27FC236}">
-                <a16:creationId xmlns:a16="http://schemas.microsoft.com/office/drawing/2014/main" id="{B7A80C4B-3030-4B85-AC6C-9D68ABF68B71}"/>
-              </a:ext>
-            </a:extLst>
-          </p:cNvPr>
-          <p:cNvSpPr>
-            <a:spLocks noGrp="1"/>
-          </p:cNvSpPr>
+            <a:pPr algn="r"/>
+            <a:r>
+              <a:rPr lang="en-US" sz="6600" cap="all"/>
+              <a:t>Erkennung von Gesten</a:t>
+            </a:r>
+          </a:p>
+        </p:txBody>
+      </p:sp>
+      <p:cxnSp>
+        <p:nvCxnSpPr>
+          <p:cNvPr id="48" name="Straight Connector 47">
+            <a:extLst>
+              <a:ext uri="{FF2B5EF4-FFF2-40B4-BE49-F238E27FC236}">
+                <a16:creationId xmlns:a16="http://schemas.microsoft.com/office/drawing/2014/main" id="{6116DDC6-8F07-46CC-8751-E5C9346B2A08}"/>
+              </a:ext>
+              <a:ext uri="{C183D7F6-B498-43B3-948B-1728B52AA6E4}">
+                <adec:decorative xmlns:adec="http://schemas.microsoft.com/office/drawing/2017/decorative" val="1"/>
+              </a:ext>
+            </a:extLst>
+          </p:cNvPr>
+          <p:cNvCxnSpPr>
+            <a:cxnSpLocks noGrp="1" noRot="1" noChangeAspect="1" noMove="1" noResize="1" noEditPoints="1" noAdjustHandles="1" noChangeArrowheads="1" noChangeShapeType="1"/>
+          </p:cNvCxnSpPr>
           <p:nvPr>
-            <p:ph idx="1"/>
+            <p:extLst>
+              <p:ext uri="{386F3935-93C4-4BCD-93E2-E3B085C9AB24}">
+                <p16:designElem xmlns:p16="http://schemas.microsoft.com/office/powerpoint/2015/main" val="1"/>
+              </p:ext>
+            </p:extLst>
           </p:nvPr>
-        </p:nvSpPr>
-        <p:spPr/>
-        <p:txBody>
-          <a:bodyPr/>
-          <a:lstStyle/>
-          <a:p>
-            <a:r>
-              <a:rPr lang="de-DE" dirty="0" err="1"/>
-              <a:t>We</a:t>
-            </a:r>
-            <a:r>
-              <a:rPr lang="de-DE" dirty="0"/>
-              <a:t> </a:t>
-            </a:r>
-            <a:r>
-              <a:rPr lang="de-DE" dirty="0" err="1"/>
-              <a:t>have</a:t>
-            </a:r>
-            <a:r>
-              <a:rPr lang="de-DE" dirty="0"/>
-              <a:t> </a:t>
-            </a:r>
-            <a:r>
-              <a:rPr lang="de-DE" dirty="0" err="1"/>
-              <a:t>trained</a:t>
-            </a:r>
-            <a:r>
-              <a:rPr lang="de-DE" dirty="0"/>
-              <a:t> </a:t>
-            </a:r>
-            <a:r>
-              <a:rPr lang="de-DE" dirty="0" err="1"/>
-              <a:t>several</a:t>
-            </a:r>
-            <a:r>
-              <a:rPr lang="de-DE" dirty="0"/>
-              <a:t> </a:t>
-            </a:r>
-            <a:r>
-              <a:rPr lang="de-DE" dirty="0" err="1"/>
-              <a:t>models</a:t>
-            </a:r>
-            <a:endParaRPr lang="de-DE" dirty="0"/>
-          </a:p>
-          <a:p>
-            <a:r>
-              <a:rPr lang="de-DE" dirty="0"/>
-              <a:t>Most </a:t>
-            </a:r>
-            <a:r>
-              <a:rPr lang="de-DE" dirty="0" err="1"/>
-              <a:t>models</a:t>
-            </a:r>
-            <a:r>
-              <a:rPr lang="de-DE" dirty="0"/>
-              <a:t> </a:t>
-            </a:r>
-            <a:r>
-              <a:rPr lang="de-DE" dirty="0" err="1"/>
-              <a:t>worked</a:t>
-            </a:r>
-            <a:r>
-              <a:rPr lang="de-DE" dirty="0"/>
-              <a:t> </a:t>
-            </a:r>
-            <a:r>
-              <a:rPr lang="de-DE" dirty="0" err="1"/>
-              <a:t>good</a:t>
-            </a:r>
-            <a:r>
-              <a:rPr lang="de-DE" dirty="0"/>
-              <a:t> on </a:t>
-            </a:r>
-            <a:r>
-              <a:rPr lang="de-DE" dirty="0" err="1"/>
-              <a:t>the</a:t>
-            </a:r>
-            <a:r>
-              <a:rPr lang="de-DE" dirty="0"/>
-              <a:t> </a:t>
-            </a:r>
-            <a:r>
-              <a:rPr lang="de-DE" dirty="0" err="1"/>
-              <a:t>trainingsset</a:t>
-            </a:r>
-            <a:r>
-              <a:rPr lang="de-DE" dirty="0"/>
-              <a:t> but </a:t>
-            </a:r>
-            <a:r>
-              <a:rPr lang="de-DE" dirty="0" err="1"/>
-              <a:t>failed</a:t>
-            </a:r>
-            <a:r>
-              <a:rPr lang="de-DE" dirty="0"/>
-              <a:t> on </a:t>
-            </a:r>
-            <a:r>
-              <a:rPr lang="de-DE" dirty="0" err="1"/>
-              <a:t>the</a:t>
-            </a:r>
-            <a:r>
-              <a:rPr lang="de-DE" dirty="0"/>
-              <a:t> </a:t>
-            </a:r>
-            <a:r>
-              <a:rPr lang="de-DE" dirty="0" err="1"/>
-              <a:t>realtime</a:t>
-            </a:r>
-            <a:r>
-              <a:rPr lang="de-DE" dirty="0"/>
-              <a:t> </a:t>
-            </a:r>
-            <a:r>
-              <a:rPr lang="de-DE" dirty="0" err="1"/>
-              <a:t>demo</a:t>
-            </a:r>
-            <a:endParaRPr lang="de-DE" dirty="0"/>
-          </a:p>
-          <a:p>
-            <a:r>
-              <a:rPr lang="de-DE" dirty="0"/>
-              <a:t>Best </a:t>
-            </a:r>
-            <a:r>
-              <a:rPr lang="de-DE" dirty="0" err="1"/>
-              <a:t>results</a:t>
-            </a:r>
-            <a:r>
-              <a:rPr lang="de-DE" dirty="0"/>
-              <a:t> </a:t>
-            </a:r>
-            <a:r>
-              <a:rPr lang="de-DE" dirty="0" err="1"/>
-              <a:t>we</a:t>
-            </a:r>
-            <a:r>
-              <a:rPr lang="de-DE" dirty="0"/>
-              <a:t> </a:t>
-            </a:r>
-            <a:r>
-              <a:rPr lang="de-DE" dirty="0" err="1"/>
-              <a:t>had</a:t>
-            </a:r>
-            <a:r>
-              <a:rPr lang="de-DE" dirty="0"/>
-              <a:t> </a:t>
-            </a:r>
-            <a:r>
-              <a:rPr lang="de-DE" dirty="0" err="1"/>
-              <a:t>with</a:t>
-            </a:r>
-            <a:r>
-              <a:rPr lang="de-DE" dirty="0"/>
-              <a:t> </a:t>
-            </a:r>
-            <a:r>
-              <a:rPr lang="de-DE" dirty="0" err="1"/>
-              <a:t>the</a:t>
-            </a:r>
-            <a:r>
-              <a:rPr lang="de-DE" dirty="0"/>
-              <a:t> </a:t>
-            </a:r>
-            <a:r>
-              <a:rPr lang="de-DE" dirty="0" err="1"/>
-              <a:t>pictures</a:t>
-            </a:r>
-            <a:r>
-              <a:rPr lang="de-DE" dirty="0"/>
-              <a:t> </a:t>
-            </a:r>
-            <a:r>
-              <a:rPr lang="de-DE" dirty="0" err="1"/>
-              <a:t>from</a:t>
-            </a:r>
-            <a:r>
-              <a:rPr lang="de-DE" dirty="0"/>
-              <a:t> </a:t>
-            </a:r>
-            <a:r>
-              <a:rPr lang="de-DE" dirty="0" err="1"/>
-              <a:t>the</a:t>
-            </a:r>
-            <a:r>
-              <a:rPr lang="de-DE" dirty="0"/>
-              <a:t> Background </a:t>
-            </a:r>
-            <a:r>
-              <a:rPr lang="de-DE" dirty="0" err="1"/>
-              <a:t>Subtraction</a:t>
-            </a:r>
-            <a:endParaRPr lang="de-DE" dirty="0"/>
-          </a:p>
-        </p:txBody>
-      </p:sp>
+        </p:nvCxnSpPr>
+        <p:spPr>
+          <a:xfrm>
+            <a:off x="7674964" y="2388358"/>
+            <a:ext cx="0" cy="1856096"/>
+          </a:xfrm>
+          <a:prstGeom prst="line">
+            <a:avLst/>
+          </a:prstGeom>
+          <a:ln w="25400" cap="sq">
+            <a:solidFill>
+              <a:schemeClr val="tx1"/>
+            </a:solidFill>
+            <a:miter lim="800000"/>
+          </a:ln>
+        </p:spPr>
+        <p:style>
+          <a:lnRef idx="1">
+            <a:schemeClr val="accent1"/>
+          </a:lnRef>
+          <a:fillRef idx="0">
+            <a:schemeClr val="accent1"/>
+          </a:fillRef>
+          <a:effectRef idx="0">
+            <a:schemeClr val="accent1"/>
+          </a:effectRef>
+          <a:fontRef idx="minor">
+            <a:schemeClr val="tx1"/>
+          </a:fontRef>
+        </p:style>
+      </p:cxnSp>
     </p:spTree>
     <p:extLst>
       <p:ext uri="{BB962C8B-B14F-4D97-AF65-F5344CB8AC3E}">
-        <p14:creationId xmlns:p14="http://schemas.microsoft.com/office/powerpoint/2010/main" val="383444743"/>
+        <p14:creationId xmlns:p14="http://schemas.microsoft.com/office/powerpoint/2010/main" val="2920523183"/>
       </p:ext>
     </p:extLst>
   </p:cSld>
@@ -5474,6 +7765,14 @@
 <file path=ppt/slides/slide17.xml><?xml version="1.0" encoding="utf-8"?>
 <p:sld xmlns:a="http://schemas.openxmlformats.org/drawingml/2006/main" xmlns:r="http://schemas.openxmlformats.org/officeDocument/2006/relationships" xmlns:p="http://schemas.openxmlformats.org/presentationml/2006/main">
   <p:cSld>
+    <p:bg>
+      <p:bgPr>
+        <a:solidFill>
+          <a:schemeClr val="bg2"/>
+        </a:solidFill>
+        <a:effectLst/>
+      </p:bgPr>
+    </p:bg>
     <p:spTree>
       <p:nvGrpSpPr>
         <p:cNvPr id="1" name=""/>
@@ -5488,12 +7787,72 @@
           <a:chExt cx="0" cy="0"/>
         </a:xfrm>
       </p:grpSpPr>
+      <p:sp useBgFill="1">
+        <p:nvSpPr>
+          <p:cNvPr id="14" name="Rectangle 13">
+            <a:extLst>
+              <a:ext uri="{FF2B5EF4-FFF2-40B4-BE49-F238E27FC236}">
+                <a16:creationId xmlns:a16="http://schemas.microsoft.com/office/drawing/2014/main" id="{8E2B8A2D-F46F-4DA5-8AFF-BC57461C281A}"/>
+              </a:ext>
+              <a:ext uri="{C183D7F6-B498-43B3-948B-1728B52AA6E4}">
+                <adec:decorative xmlns:adec="http://schemas.microsoft.com/office/drawing/2017/decorative" val="1"/>
+              </a:ext>
+            </a:extLst>
+          </p:cNvPr>
+          <p:cNvSpPr>
+            <a:spLocks noGrp="1" noRot="1" noChangeAspect="1" noMove="1" noResize="1" noEditPoints="1" noAdjustHandles="1" noChangeArrowheads="1" noChangeShapeType="1" noTextEdit="1"/>
+          </p:cNvSpPr>
+          <p:nvPr>
+            <p:extLst>
+              <p:ext uri="{386F3935-93C4-4BCD-93E2-E3B085C9AB24}">
+                <p16:designElem xmlns:p16="http://schemas.microsoft.com/office/powerpoint/2015/main" val="1"/>
+              </p:ext>
+            </p:extLst>
+          </p:nvPr>
+        </p:nvSpPr>
+        <p:spPr>
+          <a:xfrm>
+            <a:off x="0" y="0"/>
+            <a:ext cx="12192000" cy="6858000"/>
+          </a:xfrm>
+          <a:prstGeom prst="rect">
+            <a:avLst/>
+          </a:prstGeom>
+          <a:ln>
+            <a:noFill/>
+          </a:ln>
+        </p:spPr>
+        <p:style>
+          <a:lnRef idx="2">
+            <a:schemeClr val="accent1">
+              <a:shade val="50000"/>
+            </a:schemeClr>
+          </a:lnRef>
+          <a:fillRef idx="1">
+            <a:schemeClr val="accent1"/>
+          </a:fillRef>
+          <a:effectRef idx="0">
+            <a:schemeClr val="accent1"/>
+          </a:effectRef>
+          <a:fontRef idx="minor">
+            <a:schemeClr val="lt1"/>
+          </a:fontRef>
+        </p:style>
+        <p:txBody>
+          <a:bodyPr rtlCol="0" anchor="ctr"/>
+          <a:lstStyle/>
+          <a:p>
+            <a:pPr algn="ctr"/>
+            <a:endParaRPr lang="en-US"/>
+          </a:p>
+        </p:txBody>
+      </p:sp>
       <p:sp>
         <p:nvSpPr>
           <p:cNvPr id="2" name="Titel 1">
             <a:extLst>
               <a:ext uri="{FF2B5EF4-FFF2-40B4-BE49-F238E27FC236}">
-                <a16:creationId xmlns:a16="http://schemas.microsoft.com/office/drawing/2014/main" id="{865A0312-22D1-41FF-A1B0-3A79F6780865}"/>
+                <a16:creationId xmlns:a16="http://schemas.microsoft.com/office/drawing/2014/main" id="{6C273A33-A23F-4F46-81D2-DBF1DBA451C8}"/>
               </a:ext>
             </a:extLst>
           </p:cNvPr>
@@ -5504,49 +7863,31 @@
             <p:ph type="title"/>
           </p:nvPr>
         </p:nvSpPr>
-        <p:spPr/>
-        <p:txBody>
-          <a:bodyPr/>
+        <p:spPr>
+          <a:xfrm>
+            <a:off x="784743" y="685800"/>
+            <a:ext cx="5793475" cy="1485900"/>
+          </a:xfrm>
+        </p:spPr>
+        <p:txBody>
+          <a:bodyPr>
+            <a:normAutofit/>
+          </a:bodyPr>
           <a:lstStyle/>
           <a:p>
             <a:r>
-              <a:rPr lang="de-DE" dirty="0" err="1"/>
-              <a:t>Creating</a:t>
-            </a:r>
-            <a:r>
               <a:rPr lang="de-DE" dirty="0"/>
-              <a:t> </a:t>
-            </a:r>
-            <a:r>
-              <a:rPr lang="de-DE" dirty="0" err="1"/>
-              <a:t>the</a:t>
-            </a:r>
-            <a:r>
-              <a:rPr lang="de-DE" dirty="0"/>
-              <a:t> Dataset and </a:t>
-            </a:r>
-            <a:r>
-              <a:rPr lang="de-DE" dirty="0" err="1"/>
-              <a:t>train</a:t>
-            </a:r>
-            <a:r>
-              <a:rPr lang="de-DE" dirty="0"/>
-              <a:t> a </a:t>
-            </a:r>
-            <a:r>
-              <a:rPr lang="de-DE" dirty="0" err="1"/>
-              <a:t>model</a:t>
-            </a:r>
-            <a:endParaRPr lang="de-DE" dirty="0"/>
-          </a:p>
-        </p:txBody>
-      </p:sp>
-      <p:sp>
-        <p:nvSpPr>
-          <p:cNvPr id="3" name="Inhaltsplatzhalter 2">
-            <a:extLst>
-              <a:ext uri="{FF2B5EF4-FFF2-40B4-BE49-F238E27FC236}">
-                <a16:creationId xmlns:a16="http://schemas.microsoft.com/office/drawing/2014/main" id="{7D47AA47-2D94-44C1-AA82-DF4A83F84737}"/>
+              <a:t>Finger-Erkennung</a:t>
+            </a:r>
+          </a:p>
+        </p:txBody>
+      </p:sp>
+      <p:sp>
+        <p:nvSpPr>
+          <p:cNvPr id="11" name="Content Placeholder 10">
+            <a:extLst>
+              <a:ext uri="{FF2B5EF4-FFF2-40B4-BE49-F238E27FC236}">
+                <a16:creationId xmlns:a16="http://schemas.microsoft.com/office/drawing/2014/main" id="{25CB7DDA-31F5-4F8E-84F4-EFCFC1AD5E99}"/>
               </a:ext>
             </a:extLst>
           </p:cNvPr>
@@ -5557,108 +7898,92 @@
             <p:ph idx="1"/>
           </p:nvPr>
         </p:nvSpPr>
-        <p:spPr/>
-        <p:txBody>
-          <a:bodyPr/>
+        <p:spPr>
+          <a:xfrm>
+            <a:off x="784743" y="2286000"/>
+            <a:ext cx="5793475" cy="1143000"/>
+          </a:xfrm>
+        </p:spPr>
+        <p:txBody>
+          <a:bodyPr>
+            <a:normAutofit/>
+          </a:bodyPr>
           <a:lstStyle/>
           <a:p>
             <a:r>
               <a:rPr lang="de-DE" dirty="0"/>
-              <a:t>3000 </a:t>
-            </a:r>
-            <a:r>
-              <a:rPr lang="de-DE" dirty="0" err="1"/>
-              <a:t>images</a:t>
-            </a:r>
-            <a:endParaRPr lang="de-DE" dirty="0"/>
+              <a:t>Konvexhülle als Hilfskonstrukt</a:t>
+            </a:r>
           </a:p>
           <a:p>
             <a:r>
               <a:rPr lang="de-DE" dirty="0"/>
-              <a:t>6 </a:t>
-            </a:r>
-            <a:r>
-              <a:rPr lang="de-DE" dirty="0" err="1"/>
-              <a:t>gestures</a:t>
-            </a:r>
-            <a:r>
-              <a:rPr lang="de-DE" dirty="0"/>
-              <a:t>:</a:t>
-            </a:r>
-          </a:p>
-          <a:p>
-            <a:pPr marL="530352" lvl="1" indent="0">
-              <a:buNone/>
-            </a:pPr>
-            <a:r>
-              <a:rPr lang="de-DE" dirty="0"/>
-              <a:t>0.	</a:t>
-            </a:r>
-            <a:r>
-              <a:rPr lang="de-DE" dirty="0" err="1"/>
-              <a:t>palm</a:t>
-            </a:r>
-            <a:endParaRPr lang="de-DE" dirty="0"/>
-          </a:p>
-          <a:p>
-            <a:pPr marL="987552" lvl="1" indent="-457200">
-              <a:buAutoNum type="arabicPeriod"/>
-            </a:pPr>
-            <a:r>
-              <a:rPr lang="de-DE" dirty="0"/>
-              <a:t>Peace</a:t>
-            </a:r>
-          </a:p>
-          <a:p>
-            <a:pPr marL="987552" lvl="1" indent="-457200">
-              <a:buAutoNum type="arabicPeriod"/>
-            </a:pPr>
-            <a:r>
-              <a:rPr lang="de-DE" dirty="0"/>
-              <a:t>Thumb</a:t>
-            </a:r>
-          </a:p>
-          <a:p>
-            <a:pPr marL="987552" lvl="1" indent="-457200">
-              <a:buAutoNum type="arabicPeriod"/>
-            </a:pPr>
-            <a:r>
-              <a:rPr lang="de-DE" dirty="0"/>
-              <a:t>Fist</a:t>
-            </a:r>
-          </a:p>
-          <a:p>
-            <a:pPr marL="987552" lvl="1" indent="-457200">
-              <a:buAutoNum type="arabicPeriod"/>
-            </a:pPr>
-            <a:r>
-              <a:rPr lang="de-DE" dirty="0"/>
-              <a:t>Ok</a:t>
-            </a:r>
-          </a:p>
-          <a:p>
-            <a:pPr marL="987552" lvl="1" indent="-457200">
-              <a:buAutoNum type="arabicPeriod"/>
-            </a:pPr>
-            <a:r>
-              <a:rPr lang="de-DE" dirty="0"/>
-              <a:t>L</a:t>
-            </a:r>
-          </a:p>
-          <a:p>
-            <a:pPr marL="530352" lvl="1" indent="0">
-              <a:buNone/>
-            </a:pPr>
-            <a:endParaRPr lang="de-DE" dirty="0"/>
-          </a:p>
-        </p:txBody>
+              <a:t>Lautstärke durch Fingeranzahl regeln</a:t>
+            </a:r>
+          </a:p>
+        </p:txBody>
+      </p:sp>
+      <p:sp>
+        <p:nvSpPr>
+          <p:cNvPr id="16" name="Rectangle 15">
+            <a:extLst>
+              <a:ext uri="{FF2B5EF4-FFF2-40B4-BE49-F238E27FC236}">
+                <a16:creationId xmlns:a16="http://schemas.microsoft.com/office/drawing/2014/main" id="{292BAD85-00E4-4D0A-993C-8372E78E1ADD}"/>
+              </a:ext>
+              <a:ext uri="{C183D7F6-B498-43B3-948B-1728B52AA6E4}">
+                <adec:decorative xmlns:adec="http://schemas.microsoft.com/office/drawing/2017/decorative" val="1"/>
+              </a:ext>
+            </a:extLst>
+          </p:cNvPr>
+          <p:cNvSpPr>
+            <a:spLocks noGrp="1" noRot="1" noChangeAspect="1" noMove="1" noResize="1" noEditPoints="1" noAdjustHandles="1" noChangeArrowheads="1" noChangeShapeType="1" noTextEdit="1"/>
+          </p:cNvSpPr>
+          <p:nvPr>
+            <p:extLst>
+              <p:ext uri="{386F3935-93C4-4BCD-93E2-E3B085C9AB24}">
+                <p16:designElem xmlns:p16="http://schemas.microsoft.com/office/powerpoint/2015/main" val="1"/>
+              </p:ext>
+            </p:extLst>
+          </p:nvPr>
+        </p:nvSpPr>
+        <p:spPr>
+          <a:xfrm>
+            <a:off x="7383661" y="0"/>
+            <a:ext cx="228600" cy="6858000"/>
+          </a:xfrm>
+          <a:prstGeom prst="rect">
+            <a:avLst/>
+          </a:prstGeom>
+          <a:solidFill>
+            <a:schemeClr val="tx2"/>
+          </a:solidFill>
+          <a:ln>
+            <a:noFill/>
+          </a:ln>
+        </p:spPr>
+        <p:style>
+          <a:lnRef idx="2">
+            <a:schemeClr val="accent1">
+              <a:shade val="50000"/>
+            </a:schemeClr>
+          </a:lnRef>
+          <a:fillRef idx="1">
+            <a:schemeClr val="accent1"/>
+          </a:fillRef>
+          <a:effectRef idx="0">
+            <a:schemeClr val="accent1"/>
+          </a:effectRef>
+          <a:fontRef idx="minor">
+            <a:schemeClr val="lt1"/>
+          </a:fontRef>
+        </p:style>
       </p:sp>
       <p:pic>
         <p:nvPicPr>
-          <p:cNvPr id="5" name="Grafik 4">
-            <a:extLst>
-              <a:ext uri="{FF2B5EF4-FFF2-40B4-BE49-F238E27FC236}">
-                <a16:creationId xmlns:a16="http://schemas.microsoft.com/office/drawing/2014/main" id="{7ABD9290-AC3F-43CC-A3E6-9D67FB889C5E}"/>
+          <p:cNvPr id="5" name="Inhaltsplatzhalter 4">
+            <a:extLst>
+              <a:ext uri="{FF2B5EF4-FFF2-40B4-BE49-F238E27FC236}">
+                <a16:creationId xmlns:a16="http://schemas.microsoft.com/office/drawing/2014/main" id="{3BDE31D6-8155-4ED8-8921-CE0F8640D7F1}"/>
               </a:ext>
             </a:extLst>
           </p:cNvPr>
@@ -5675,20 +8000,24 @@
         </p:blipFill>
         <p:spPr>
           <a:xfrm>
-            <a:off x="5274693" y="2171700"/>
-            <a:ext cx="1193680" cy="1193680"/>
+            <a:off x="8179136" y="643467"/>
+            <a:ext cx="3445987" cy="2705100"/>
           </a:xfrm>
           <a:prstGeom prst="rect">
             <a:avLst/>
           </a:prstGeom>
+          <a:ln>
+            <a:noFill/>
+          </a:ln>
+          <a:effectLst/>
         </p:spPr>
       </p:pic>
       <p:pic>
         <p:nvPicPr>
-          <p:cNvPr id="7" name="Grafik 6">
-            <a:extLst>
-              <a:ext uri="{FF2B5EF4-FFF2-40B4-BE49-F238E27FC236}">
-                <a16:creationId xmlns:a16="http://schemas.microsoft.com/office/drawing/2014/main" id="{C117F6E8-7442-4FBF-A4E4-F6C88B1E3D50}"/>
+          <p:cNvPr id="7" name="Grafik 6" descr="Ein Bild, das Objekt, Licht enthält.&#10;&#10;Automatisch generierte Beschreibung">
+            <a:extLst>
+              <a:ext uri="{FF2B5EF4-FFF2-40B4-BE49-F238E27FC236}">
+                <a16:creationId xmlns:a16="http://schemas.microsoft.com/office/drawing/2014/main" id="{DB6FE4A3-3AD1-45AD-8045-A67C1BD6F4DB}"/>
               </a:ext>
             </a:extLst>
           </p:cNvPr>
@@ -5705,138 +8034,698 @@
         </p:blipFill>
         <p:spPr>
           <a:xfrm>
-            <a:off x="7028731" y="2171700"/>
-            <a:ext cx="1193680" cy="1193680"/>
+            <a:off x="8179136" y="3509434"/>
+            <a:ext cx="3445987" cy="2705100"/>
           </a:xfrm>
           <a:prstGeom prst="rect">
             <a:avLst/>
           </a:prstGeom>
+          <a:ln>
+            <a:noFill/>
+          </a:ln>
+          <a:effectLst/>
         </p:spPr>
       </p:pic>
-      <p:pic>
-        <p:nvPicPr>
-          <p:cNvPr id="9" name="Grafik 8">
-            <a:extLst>
-              <a:ext uri="{FF2B5EF4-FFF2-40B4-BE49-F238E27FC236}">
-                <a16:creationId xmlns:a16="http://schemas.microsoft.com/office/drawing/2014/main" id="{84C2B98D-B737-4B4F-8CFD-B1C24C04D3BB}"/>
-              </a:ext>
-            </a:extLst>
-          </p:cNvPr>
-          <p:cNvPicPr>
-            <a:picLocks noChangeAspect="1"/>
-          </p:cNvPicPr>
+      <p:sp>
+        <p:nvSpPr>
+          <p:cNvPr id="12" name="Minuszeichen 11">
+            <a:extLst>
+              <a:ext uri="{FF2B5EF4-FFF2-40B4-BE49-F238E27FC236}">
+                <a16:creationId xmlns:a16="http://schemas.microsoft.com/office/drawing/2014/main" id="{76FC2158-D978-4A7A-BBC7-2F493157757A}"/>
+              </a:ext>
+            </a:extLst>
+          </p:cNvPr>
+          <p:cNvSpPr/>
           <p:nvPr/>
-        </p:nvPicPr>
-        <p:blipFill>
-          <a:blip r:embed="rId4"/>
-          <a:stretch>
-            <a:fillRect/>
-          </a:stretch>
-        </p:blipFill>
-        <p:spPr>
-          <a:xfrm>
-            <a:off x="8782769" y="2171700"/>
-            <a:ext cx="1193680" cy="1193680"/>
+        </p:nvSpPr>
+        <p:spPr>
+          <a:xfrm>
+            <a:off x="703702" y="4844646"/>
+            <a:ext cx="508216" cy="541716"/>
+          </a:xfrm>
+          <a:prstGeom prst="mathMinus">
+            <a:avLst/>
+          </a:prstGeom>
+          <a:solidFill>
+            <a:srgbClr val="FF0000"/>
+          </a:solidFill>
+          <a:ln w="3175"/>
+        </p:spPr>
+        <p:style>
+          <a:lnRef idx="2">
+            <a:schemeClr val="accent6">
+              <a:shade val="50000"/>
+            </a:schemeClr>
+          </a:lnRef>
+          <a:fillRef idx="1">
+            <a:schemeClr val="accent6"/>
+          </a:fillRef>
+          <a:effectRef idx="0">
+            <a:schemeClr val="accent6"/>
+          </a:effectRef>
+          <a:fontRef idx="minor">
+            <a:schemeClr val="lt1"/>
+          </a:fontRef>
+        </p:style>
+        <p:txBody>
+          <a:bodyPr rtlCol="0" anchor="ctr"/>
+          <a:lstStyle/>
+          <a:p>
+            <a:pPr algn="ctr"/>
+            <a:endParaRPr lang="de-DE"/>
+          </a:p>
+        </p:txBody>
+      </p:sp>
+      <p:sp>
+        <p:nvSpPr>
+          <p:cNvPr id="13" name="Content Placeholder 10">
+            <a:extLst>
+              <a:ext uri="{FF2B5EF4-FFF2-40B4-BE49-F238E27FC236}">
+                <a16:creationId xmlns:a16="http://schemas.microsoft.com/office/drawing/2014/main" id="{2FA9DE06-BDE3-4CC2-8AD8-61F8B82772FB}"/>
+              </a:ext>
+            </a:extLst>
+          </p:cNvPr>
+          <p:cNvSpPr txBox="1">
+            <a:spLocks/>
+          </p:cNvSpPr>
+          <p:nvPr/>
+        </p:nvSpPr>
+        <p:spPr>
+          <a:xfrm>
+            <a:off x="1306748" y="3805842"/>
+            <a:ext cx="5793475" cy="1143000"/>
           </a:xfrm>
           <a:prstGeom prst="rect">
             <a:avLst/>
           </a:prstGeom>
         </p:spPr>
-      </p:pic>
-      <p:pic>
-        <p:nvPicPr>
-          <p:cNvPr id="11" name="Grafik 10">
-            <a:extLst>
-              <a:ext uri="{FF2B5EF4-FFF2-40B4-BE49-F238E27FC236}">
-                <a16:creationId xmlns:a16="http://schemas.microsoft.com/office/drawing/2014/main" id="{11E3CC1A-89DD-4F7C-98CD-0AF05A136E4C}"/>
-              </a:ext>
-            </a:extLst>
-          </p:cNvPr>
-          <p:cNvPicPr>
-            <a:picLocks noChangeAspect="1"/>
-          </p:cNvPicPr>
+        <p:txBody>
+          <a:bodyPr vert="horz" lIns="91440" tIns="45720" rIns="91440" bIns="45720" rtlCol="0">
+            <a:normAutofit/>
+          </a:bodyPr>
+          <a:lstStyle>
+            <a:lvl1pPr marL="384048" indent="-384048" algn="l" defTabSz="914400" rtl="0" eaLnBrk="1" latinLnBrk="0" hangingPunct="1">
+              <a:lnSpc>
+                <a:spcPct val="94000"/>
+              </a:lnSpc>
+              <a:spcBef>
+                <a:spcPts val="1000"/>
+              </a:spcBef>
+              <a:spcAft>
+                <a:spcPts val="200"/>
+              </a:spcAft>
+              <a:buFont typeface="Franklin Gothic Book" panose="020B0503020102020204" pitchFamily="34" charset="0"/>
+              <a:buChar char="■"/>
+              <a:defRPr sz="2000" kern="1200" baseline="0">
+                <a:solidFill>
+                  <a:schemeClr val="tx2"/>
+                </a:solidFill>
+                <a:latin typeface="+mn-lt"/>
+                <a:ea typeface="+mn-ea"/>
+                <a:cs typeface="+mn-cs"/>
+              </a:defRPr>
+            </a:lvl1pPr>
+            <a:lvl2pPr marL="914400" indent="-384048" algn="l" defTabSz="914400" rtl="0" eaLnBrk="1" latinLnBrk="0" hangingPunct="1">
+              <a:lnSpc>
+                <a:spcPct val="94000"/>
+              </a:lnSpc>
+              <a:spcBef>
+                <a:spcPts val="500"/>
+              </a:spcBef>
+              <a:spcAft>
+                <a:spcPts val="200"/>
+              </a:spcAft>
+              <a:buFont typeface="Franklin Gothic Book" panose="020B0503020102020204" pitchFamily="34" charset="0"/>
+              <a:buChar char="–"/>
+              <a:defRPr sz="2000" i="1" kern="1200" baseline="0">
+                <a:solidFill>
+                  <a:schemeClr val="tx2"/>
+                </a:solidFill>
+                <a:latin typeface="+mn-lt"/>
+                <a:ea typeface="+mn-ea"/>
+                <a:cs typeface="+mn-cs"/>
+              </a:defRPr>
+            </a:lvl2pPr>
+            <a:lvl3pPr marL="1371600" indent="-384048" algn="l" defTabSz="914400" rtl="0" eaLnBrk="1" latinLnBrk="0" hangingPunct="1">
+              <a:lnSpc>
+                <a:spcPct val="94000"/>
+              </a:lnSpc>
+              <a:spcBef>
+                <a:spcPts val="500"/>
+              </a:spcBef>
+              <a:spcAft>
+                <a:spcPts val="200"/>
+              </a:spcAft>
+              <a:buFont typeface="Franklin Gothic Book" panose="020B0503020102020204" pitchFamily="34" charset="0"/>
+              <a:buChar char="■"/>
+              <a:defRPr sz="1800" kern="1200" baseline="0">
+                <a:solidFill>
+                  <a:schemeClr val="tx2"/>
+                </a:solidFill>
+                <a:latin typeface="+mn-lt"/>
+                <a:ea typeface="+mn-ea"/>
+                <a:cs typeface="+mn-cs"/>
+              </a:defRPr>
+            </a:lvl3pPr>
+            <a:lvl4pPr marL="1828800" indent="-384048" algn="l" defTabSz="914400" rtl="0" eaLnBrk="1" latinLnBrk="0" hangingPunct="1">
+              <a:lnSpc>
+                <a:spcPct val="94000"/>
+              </a:lnSpc>
+              <a:spcBef>
+                <a:spcPts val="500"/>
+              </a:spcBef>
+              <a:spcAft>
+                <a:spcPts val="200"/>
+              </a:spcAft>
+              <a:buFont typeface="Franklin Gothic Book" panose="020B0503020102020204" pitchFamily="34" charset="0"/>
+              <a:buChar char="–"/>
+              <a:defRPr sz="1800" i="1" kern="1200" baseline="0">
+                <a:solidFill>
+                  <a:schemeClr val="tx2"/>
+                </a:solidFill>
+                <a:latin typeface="+mn-lt"/>
+                <a:ea typeface="+mn-ea"/>
+                <a:cs typeface="+mn-cs"/>
+              </a:defRPr>
+            </a:lvl4pPr>
+            <a:lvl5pPr marL="2286000" indent="-384048" algn="l" defTabSz="914400" rtl="0" eaLnBrk="1" latinLnBrk="0" hangingPunct="1">
+              <a:lnSpc>
+                <a:spcPct val="94000"/>
+              </a:lnSpc>
+              <a:spcBef>
+                <a:spcPts val="500"/>
+              </a:spcBef>
+              <a:spcAft>
+                <a:spcPts val="200"/>
+              </a:spcAft>
+              <a:buFont typeface="Franklin Gothic Book" panose="020B0503020102020204" pitchFamily="34" charset="0"/>
+              <a:buChar char="■"/>
+              <a:defRPr sz="1600" kern="1200" baseline="0">
+                <a:solidFill>
+                  <a:schemeClr val="tx2"/>
+                </a:solidFill>
+                <a:latin typeface="+mn-lt"/>
+                <a:ea typeface="+mn-ea"/>
+                <a:cs typeface="+mn-cs"/>
+              </a:defRPr>
+            </a:lvl5pPr>
+            <a:lvl6pPr marL="2743200" indent="-384048" algn="l" defTabSz="914400" rtl="0" eaLnBrk="1" latinLnBrk="0" hangingPunct="1">
+              <a:lnSpc>
+                <a:spcPct val="94000"/>
+              </a:lnSpc>
+              <a:spcBef>
+                <a:spcPts val="500"/>
+              </a:spcBef>
+              <a:spcAft>
+                <a:spcPts val="200"/>
+              </a:spcAft>
+              <a:buFont typeface="Franklin Gothic Book" panose="020B0503020102020204" pitchFamily="34" charset="0"/>
+              <a:buChar char="–"/>
+              <a:defRPr sz="1600" i="1" kern="1200" baseline="0">
+                <a:solidFill>
+                  <a:schemeClr val="tx2"/>
+                </a:solidFill>
+                <a:latin typeface="+mn-lt"/>
+                <a:ea typeface="+mn-ea"/>
+                <a:cs typeface="+mn-cs"/>
+              </a:defRPr>
+            </a:lvl6pPr>
+            <a:lvl7pPr marL="3200400" indent="-384048" algn="l" defTabSz="914400" rtl="0" eaLnBrk="1" latinLnBrk="0" hangingPunct="1">
+              <a:lnSpc>
+                <a:spcPct val="94000"/>
+              </a:lnSpc>
+              <a:spcBef>
+                <a:spcPts val="500"/>
+              </a:spcBef>
+              <a:spcAft>
+                <a:spcPts val="200"/>
+              </a:spcAft>
+              <a:buFont typeface="Franklin Gothic Book" panose="020B0503020102020204" pitchFamily="34" charset="0"/>
+              <a:buChar char="■"/>
+              <a:defRPr sz="1400" kern="1200" baseline="0">
+                <a:solidFill>
+                  <a:schemeClr val="tx2"/>
+                </a:solidFill>
+                <a:latin typeface="+mn-lt"/>
+                <a:ea typeface="+mn-ea"/>
+                <a:cs typeface="+mn-cs"/>
+              </a:defRPr>
+            </a:lvl7pPr>
+            <a:lvl8pPr marL="3657600" indent="-384048" algn="l" defTabSz="914400" rtl="0" eaLnBrk="1" latinLnBrk="0" hangingPunct="1">
+              <a:lnSpc>
+                <a:spcPct val="94000"/>
+              </a:lnSpc>
+              <a:spcBef>
+                <a:spcPts val="500"/>
+              </a:spcBef>
+              <a:spcAft>
+                <a:spcPts val="200"/>
+              </a:spcAft>
+              <a:buFont typeface="Franklin Gothic Book" panose="020B0503020102020204" pitchFamily="34" charset="0"/>
+              <a:buChar char="–"/>
+              <a:defRPr sz="1400" i="1" kern="1200" baseline="0">
+                <a:solidFill>
+                  <a:schemeClr val="tx2"/>
+                </a:solidFill>
+                <a:latin typeface="+mn-lt"/>
+                <a:ea typeface="+mn-ea"/>
+                <a:cs typeface="+mn-cs"/>
+              </a:defRPr>
+            </a:lvl8pPr>
+            <a:lvl9pPr marL="4114800" indent="-384048" algn="l" defTabSz="914400" rtl="0" eaLnBrk="1" latinLnBrk="0" hangingPunct="1">
+              <a:lnSpc>
+                <a:spcPct val="94000"/>
+              </a:lnSpc>
+              <a:spcBef>
+                <a:spcPts val="500"/>
+              </a:spcBef>
+              <a:spcAft>
+                <a:spcPts val="200"/>
+              </a:spcAft>
+              <a:buFont typeface="Franklin Gothic Book" panose="020B0503020102020204" pitchFamily="34" charset="0"/>
+              <a:buChar char="■"/>
+              <a:defRPr sz="1400" kern="1200" baseline="0">
+                <a:solidFill>
+                  <a:schemeClr val="tx2"/>
+                </a:solidFill>
+                <a:latin typeface="+mn-lt"/>
+                <a:ea typeface="+mn-ea"/>
+                <a:cs typeface="+mn-cs"/>
+              </a:defRPr>
+            </a:lvl9pPr>
+          </a:lstStyle>
+          <a:p>
+            <a:pPr marL="0" indent="0">
+              <a:buNone/>
+            </a:pPr>
+            <a:r>
+              <a:rPr lang="de-DE" dirty="0"/>
+              <a:t>Gute Ergebnisse für 1 bis Finger</a:t>
+            </a:r>
+          </a:p>
+          <a:p>
+            <a:pPr marL="0" indent="0">
+              <a:buNone/>
+            </a:pPr>
+            <a:r>
+              <a:rPr lang="de-DE" dirty="0"/>
+              <a:t>Sehr performant</a:t>
+            </a:r>
+          </a:p>
+        </p:txBody>
+      </p:sp>
+      <p:sp>
+        <p:nvSpPr>
+          <p:cNvPr id="15" name="Additionszeichen 14">
+            <a:extLst>
+              <a:ext uri="{FF2B5EF4-FFF2-40B4-BE49-F238E27FC236}">
+                <a16:creationId xmlns:a16="http://schemas.microsoft.com/office/drawing/2014/main" id="{763A1676-DF60-4B78-80CE-F6509B6D37F8}"/>
+              </a:ext>
+            </a:extLst>
+          </p:cNvPr>
+          <p:cNvSpPr/>
           <p:nvPr/>
-        </p:nvPicPr>
-        <p:blipFill>
-          <a:blip r:embed="rId5"/>
-          <a:stretch>
-            <a:fillRect/>
-          </a:stretch>
-        </p:blipFill>
-        <p:spPr>
-          <a:xfrm>
-            <a:off x="5274694" y="4019550"/>
-            <a:ext cx="1193679" cy="1193679"/>
+        </p:nvSpPr>
+        <p:spPr>
+          <a:xfrm>
+            <a:off x="739871" y="3736712"/>
+            <a:ext cx="508216" cy="452082"/>
+          </a:xfrm>
+          <a:prstGeom prst="mathPlus">
+            <a:avLst/>
+          </a:prstGeom>
+          <a:solidFill>
+            <a:srgbClr val="92D050"/>
+          </a:solidFill>
+          <a:ln w="3175"/>
+        </p:spPr>
+        <p:style>
+          <a:lnRef idx="2">
+            <a:schemeClr val="accent4">
+              <a:shade val="50000"/>
+            </a:schemeClr>
+          </a:lnRef>
+          <a:fillRef idx="1">
+            <a:schemeClr val="accent4"/>
+          </a:fillRef>
+          <a:effectRef idx="0">
+            <a:schemeClr val="accent4"/>
+          </a:effectRef>
+          <a:fontRef idx="minor">
+            <a:schemeClr val="lt1"/>
+          </a:fontRef>
+        </p:style>
+        <p:txBody>
+          <a:bodyPr rtlCol="0" anchor="ctr"/>
+          <a:lstStyle/>
+          <a:p>
+            <a:pPr algn="ctr"/>
+            <a:endParaRPr lang="de-DE"/>
+          </a:p>
+        </p:txBody>
+      </p:sp>
+      <p:sp>
+        <p:nvSpPr>
+          <p:cNvPr id="17" name="Additionszeichen 16">
+            <a:extLst>
+              <a:ext uri="{FF2B5EF4-FFF2-40B4-BE49-F238E27FC236}">
+                <a16:creationId xmlns:a16="http://schemas.microsoft.com/office/drawing/2014/main" id="{7DF9FBF4-B4CE-439C-9528-5133295A28EB}"/>
+              </a:ext>
+            </a:extLst>
+          </p:cNvPr>
+          <p:cNvSpPr/>
+          <p:nvPr/>
+        </p:nvSpPr>
+        <p:spPr>
+          <a:xfrm>
+            <a:off x="739871" y="4218832"/>
+            <a:ext cx="508216" cy="452082"/>
+          </a:xfrm>
+          <a:prstGeom prst="mathPlus">
+            <a:avLst/>
+          </a:prstGeom>
+          <a:solidFill>
+            <a:srgbClr val="92D050"/>
+          </a:solidFill>
+          <a:ln w="3175"/>
+        </p:spPr>
+        <p:style>
+          <a:lnRef idx="2">
+            <a:schemeClr val="accent4">
+              <a:shade val="50000"/>
+            </a:schemeClr>
+          </a:lnRef>
+          <a:fillRef idx="1">
+            <a:schemeClr val="accent4"/>
+          </a:fillRef>
+          <a:effectRef idx="0">
+            <a:schemeClr val="accent4"/>
+          </a:effectRef>
+          <a:fontRef idx="minor">
+            <a:schemeClr val="lt1"/>
+          </a:fontRef>
+        </p:style>
+        <p:txBody>
+          <a:bodyPr rtlCol="0" anchor="ctr"/>
+          <a:lstStyle/>
+          <a:p>
+            <a:pPr algn="ctr"/>
+            <a:endParaRPr lang="de-DE"/>
+          </a:p>
+        </p:txBody>
+      </p:sp>
+      <p:sp>
+        <p:nvSpPr>
+          <p:cNvPr id="18" name="Content Placeholder 10">
+            <a:extLst>
+              <a:ext uri="{FF2B5EF4-FFF2-40B4-BE49-F238E27FC236}">
+                <a16:creationId xmlns:a16="http://schemas.microsoft.com/office/drawing/2014/main" id="{7CCE95BF-6EDA-4B39-81B1-FE1FF8F70D43}"/>
+              </a:ext>
+            </a:extLst>
+          </p:cNvPr>
+          <p:cNvSpPr txBox="1">
+            <a:spLocks/>
+          </p:cNvSpPr>
+          <p:nvPr/>
+        </p:nvSpPr>
+        <p:spPr>
+          <a:xfrm>
+            <a:off x="1211918" y="4899385"/>
+            <a:ext cx="5793475" cy="1143000"/>
           </a:xfrm>
           <a:prstGeom prst="rect">
             <a:avLst/>
           </a:prstGeom>
         </p:spPr>
-      </p:pic>
-      <p:pic>
-        <p:nvPicPr>
-          <p:cNvPr id="13" name="Grafik 12">
-            <a:extLst>
-              <a:ext uri="{FF2B5EF4-FFF2-40B4-BE49-F238E27FC236}">
-                <a16:creationId xmlns:a16="http://schemas.microsoft.com/office/drawing/2014/main" id="{DDF397FA-53A9-45C2-8AF7-D197F0DECFF3}"/>
-              </a:ext>
-            </a:extLst>
-          </p:cNvPr>
-          <p:cNvPicPr>
-            <a:picLocks noChangeAspect="1"/>
-          </p:cNvPicPr>
+        <p:txBody>
+          <a:bodyPr vert="horz" lIns="91440" tIns="45720" rIns="91440" bIns="45720" rtlCol="0">
+            <a:normAutofit/>
+          </a:bodyPr>
+          <a:lstStyle>
+            <a:lvl1pPr marL="384048" indent="-384048" algn="l" defTabSz="914400" rtl="0" eaLnBrk="1" latinLnBrk="0" hangingPunct="1">
+              <a:lnSpc>
+                <a:spcPct val="94000"/>
+              </a:lnSpc>
+              <a:spcBef>
+                <a:spcPts val="1000"/>
+              </a:spcBef>
+              <a:spcAft>
+                <a:spcPts val="200"/>
+              </a:spcAft>
+              <a:buFont typeface="Franklin Gothic Book" panose="020B0503020102020204" pitchFamily="34" charset="0"/>
+              <a:buChar char="■"/>
+              <a:defRPr sz="2000" kern="1200" baseline="0">
+                <a:solidFill>
+                  <a:schemeClr val="tx2"/>
+                </a:solidFill>
+                <a:latin typeface="+mn-lt"/>
+                <a:ea typeface="+mn-ea"/>
+                <a:cs typeface="+mn-cs"/>
+              </a:defRPr>
+            </a:lvl1pPr>
+            <a:lvl2pPr marL="914400" indent="-384048" algn="l" defTabSz="914400" rtl="0" eaLnBrk="1" latinLnBrk="0" hangingPunct="1">
+              <a:lnSpc>
+                <a:spcPct val="94000"/>
+              </a:lnSpc>
+              <a:spcBef>
+                <a:spcPts val="500"/>
+              </a:spcBef>
+              <a:spcAft>
+                <a:spcPts val="200"/>
+              </a:spcAft>
+              <a:buFont typeface="Franklin Gothic Book" panose="020B0503020102020204" pitchFamily="34" charset="0"/>
+              <a:buChar char="–"/>
+              <a:defRPr sz="2000" i="1" kern="1200" baseline="0">
+                <a:solidFill>
+                  <a:schemeClr val="tx2"/>
+                </a:solidFill>
+                <a:latin typeface="+mn-lt"/>
+                <a:ea typeface="+mn-ea"/>
+                <a:cs typeface="+mn-cs"/>
+              </a:defRPr>
+            </a:lvl2pPr>
+            <a:lvl3pPr marL="1371600" indent="-384048" algn="l" defTabSz="914400" rtl="0" eaLnBrk="1" latinLnBrk="0" hangingPunct="1">
+              <a:lnSpc>
+                <a:spcPct val="94000"/>
+              </a:lnSpc>
+              <a:spcBef>
+                <a:spcPts val="500"/>
+              </a:spcBef>
+              <a:spcAft>
+                <a:spcPts val="200"/>
+              </a:spcAft>
+              <a:buFont typeface="Franklin Gothic Book" panose="020B0503020102020204" pitchFamily="34" charset="0"/>
+              <a:buChar char="■"/>
+              <a:defRPr sz="1800" kern="1200" baseline="0">
+                <a:solidFill>
+                  <a:schemeClr val="tx2"/>
+                </a:solidFill>
+                <a:latin typeface="+mn-lt"/>
+                <a:ea typeface="+mn-ea"/>
+                <a:cs typeface="+mn-cs"/>
+              </a:defRPr>
+            </a:lvl3pPr>
+            <a:lvl4pPr marL="1828800" indent="-384048" algn="l" defTabSz="914400" rtl="0" eaLnBrk="1" latinLnBrk="0" hangingPunct="1">
+              <a:lnSpc>
+                <a:spcPct val="94000"/>
+              </a:lnSpc>
+              <a:spcBef>
+                <a:spcPts val="500"/>
+              </a:spcBef>
+              <a:spcAft>
+                <a:spcPts val="200"/>
+              </a:spcAft>
+              <a:buFont typeface="Franklin Gothic Book" panose="020B0503020102020204" pitchFamily="34" charset="0"/>
+              <a:buChar char="–"/>
+              <a:defRPr sz="1800" i="1" kern="1200" baseline="0">
+                <a:solidFill>
+                  <a:schemeClr val="tx2"/>
+                </a:solidFill>
+                <a:latin typeface="+mn-lt"/>
+                <a:ea typeface="+mn-ea"/>
+                <a:cs typeface="+mn-cs"/>
+              </a:defRPr>
+            </a:lvl4pPr>
+            <a:lvl5pPr marL="2286000" indent="-384048" algn="l" defTabSz="914400" rtl="0" eaLnBrk="1" latinLnBrk="0" hangingPunct="1">
+              <a:lnSpc>
+                <a:spcPct val="94000"/>
+              </a:lnSpc>
+              <a:spcBef>
+                <a:spcPts val="500"/>
+              </a:spcBef>
+              <a:spcAft>
+                <a:spcPts val="200"/>
+              </a:spcAft>
+              <a:buFont typeface="Franklin Gothic Book" panose="020B0503020102020204" pitchFamily="34" charset="0"/>
+              <a:buChar char="■"/>
+              <a:defRPr sz="1600" kern="1200" baseline="0">
+                <a:solidFill>
+                  <a:schemeClr val="tx2"/>
+                </a:solidFill>
+                <a:latin typeface="+mn-lt"/>
+                <a:ea typeface="+mn-ea"/>
+                <a:cs typeface="+mn-cs"/>
+              </a:defRPr>
+            </a:lvl5pPr>
+            <a:lvl6pPr marL="2743200" indent="-384048" algn="l" defTabSz="914400" rtl="0" eaLnBrk="1" latinLnBrk="0" hangingPunct="1">
+              <a:lnSpc>
+                <a:spcPct val="94000"/>
+              </a:lnSpc>
+              <a:spcBef>
+                <a:spcPts val="500"/>
+              </a:spcBef>
+              <a:spcAft>
+                <a:spcPts val="200"/>
+              </a:spcAft>
+              <a:buFont typeface="Franklin Gothic Book" panose="020B0503020102020204" pitchFamily="34" charset="0"/>
+              <a:buChar char="–"/>
+              <a:defRPr sz="1600" i="1" kern="1200" baseline="0">
+                <a:solidFill>
+                  <a:schemeClr val="tx2"/>
+                </a:solidFill>
+                <a:latin typeface="+mn-lt"/>
+                <a:ea typeface="+mn-ea"/>
+                <a:cs typeface="+mn-cs"/>
+              </a:defRPr>
+            </a:lvl6pPr>
+            <a:lvl7pPr marL="3200400" indent="-384048" algn="l" defTabSz="914400" rtl="0" eaLnBrk="1" latinLnBrk="0" hangingPunct="1">
+              <a:lnSpc>
+                <a:spcPct val="94000"/>
+              </a:lnSpc>
+              <a:spcBef>
+                <a:spcPts val="500"/>
+              </a:spcBef>
+              <a:spcAft>
+                <a:spcPts val="200"/>
+              </a:spcAft>
+              <a:buFont typeface="Franklin Gothic Book" panose="020B0503020102020204" pitchFamily="34" charset="0"/>
+              <a:buChar char="■"/>
+              <a:defRPr sz="1400" kern="1200" baseline="0">
+                <a:solidFill>
+                  <a:schemeClr val="tx2"/>
+                </a:solidFill>
+                <a:latin typeface="+mn-lt"/>
+                <a:ea typeface="+mn-ea"/>
+                <a:cs typeface="+mn-cs"/>
+              </a:defRPr>
+            </a:lvl7pPr>
+            <a:lvl8pPr marL="3657600" indent="-384048" algn="l" defTabSz="914400" rtl="0" eaLnBrk="1" latinLnBrk="0" hangingPunct="1">
+              <a:lnSpc>
+                <a:spcPct val="94000"/>
+              </a:lnSpc>
+              <a:spcBef>
+                <a:spcPts val="500"/>
+              </a:spcBef>
+              <a:spcAft>
+                <a:spcPts val="200"/>
+              </a:spcAft>
+              <a:buFont typeface="Franklin Gothic Book" panose="020B0503020102020204" pitchFamily="34" charset="0"/>
+              <a:buChar char="–"/>
+              <a:defRPr sz="1400" i="1" kern="1200" baseline="0">
+                <a:solidFill>
+                  <a:schemeClr val="tx2"/>
+                </a:solidFill>
+                <a:latin typeface="+mn-lt"/>
+                <a:ea typeface="+mn-ea"/>
+                <a:cs typeface="+mn-cs"/>
+              </a:defRPr>
+            </a:lvl8pPr>
+            <a:lvl9pPr marL="4114800" indent="-384048" algn="l" defTabSz="914400" rtl="0" eaLnBrk="1" latinLnBrk="0" hangingPunct="1">
+              <a:lnSpc>
+                <a:spcPct val="94000"/>
+              </a:lnSpc>
+              <a:spcBef>
+                <a:spcPts val="500"/>
+              </a:spcBef>
+              <a:spcAft>
+                <a:spcPts val="200"/>
+              </a:spcAft>
+              <a:buFont typeface="Franklin Gothic Book" panose="020B0503020102020204" pitchFamily="34" charset="0"/>
+              <a:buChar char="■"/>
+              <a:defRPr sz="1400" kern="1200" baseline="0">
+                <a:solidFill>
+                  <a:schemeClr val="tx2"/>
+                </a:solidFill>
+                <a:latin typeface="+mn-lt"/>
+                <a:ea typeface="+mn-ea"/>
+                <a:cs typeface="+mn-cs"/>
+              </a:defRPr>
+            </a:lvl9pPr>
+          </a:lstStyle>
+          <a:p>
+            <a:pPr marL="0" indent="0">
+              <a:buNone/>
+            </a:pPr>
+            <a:r>
+              <a:rPr lang="de-DE" dirty="0"/>
+              <a:t>Komplexe Gesten kaum erkennbar</a:t>
+            </a:r>
+          </a:p>
+          <a:p>
+            <a:pPr marL="0" indent="0">
+              <a:buNone/>
+            </a:pPr>
+            <a:r>
+              <a:rPr lang="de-DE" dirty="0"/>
+              <a:t>Abhängig von optimaler Ausrichtung der Hand</a:t>
+            </a:r>
+          </a:p>
+        </p:txBody>
+      </p:sp>
+      <p:sp>
+        <p:nvSpPr>
+          <p:cNvPr id="19" name="Minuszeichen 18">
+            <a:extLst>
+              <a:ext uri="{FF2B5EF4-FFF2-40B4-BE49-F238E27FC236}">
+                <a16:creationId xmlns:a16="http://schemas.microsoft.com/office/drawing/2014/main" id="{9D48B607-2A6E-49EB-9858-30ADE40A20C4}"/>
+              </a:ext>
+            </a:extLst>
+          </p:cNvPr>
+          <p:cNvSpPr/>
           <p:nvPr/>
-        </p:nvPicPr>
-        <p:blipFill>
-          <a:blip r:embed="rId6"/>
-          <a:stretch>
-            <a:fillRect/>
-          </a:stretch>
-        </p:blipFill>
-        <p:spPr>
-          <a:xfrm>
-            <a:off x="7028731" y="4019550"/>
-            <a:ext cx="1193678" cy="1193678"/>
-          </a:xfrm>
-          <a:prstGeom prst="rect">
+        </p:nvSpPr>
+        <p:spPr>
+          <a:xfrm>
+            <a:off x="703702" y="5289236"/>
+            <a:ext cx="508216" cy="541716"/>
+          </a:xfrm>
+          <a:prstGeom prst="mathMinus">
             <a:avLst/>
           </a:prstGeom>
-        </p:spPr>
-      </p:pic>
-      <p:pic>
-        <p:nvPicPr>
-          <p:cNvPr id="15" name="Grafik 14">
-            <a:extLst>
-              <a:ext uri="{FF2B5EF4-FFF2-40B4-BE49-F238E27FC236}">
-                <a16:creationId xmlns:a16="http://schemas.microsoft.com/office/drawing/2014/main" id="{062BDF97-779C-47E8-BBC7-28BA7ADBCFEA}"/>
-              </a:ext>
-            </a:extLst>
-          </p:cNvPr>
-          <p:cNvPicPr>
-            <a:picLocks noChangeAspect="1"/>
-          </p:cNvPicPr>
-          <p:nvPr/>
-        </p:nvPicPr>
-        <p:blipFill>
-          <a:blip r:embed="rId7"/>
-          <a:stretch>
-            <a:fillRect/>
-          </a:stretch>
-        </p:blipFill>
-        <p:spPr>
-          <a:xfrm>
-            <a:off x="8782767" y="4019550"/>
-            <a:ext cx="1193677" cy="1193677"/>
-          </a:xfrm>
-          <a:prstGeom prst="rect">
-            <a:avLst/>
-          </a:prstGeom>
-        </p:spPr>
-      </p:pic>
+          <a:solidFill>
+            <a:srgbClr val="FF0000"/>
+          </a:solidFill>
+          <a:ln w="3175"/>
+        </p:spPr>
+        <p:style>
+          <a:lnRef idx="2">
+            <a:schemeClr val="accent6">
+              <a:shade val="50000"/>
+            </a:schemeClr>
+          </a:lnRef>
+          <a:fillRef idx="1">
+            <a:schemeClr val="accent6"/>
+          </a:fillRef>
+          <a:effectRef idx="0">
+            <a:schemeClr val="accent6"/>
+          </a:effectRef>
+          <a:fontRef idx="minor">
+            <a:schemeClr val="lt1"/>
+          </a:fontRef>
+        </p:style>
+        <p:txBody>
+          <a:bodyPr rtlCol="0" anchor="ctr"/>
+          <a:lstStyle/>
+          <a:p>
+            <a:pPr algn="ctr"/>
+            <a:endParaRPr lang="de-DE"/>
+          </a:p>
+        </p:txBody>
+      </p:sp>
     </p:spTree>
     <p:extLst>
       <p:ext uri="{BB962C8B-B14F-4D97-AF65-F5344CB8AC3E}">
-        <p14:creationId xmlns:p14="http://schemas.microsoft.com/office/powerpoint/2010/main" val="479086456"/>
+        <p14:creationId xmlns:p14="http://schemas.microsoft.com/office/powerpoint/2010/main" val="248086302"/>
       </p:ext>
     </p:extLst>
   </p:cSld>
@@ -5868,7 +8757,7 @@
           <p:cNvPr id="2" name="Titel 1">
             <a:extLst>
               <a:ext uri="{FF2B5EF4-FFF2-40B4-BE49-F238E27FC236}">
-                <a16:creationId xmlns:a16="http://schemas.microsoft.com/office/drawing/2014/main" id="{309F3578-F9B9-417D-B9D4-7AE06F65D7DE}"/>
+                <a16:creationId xmlns:a16="http://schemas.microsoft.com/office/drawing/2014/main" id="{962EE630-21E3-4E12-9CFB-8B6FB6AD1204}"/>
               </a:ext>
             </a:extLst>
           </p:cNvPr>
@@ -5879,14 +8768,519 @@
             <p:ph type="title"/>
           </p:nvPr>
         </p:nvSpPr>
-        <p:spPr/>
+        <p:spPr>
+          <a:xfrm>
+            <a:off x="1092299" y="180644"/>
+            <a:ext cx="9601200" cy="1485900"/>
+          </a:xfrm>
+        </p:spPr>
         <p:txBody>
           <a:bodyPr/>
           <a:lstStyle/>
           <a:p>
             <a:r>
               <a:rPr lang="de-DE" dirty="0"/>
-              <a:t>Demo…</a:t>
+              <a:t>Finger-Erkennung</a:t>
+            </a:r>
+          </a:p>
+        </p:txBody>
+      </p:sp>
+      <p:pic>
+        <p:nvPicPr>
+          <p:cNvPr id="4" name="Grafik 3" descr="Ein Bild, das Objekt, Licht enthält.&#10;&#10;Automatisch generierte Beschreibung">
+            <a:extLst>
+              <a:ext uri="{FF2B5EF4-FFF2-40B4-BE49-F238E27FC236}">
+                <a16:creationId xmlns:a16="http://schemas.microsoft.com/office/drawing/2014/main" id="{DD0F40B1-9826-46EC-A0FE-23BF3DF524CC}"/>
+              </a:ext>
+            </a:extLst>
+          </p:cNvPr>
+          <p:cNvPicPr>
+            <a:picLocks noChangeAspect="1"/>
+          </p:cNvPicPr>
+          <p:nvPr/>
+        </p:nvPicPr>
+        <p:blipFill>
+          <a:blip r:embed="rId2"/>
+          <a:stretch>
+            <a:fillRect/>
+          </a:stretch>
+        </p:blipFill>
+        <p:spPr>
+          <a:xfrm>
+            <a:off x="1371600" y="1067507"/>
+            <a:ext cx="2530234" cy="1986234"/>
+          </a:xfrm>
+          <a:prstGeom prst="rect">
+            <a:avLst/>
+          </a:prstGeom>
+          <a:ln>
+            <a:noFill/>
+          </a:ln>
+          <a:effectLst/>
+        </p:spPr>
+      </p:pic>
+      <p:pic>
+        <p:nvPicPr>
+          <p:cNvPr id="6" name="Grafik 5">
+            <a:extLst>
+              <a:ext uri="{FF2B5EF4-FFF2-40B4-BE49-F238E27FC236}">
+                <a16:creationId xmlns:a16="http://schemas.microsoft.com/office/drawing/2014/main" id="{DB127439-7B2B-4496-8983-DC5A373B7CF1}"/>
+              </a:ext>
+            </a:extLst>
+          </p:cNvPr>
+          <p:cNvPicPr>
+            <a:picLocks noChangeAspect="1"/>
+          </p:cNvPicPr>
+          <p:nvPr/>
+        </p:nvPicPr>
+        <p:blipFill>
+          <a:blip r:embed="rId3"/>
+          <a:stretch>
+            <a:fillRect/>
+          </a:stretch>
+        </p:blipFill>
+        <p:spPr>
+          <a:xfrm>
+            <a:off x="7024294" y="1067507"/>
+            <a:ext cx="2531748" cy="1986234"/>
+          </a:xfrm>
+          <a:prstGeom prst="rect">
+            <a:avLst/>
+          </a:prstGeom>
+        </p:spPr>
+      </p:pic>
+      <p:pic>
+        <p:nvPicPr>
+          <p:cNvPr id="7" name="Grafik 6">
+            <a:extLst>
+              <a:ext uri="{FF2B5EF4-FFF2-40B4-BE49-F238E27FC236}">
+                <a16:creationId xmlns:a16="http://schemas.microsoft.com/office/drawing/2014/main" id="{F7D424EF-5866-4B44-BDC0-9DE05AB5A8E5}"/>
+              </a:ext>
+            </a:extLst>
+          </p:cNvPr>
+          <p:cNvPicPr>
+            <a:picLocks noChangeAspect="1"/>
+          </p:cNvPicPr>
+          <p:nvPr/>
+        </p:nvPicPr>
+        <p:blipFill>
+          <a:blip r:embed="rId4"/>
+          <a:stretch>
+            <a:fillRect/>
+          </a:stretch>
+        </p:blipFill>
+        <p:spPr>
+          <a:xfrm>
+            <a:off x="1371600" y="3804259"/>
+            <a:ext cx="2531748" cy="1986234"/>
+          </a:xfrm>
+          <a:prstGeom prst="rect">
+            <a:avLst/>
+          </a:prstGeom>
+        </p:spPr>
+      </p:pic>
+      <p:pic>
+        <p:nvPicPr>
+          <p:cNvPr id="8" name="Grafik 7">
+            <a:extLst>
+              <a:ext uri="{FF2B5EF4-FFF2-40B4-BE49-F238E27FC236}">
+                <a16:creationId xmlns:a16="http://schemas.microsoft.com/office/drawing/2014/main" id="{5AE4F281-ECB5-4188-A878-F0DCBBD6DA3A}"/>
+              </a:ext>
+            </a:extLst>
+          </p:cNvPr>
+          <p:cNvPicPr>
+            <a:picLocks noChangeAspect="1"/>
+          </p:cNvPicPr>
+          <p:nvPr/>
+        </p:nvPicPr>
+        <p:blipFill>
+          <a:blip r:embed="rId5"/>
+          <a:stretch>
+            <a:fillRect/>
+          </a:stretch>
+        </p:blipFill>
+        <p:spPr>
+          <a:xfrm>
+            <a:off x="7025808" y="3804259"/>
+            <a:ext cx="2530234" cy="1985046"/>
+          </a:xfrm>
+          <a:prstGeom prst="rect">
+            <a:avLst/>
+          </a:prstGeom>
+        </p:spPr>
+      </p:pic>
+      <p:sp>
+        <p:nvSpPr>
+          <p:cNvPr id="9" name="Textfeld 8">
+            <a:extLst>
+              <a:ext uri="{FF2B5EF4-FFF2-40B4-BE49-F238E27FC236}">
+                <a16:creationId xmlns:a16="http://schemas.microsoft.com/office/drawing/2014/main" id="{E9A5ECC4-FCB5-4C94-BC75-872A102550B4}"/>
+              </a:ext>
+            </a:extLst>
+          </p:cNvPr>
+          <p:cNvSpPr txBox="1"/>
+          <p:nvPr/>
+        </p:nvSpPr>
+        <p:spPr>
+          <a:xfrm>
+            <a:off x="1092299" y="3101134"/>
+            <a:ext cx="3375924" cy="461665"/>
+          </a:xfrm>
+          <a:prstGeom prst="rect">
+            <a:avLst/>
+          </a:prstGeom>
+          <a:noFill/>
+        </p:spPr>
+        <p:txBody>
+          <a:bodyPr wrap="none" rtlCol="0">
+            <a:spAutoFit/>
+          </a:bodyPr>
+          <a:lstStyle/>
+          <a:p>
+            <a:r>
+              <a:rPr lang="de-DE" sz="2400" dirty="0"/>
+              <a:t>Bilden einer Konvexhülle</a:t>
+            </a:r>
+          </a:p>
+        </p:txBody>
+      </p:sp>
+      <p:sp>
+        <p:nvSpPr>
+          <p:cNvPr id="10" name="Textfeld 9">
+            <a:extLst>
+              <a:ext uri="{FF2B5EF4-FFF2-40B4-BE49-F238E27FC236}">
+                <a16:creationId xmlns:a16="http://schemas.microsoft.com/office/drawing/2014/main" id="{6582A813-C579-433C-9304-0832E65C62D1}"/>
+              </a:ext>
+            </a:extLst>
+          </p:cNvPr>
+          <p:cNvSpPr txBox="1"/>
+          <p:nvPr/>
+        </p:nvSpPr>
+        <p:spPr>
+          <a:xfrm>
+            <a:off x="6096000" y="3101133"/>
+            <a:ext cx="5180457" cy="461665"/>
+          </a:xfrm>
+          <a:prstGeom prst="rect">
+            <a:avLst/>
+          </a:prstGeom>
+          <a:noFill/>
+        </p:spPr>
+        <p:txBody>
+          <a:bodyPr wrap="none" rtlCol="0">
+            <a:spAutoFit/>
+          </a:bodyPr>
+          <a:lstStyle/>
+          <a:p>
+            <a:r>
+              <a:rPr lang="de-DE" sz="2400" dirty="0"/>
+              <a:t>Extremwerte und Mittelpunkt ermitteln</a:t>
+            </a:r>
+          </a:p>
+        </p:txBody>
+      </p:sp>
+      <p:sp>
+        <p:nvSpPr>
+          <p:cNvPr id="11" name="Textfeld 10">
+            <a:extLst>
+              <a:ext uri="{FF2B5EF4-FFF2-40B4-BE49-F238E27FC236}">
+                <a16:creationId xmlns:a16="http://schemas.microsoft.com/office/drawing/2014/main" id="{6655F528-1615-4DC7-8A68-147FF68A7DB0}"/>
+              </a:ext>
+            </a:extLst>
+          </p:cNvPr>
+          <p:cNvSpPr txBox="1"/>
+          <p:nvPr/>
+        </p:nvSpPr>
+        <p:spPr>
+          <a:xfrm>
+            <a:off x="791277" y="5841431"/>
+            <a:ext cx="4374916" cy="830997"/>
+          </a:xfrm>
+          <a:prstGeom prst="rect">
+            <a:avLst/>
+          </a:prstGeom>
+          <a:noFill/>
+        </p:spPr>
+        <p:txBody>
+          <a:bodyPr wrap="none" rtlCol="0">
+            <a:spAutoFit/>
+          </a:bodyPr>
+          <a:lstStyle/>
+          <a:p>
+            <a:r>
+              <a:rPr lang="de-DE" sz="2400" dirty="0"/>
+              <a:t>Kreis bilden mit dem maximalen</a:t>
+            </a:r>
+            <a:br>
+              <a:rPr lang="de-DE" sz="2400" dirty="0"/>
+            </a:br>
+            <a:r>
+              <a:rPr lang="de-DE" sz="2400" dirty="0"/>
+              <a:t>euklidischen Distanz als Radius</a:t>
+            </a:r>
+          </a:p>
+        </p:txBody>
+      </p:sp>
+      <p:sp>
+        <p:nvSpPr>
+          <p:cNvPr id="12" name="Textfeld 11">
+            <a:extLst>
+              <a:ext uri="{FF2B5EF4-FFF2-40B4-BE49-F238E27FC236}">
+                <a16:creationId xmlns:a16="http://schemas.microsoft.com/office/drawing/2014/main" id="{BE721B01-3829-40C3-AF6F-2AC5FED8DF9D}"/>
+              </a:ext>
+            </a:extLst>
+          </p:cNvPr>
+          <p:cNvSpPr txBox="1"/>
+          <p:nvPr/>
+        </p:nvSpPr>
+        <p:spPr>
+          <a:xfrm>
+            <a:off x="6172200" y="5826858"/>
+            <a:ext cx="5186035" cy="830997"/>
+          </a:xfrm>
+          <a:prstGeom prst="rect">
+            <a:avLst/>
+          </a:prstGeom>
+          <a:noFill/>
+        </p:spPr>
+        <p:txBody>
+          <a:bodyPr wrap="none" rtlCol="0">
+            <a:spAutoFit/>
+          </a:bodyPr>
+          <a:lstStyle/>
+          <a:p>
+            <a:r>
+              <a:rPr lang="de-DE" sz="2400" dirty="0" err="1"/>
+              <a:t>Bitwise</a:t>
+            </a:r>
+            <a:r>
+              <a:rPr lang="de-DE" sz="2400" dirty="0"/>
+              <a:t> AND zwischen Hand und Kreis </a:t>
+            </a:r>
+            <a:br>
+              <a:rPr lang="de-DE" sz="2400" dirty="0"/>
+            </a:br>
+            <a:r>
+              <a:rPr lang="de-DE" sz="2400" dirty="0"/>
+              <a:t>und zählen der übrigen Konturen</a:t>
+            </a:r>
+          </a:p>
+        </p:txBody>
+      </p:sp>
+      <p:sp>
+        <p:nvSpPr>
+          <p:cNvPr id="13" name="Textfeld 12">
+            <a:extLst>
+              <a:ext uri="{FF2B5EF4-FFF2-40B4-BE49-F238E27FC236}">
+                <a16:creationId xmlns:a16="http://schemas.microsoft.com/office/drawing/2014/main" id="{320AC551-3663-46F0-9648-ACB0D99B35DB}"/>
+              </a:ext>
+            </a:extLst>
+          </p:cNvPr>
+          <p:cNvSpPr txBox="1"/>
+          <p:nvPr/>
+        </p:nvSpPr>
+        <p:spPr>
+          <a:xfrm>
+            <a:off x="1295499" y="990606"/>
+            <a:ext cx="567848" cy="646331"/>
+          </a:xfrm>
+          <a:prstGeom prst="rect">
+            <a:avLst/>
+          </a:prstGeom>
+          <a:noFill/>
+        </p:spPr>
+        <p:txBody>
+          <a:bodyPr wrap="none" rtlCol="0">
+            <a:spAutoFit/>
+          </a:bodyPr>
+          <a:lstStyle/>
+          <a:p>
+            <a:r>
+              <a:rPr lang="de-DE" sz="3600" b="1" dirty="0">
+                <a:solidFill>
+                  <a:srgbClr val="FF0000"/>
+                </a:solidFill>
+              </a:rPr>
+              <a:t>1.</a:t>
+            </a:r>
+          </a:p>
+        </p:txBody>
+      </p:sp>
+      <p:sp>
+        <p:nvSpPr>
+          <p:cNvPr id="14" name="Textfeld 13">
+            <a:extLst>
+              <a:ext uri="{FF2B5EF4-FFF2-40B4-BE49-F238E27FC236}">
+                <a16:creationId xmlns:a16="http://schemas.microsoft.com/office/drawing/2014/main" id="{D6BEC7DB-84FD-409B-B5A9-74498573E5EE}"/>
+              </a:ext>
+            </a:extLst>
+          </p:cNvPr>
+          <p:cNvSpPr txBox="1"/>
+          <p:nvPr/>
+        </p:nvSpPr>
+        <p:spPr>
+          <a:xfrm>
+            <a:off x="7024294" y="1067605"/>
+            <a:ext cx="570990" cy="646331"/>
+          </a:xfrm>
+          <a:prstGeom prst="rect">
+            <a:avLst/>
+          </a:prstGeom>
+          <a:noFill/>
+        </p:spPr>
+        <p:txBody>
+          <a:bodyPr wrap="none" rtlCol="0">
+            <a:spAutoFit/>
+          </a:bodyPr>
+          <a:lstStyle/>
+          <a:p>
+            <a:r>
+              <a:rPr lang="de-DE" sz="3600" b="1" dirty="0">
+                <a:solidFill>
+                  <a:srgbClr val="FF0000"/>
+                </a:solidFill>
+              </a:rPr>
+              <a:t>2.</a:t>
+            </a:r>
+          </a:p>
+        </p:txBody>
+      </p:sp>
+      <p:sp>
+        <p:nvSpPr>
+          <p:cNvPr id="15" name="Textfeld 14">
+            <a:extLst>
+              <a:ext uri="{FF2B5EF4-FFF2-40B4-BE49-F238E27FC236}">
+                <a16:creationId xmlns:a16="http://schemas.microsoft.com/office/drawing/2014/main" id="{75E4FBF8-152E-40EB-96FE-D246E4B50850}"/>
+              </a:ext>
+            </a:extLst>
+          </p:cNvPr>
+          <p:cNvSpPr txBox="1"/>
+          <p:nvPr/>
+        </p:nvSpPr>
+        <p:spPr>
+          <a:xfrm>
+            <a:off x="1295499" y="3728628"/>
+            <a:ext cx="570990" cy="646331"/>
+          </a:xfrm>
+          <a:prstGeom prst="rect">
+            <a:avLst/>
+          </a:prstGeom>
+          <a:noFill/>
+        </p:spPr>
+        <p:txBody>
+          <a:bodyPr wrap="none" rtlCol="0">
+            <a:spAutoFit/>
+          </a:bodyPr>
+          <a:lstStyle/>
+          <a:p>
+            <a:r>
+              <a:rPr lang="de-DE" sz="3600" b="1" dirty="0">
+                <a:solidFill>
+                  <a:srgbClr val="FF0000"/>
+                </a:solidFill>
+              </a:rPr>
+              <a:t>3.</a:t>
+            </a:r>
+          </a:p>
+        </p:txBody>
+      </p:sp>
+      <p:sp>
+        <p:nvSpPr>
+          <p:cNvPr id="16" name="Textfeld 15">
+            <a:extLst>
+              <a:ext uri="{FF2B5EF4-FFF2-40B4-BE49-F238E27FC236}">
+                <a16:creationId xmlns:a16="http://schemas.microsoft.com/office/drawing/2014/main" id="{30227AD6-855D-4791-992A-02F3DDE9B40D}"/>
+              </a:ext>
+            </a:extLst>
+          </p:cNvPr>
+          <p:cNvSpPr txBox="1"/>
+          <p:nvPr/>
+        </p:nvSpPr>
+        <p:spPr>
+          <a:xfrm>
+            <a:off x="6995341" y="3728766"/>
+            <a:ext cx="570990" cy="646331"/>
+          </a:xfrm>
+          <a:prstGeom prst="rect">
+            <a:avLst/>
+          </a:prstGeom>
+          <a:noFill/>
+        </p:spPr>
+        <p:txBody>
+          <a:bodyPr wrap="none" rtlCol="0">
+            <a:spAutoFit/>
+          </a:bodyPr>
+          <a:lstStyle/>
+          <a:p>
+            <a:r>
+              <a:rPr lang="de-DE" sz="3600" b="1" dirty="0">
+                <a:solidFill>
+                  <a:srgbClr val="FF0000"/>
+                </a:solidFill>
+              </a:rPr>
+              <a:t>4.</a:t>
+            </a:r>
+          </a:p>
+        </p:txBody>
+      </p:sp>
+    </p:spTree>
+    <p:extLst>
+      <p:ext uri="{BB962C8B-B14F-4D97-AF65-F5344CB8AC3E}">
+        <p14:creationId xmlns:p14="http://schemas.microsoft.com/office/powerpoint/2010/main" val="4236450445"/>
+      </p:ext>
+    </p:extLst>
+  </p:cSld>
+  <p:clrMapOvr>
+    <a:masterClrMapping/>
+  </p:clrMapOvr>
+</p:sld>
+</file>
+
+<file path=ppt/slides/slide19.xml><?xml version="1.0" encoding="utf-8"?>
+<p:sld xmlns:a="http://schemas.openxmlformats.org/drawingml/2006/main" xmlns:r="http://schemas.openxmlformats.org/officeDocument/2006/relationships" xmlns:p="http://schemas.openxmlformats.org/presentationml/2006/main">
+  <p:cSld>
+    <p:spTree>
+      <p:nvGrpSpPr>
+        <p:cNvPr id="1" name=""/>
+        <p:cNvGrpSpPr/>
+        <p:nvPr/>
+      </p:nvGrpSpPr>
+      <p:grpSpPr>
+        <a:xfrm>
+          <a:off x="0" y="0"/>
+          <a:ext cx="0" cy="0"/>
+          <a:chOff x="0" y="0"/>
+          <a:chExt cx="0" cy="0"/>
+        </a:xfrm>
+      </p:grpSpPr>
+      <p:sp>
+        <p:nvSpPr>
+          <p:cNvPr id="2" name="Titel 1">
+            <a:extLst>
+              <a:ext uri="{FF2B5EF4-FFF2-40B4-BE49-F238E27FC236}">
+                <a16:creationId xmlns:a16="http://schemas.microsoft.com/office/drawing/2014/main" id="{457FC214-453E-4352-AFB7-C630FB574ABE}"/>
+              </a:ext>
+            </a:extLst>
+          </p:cNvPr>
+          <p:cNvSpPr>
+            <a:spLocks noGrp="1"/>
+          </p:cNvSpPr>
+          <p:nvPr>
+            <p:ph type="title"/>
+          </p:nvPr>
+        </p:nvSpPr>
+        <p:spPr/>
+        <p:txBody>
+          <a:bodyPr/>
+          <a:lstStyle/>
+          <a:p>
+            <a:r>
+              <a:rPr lang="de-DE" dirty="0" err="1"/>
+              <a:t>Machine</a:t>
+            </a:r>
+            <a:r>
+              <a:rPr lang="de-DE" dirty="0"/>
+              <a:t> Learning</a:t>
             </a:r>
           </a:p>
         </p:txBody>
@@ -5896,7 +9290,7 @@
           <p:cNvPr id="3" name="Inhaltsplatzhalter 2">
             <a:extLst>
               <a:ext uri="{FF2B5EF4-FFF2-40B4-BE49-F238E27FC236}">
-                <a16:creationId xmlns:a16="http://schemas.microsoft.com/office/drawing/2014/main" id="{BFDBAEDC-029B-4DCD-BC62-A26A0DF2DA06}"/>
+                <a16:creationId xmlns:a16="http://schemas.microsoft.com/office/drawing/2014/main" id="{D9D97966-40B3-4D37-BA7D-608025084265}"/>
               </a:ext>
             </a:extLst>
           </p:cNvPr>
@@ -5912,17 +9306,54 @@
           <a:bodyPr/>
           <a:lstStyle/>
           <a:p>
-            <a:pPr marL="0" indent="0">
-              <a:buNone/>
-            </a:pPr>
-            <a:endParaRPr lang="de-DE" dirty="0"/>
+            <a:r>
+              <a:rPr lang="de-DE" dirty="0"/>
+              <a:t>Kein passender Datensatz im Internet gefunden</a:t>
+            </a:r>
+          </a:p>
+          <a:p>
+            <a:r>
+              <a:rPr lang="de-DE" dirty="0"/>
+              <a:t>Somit eigenen Datensatz erstellt</a:t>
+            </a:r>
+          </a:p>
+          <a:p>
+            <a:r>
+              <a:rPr lang="de-DE" dirty="0"/>
+              <a:t>Welche Daten sind die Besten?</a:t>
+            </a:r>
+          </a:p>
+          <a:p>
+            <a:pPr lvl="1"/>
+            <a:r>
+              <a:rPr lang="de-DE" dirty="0"/>
+              <a:t>RGB?</a:t>
+            </a:r>
+          </a:p>
+          <a:p>
+            <a:pPr lvl="1"/>
+            <a:r>
+              <a:rPr lang="de-DE" dirty="0" err="1"/>
+              <a:t>Grayscale</a:t>
+            </a:r>
+            <a:r>
+              <a:rPr lang="de-DE" dirty="0"/>
+              <a:t>?</a:t>
+            </a:r>
+          </a:p>
+          <a:p>
+            <a:pPr lvl="1"/>
+            <a:r>
+              <a:rPr lang="de-DE" dirty="0"/>
+              <a:t>Binary?</a:t>
+            </a:r>
           </a:p>
         </p:txBody>
       </p:sp>
     </p:spTree>
     <p:extLst>
       <p:ext uri="{BB962C8B-B14F-4D97-AF65-F5344CB8AC3E}">
-        <p14:creationId xmlns:p14="http://schemas.microsoft.com/office/powerpoint/2010/main" val="1271364629"/>
+        <p14:creationId xmlns:p14="http://schemas.microsoft.com/office/powerpoint/2010/main" val="1011547283"/>
       </p:ext>
     </p:extLst>
   </p:cSld>
@@ -5971,36 +9402,8 @@
           <a:lstStyle/>
           <a:p>
             <a:r>
-              <a:rPr lang="de-DE" dirty="0" err="1"/>
-              <a:t>What</a:t>
-            </a:r>
-            <a:r>
               <a:rPr lang="de-DE" dirty="0"/>
-              <a:t> </a:t>
-            </a:r>
-            <a:r>
-              <a:rPr lang="de-DE" dirty="0" err="1"/>
-              <a:t>is</a:t>
-            </a:r>
-            <a:r>
-              <a:rPr lang="de-DE" dirty="0"/>
-              <a:t> </a:t>
-            </a:r>
-            <a:r>
-              <a:rPr lang="de-DE" dirty="0" err="1"/>
-              <a:t>gesture</a:t>
-            </a:r>
-            <a:r>
-              <a:rPr lang="de-DE" dirty="0"/>
-              <a:t> </a:t>
-            </a:r>
-            <a:r>
-              <a:rPr lang="de-DE" dirty="0" err="1"/>
-              <a:t>recognition</a:t>
-            </a:r>
-            <a:r>
-              <a:rPr lang="de-DE" dirty="0"/>
-              <a:t>?</a:t>
+              <a:t>Was ist Gestenerkennung?</a:t>
             </a:r>
           </a:p>
         </p:txBody>
@@ -6027,104 +9430,21 @@
           <a:lstStyle/>
           <a:p>
             <a:r>
-              <a:rPr lang="de-DE" dirty="0" err="1"/>
-              <a:t>Interpreting</a:t>
-            </a:r>
-            <a:r>
               <a:rPr lang="de-DE" dirty="0"/>
-              <a:t> human </a:t>
-            </a:r>
-            <a:r>
-              <a:rPr lang="de-DE" dirty="0" err="1"/>
-              <a:t>gestures</a:t>
-            </a:r>
-            <a:endParaRPr lang="de-DE" dirty="0"/>
+              <a:t>Interpretieren von menschlichen Gesten</a:t>
+            </a:r>
           </a:p>
           <a:p>
             <a:r>
               <a:rPr lang="de-DE" dirty="0"/>
-              <a:t>Control </a:t>
-            </a:r>
-            <a:r>
-              <a:rPr lang="de-DE" dirty="0" err="1"/>
-              <a:t>or</a:t>
-            </a:r>
+              <a:t>Mit Geräten interagieren oder sie steuern ohne sie anzufassen</a:t>
+            </a:r>
+          </a:p>
+          <a:p>
             <a:r>
               <a:rPr lang="de-DE" dirty="0"/>
-              <a:t> </a:t>
-            </a:r>
-            <a:r>
-              <a:rPr lang="de-DE" dirty="0" err="1"/>
-              <a:t>interact</a:t>
-            </a:r>
-            <a:r>
-              <a:rPr lang="de-DE" dirty="0"/>
-              <a:t> </a:t>
-            </a:r>
-            <a:r>
-              <a:rPr lang="de-DE" dirty="0" err="1"/>
-              <a:t>with</a:t>
-            </a:r>
-            <a:r>
-              <a:rPr lang="de-DE" dirty="0"/>
-              <a:t> </a:t>
-            </a:r>
-            <a:r>
-              <a:rPr lang="de-DE" dirty="0" err="1"/>
-              <a:t>devices</a:t>
-            </a:r>
-            <a:r>
-              <a:rPr lang="de-DE" dirty="0"/>
-              <a:t> </a:t>
-            </a:r>
-            <a:r>
-              <a:rPr lang="de-DE" dirty="0" err="1"/>
-              <a:t>without</a:t>
-            </a:r>
-            <a:r>
-              <a:rPr lang="de-DE" dirty="0"/>
-              <a:t> </a:t>
-            </a:r>
-            <a:r>
-              <a:rPr lang="de-DE" dirty="0" err="1"/>
-              <a:t>physically</a:t>
-            </a:r>
-            <a:r>
-              <a:rPr lang="de-DE" dirty="0"/>
-              <a:t> </a:t>
-            </a:r>
-            <a:r>
-              <a:rPr lang="de-DE" dirty="0" err="1"/>
-              <a:t>touching</a:t>
-            </a:r>
-            <a:r>
-              <a:rPr lang="de-DE" dirty="0"/>
-              <a:t> </a:t>
-            </a:r>
-            <a:r>
-              <a:rPr lang="de-DE" dirty="0" err="1"/>
-              <a:t>them</a:t>
-            </a:r>
-            <a:endParaRPr lang="de-DE" dirty="0"/>
-          </a:p>
-          <a:p>
-            <a:r>
-              <a:rPr lang="de-DE" dirty="0"/>
-              <a:t>Focus on </a:t>
-            </a:r>
-            <a:r>
-              <a:rPr lang="de-DE" dirty="0" err="1"/>
-              <a:t>deep</a:t>
-            </a:r>
-            <a:r>
-              <a:rPr lang="de-DE" dirty="0"/>
-              <a:t> </a:t>
-            </a:r>
-            <a:r>
-              <a:rPr lang="de-DE" dirty="0" err="1"/>
-              <a:t>learning</a:t>
-            </a:r>
-            <a:endParaRPr lang="de-DE" dirty="0"/>
+              <a:t>Fokus auf Deep Learning</a:t>
+            </a:r>
           </a:p>
           <a:p>
             <a:endParaRPr lang="de-DE" dirty="0"/>
@@ -6135,6 +9455,536 @@
     <p:extLst>
       <p:ext uri="{BB962C8B-B14F-4D97-AF65-F5344CB8AC3E}">
         <p14:creationId xmlns:p14="http://schemas.microsoft.com/office/powerpoint/2010/main" val="3055773712"/>
+      </p:ext>
+    </p:extLst>
+  </p:cSld>
+  <p:clrMapOvr>
+    <a:masterClrMapping/>
+  </p:clrMapOvr>
+</p:sld>
+</file>
+
+<file path=ppt/slides/slide20.xml><?xml version="1.0" encoding="utf-8"?>
+<p:sld xmlns:a="http://schemas.openxmlformats.org/drawingml/2006/main" xmlns:r="http://schemas.openxmlformats.org/officeDocument/2006/relationships" xmlns:p="http://schemas.openxmlformats.org/presentationml/2006/main">
+  <p:cSld>
+    <p:spTree>
+      <p:nvGrpSpPr>
+        <p:cNvPr id="1" name=""/>
+        <p:cNvGrpSpPr/>
+        <p:nvPr/>
+      </p:nvGrpSpPr>
+      <p:grpSpPr>
+        <a:xfrm>
+          <a:off x="0" y="0"/>
+          <a:ext cx="0" cy="0"/>
+          <a:chOff x="0" y="0"/>
+          <a:chExt cx="0" cy="0"/>
+        </a:xfrm>
+      </p:grpSpPr>
+      <p:sp>
+        <p:nvSpPr>
+          <p:cNvPr id="2" name="Titel 1">
+            <a:extLst>
+              <a:ext uri="{FF2B5EF4-FFF2-40B4-BE49-F238E27FC236}">
+                <a16:creationId xmlns:a16="http://schemas.microsoft.com/office/drawing/2014/main" id="{54A9925B-5059-4986-9F93-072F22C26728}"/>
+              </a:ext>
+            </a:extLst>
+          </p:cNvPr>
+          <p:cNvSpPr>
+            <a:spLocks noGrp="1"/>
+          </p:cNvSpPr>
+          <p:nvPr>
+            <p:ph type="title"/>
+          </p:nvPr>
+        </p:nvSpPr>
+        <p:spPr/>
+        <p:txBody>
+          <a:bodyPr/>
+          <a:lstStyle/>
+          <a:p>
+            <a:r>
+              <a:rPr lang="de-DE" dirty="0" err="1"/>
+              <a:t>Machine</a:t>
+            </a:r>
+            <a:r>
+              <a:rPr lang="de-DE" dirty="0"/>
+              <a:t> Learning</a:t>
+            </a:r>
+          </a:p>
+        </p:txBody>
+      </p:sp>
+      <p:sp>
+        <p:nvSpPr>
+          <p:cNvPr id="3" name="Inhaltsplatzhalter 2">
+            <a:extLst>
+              <a:ext uri="{FF2B5EF4-FFF2-40B4-BE49-F238E27FC236}">
+                <a16:creationId xmlns:a16="http://schemas.microsoft.com/office/drawing/2014/main" id="{B7A80C4B-3030-4B85-AC6C-9D68ABF68B71}"/>
+              </a:ext>
+            </a:extLst>
+          </p:cNvPr>
+          <p:cNvSpPr>
+            <a:spLocks noGrp="1"/>
+          </p:cNvSpPr>
+          <p:nvPr>
+            <p:ph idx="1"/>
+          </p:nvPr>
+        </p:nvSpPr>
+        <p:spPr/>
+        <p:txBody>
+          <a:bodyPr/>
+          <a:lstStyle/>
+          <a:p>
+            <a:r>
+              <a:rPr lang="de-DE" dirty="0"/>
+              <a:t>Mehrere Modelle trainiert</a:t>
+            </a:r>
+          </a:p>
+          <a:p>
+            <a:r>
+              <a:rPr lang="de-DE" dirty="0"/>
+              <a:t>Meisten Modelle hatten beim trainieren gute Ergebnisse, jedoch nicht bei der Anwendung</a:t>
+            </a:r>
+          </a:p>
+          <a:p>
+            <a:r>
+              <a:rPr lang="de-DE" dirty="0"/>
+              <a:t>Besten Resultate bei Binärbildern durch Background </a:t>
+            </a:r>
+            <a:r>
+              <a:rPr lang="de-DE" dirty="0" err="1"/>
+              <a:t>Subtraction</a:t>
+            </a:r>
+            <a:endParaRPr lang="de-DE" dirty="0"/>
+          </a:p>
+        </p:txBody>
+      </p:sp>
+    </p:spTree>
+    <p:extLst>
+      <p:ext uri="{BB962C8B-B14F-4D97-AF65-F5344CB8AC3E}">
+        <p14:creationId xmlns:p14="http://schemas.microsoft.com/office/powerpoint/2010/main" val="383444743"/>
+      </p:ext>
+    </p:extLst>
+  </p:cSld>
+  <p:clrMapOvr>
+    <a:masterClrMapping/>
+  </p:clrMapOvr>
+</p:sld>
+</file>
+
+<file path=ppt/slides/slide21.xml><?xml version="1.0" encoding="utf-8"?>
+<p:sld xmlns:a="http://schemas.openxmlformats.org/drawingml/2006/main" xmlns:r="http://schemas.openxmlformats.org/officeDocument/2006/relationships" xmlns:p="http://schemas.openxmlformats.org/presentationml/2006/main">
+  <p:cSld>
+    <p:spTree>
+      <p:nvGrpSpPr>
+        <p:cNvPr id="1" name=""/>
+        <p:cNvGrpSpPr/>
+        <p:nvPr/>
+      </p:nvGrpSpPr>
+      <p:grpSpPr>
+        <a:xfrm>
+          <a:off x="0" y="0"/>
+          <a:ext cx="0" cy="0"/>
+          <a:chOff x="0" y="0"/>
+          <a:chExt cx="0" cy="0"/>
+        </a:xfrm>
+      </p:grpSpPr>
+      <p:sp>
+        <p:nvSpPr>
+          <p:cNvPr id="2" name="Titel 1">
+            <a:extLst>
+              <a:ext uri="{FF2B5EF4-FFF2-40B4-BE49-F238E27FC236}">
+                <a16:creationId xmlns:a16="http://schemas.microsoft.com/office/drawing/2014/main" id="{865A0312-22D1-41FF-A1B0-3A79F6780865}"/>
+              </a:ext>
+            </a:extLst>
+          </p:cNvPr>
+          <p:cNvSpPr>
+            <a:spLocks noGrp="1"/>
+          </p:cNvSpPr>
+          <p:nvPr>
+            <p:ph type="title"/>
+          </p:nvPr>
+        </p:nvSpPr>
+        <p:spPr/>
+        <p:txBody>
+          <a:bodyPr/>
+          <a:lstStyle/>
+          <a:p>
+            <a:r>
+              <a:rPr lang="de-DE" dirty="0"/>
+              <a:t>Erstellen des Datensatzes</a:t>
+            </a:r>
+          </a:p>
+        </p:txBody>
+      </p:sp>
+      <p:sp>
+        <p:nvSpPr>
+          <p:cNvPr id="3" name="Inhaltsplatzhalter 2">
+            <a:extLst>
+              <a:ext uri="{FF2B5EF4-FFF2-40B4-BE49-F238E27FC236}">
+                <a16:creationId xmlns:a16="http://schemas.microsoft.com/office/drawing/2014/main" id="{7D47AA47-2D94-44C1-AA82-DF4A83F84737}"/>
+              </a:ext>
+            </a:extLst>
+          </p:cNvPr>
+          <p:cNvSpPr>
+            <a:spLocks noGrp="1"/>
+          </p:cNvSpPr>
+          <p:nvPr>
+            <p:ph idx="1"/>
+          </p:nvPr>
+        </p:nvSpPr>
+        <p:spPr/>
+        <p:txBody>
+          <a:bodyPr/>
+          <a:lstStyle/>
+          <a:p>
+            <a:r>
+              <a:rPr lang="de-DE" dirty="0"/>
+              <a:t>3000 Bilder</a:t>
+            </a:r>
+          </a:p>
+          <a:p>
+            <a:r>
+              <a:rPr lang="de-DE" dirty="0"/>
+              <a:t>6 Gesten:</a:t>
+            </a:r>
+          </a:p>
+          <a:p>
+            <a:pPr marL="530352" lvl="1" indent="0">
+              <a:buNone/>
+            </a:pPr>
+            <a:r>
+              <a:rPr lang="de-DE" dirty="0"/>
+              <a:t>0.	 P</a:t>
+            </a:r>
+            <a:r>
+              <a:rPr lang="de-DE"/>
+              <a:t>alm</a:t>
+            </a:r>
+            <a:endParaRPr lang="de-DE" dirty="0"/>
+          </a:p>
+          <a:p>
+            <a:pPr marL="987552" lvl="1" indent="-457200">
+              <a:buAutoNum type="arabicPeriod"/>
+            </a:pPr>
+            <a:r>
+              <a:rPr lang="de-DE" dirty="0"/>
+              <a:t>Peace</a:t>
+            </a:r>
+          </a:p>
+          <a:p>
+            <a:pPr marL="987552" lvl="1" indent="-457200">
+              <a:buAutoNum type="arabicPeriod"/>
+            </a:pPr>
+            <a:r>
+              <a:rPr lang="de-DE" dirty="0"/>
+              <a:t>Thumb</a:t>
+            </a:r>
+          </a:p>
+          <a:p>
+            <a:pPr marL="987552" lvl="1" indent="-457200">
+              <a:buAutoNum type="arabicPeriod"/>
+            </a:pPr>
+            <a:r>
+              <a:rPr lang="de-DE" dirty="0"/>
+              <a:t>Fist</a:t>
+            </a:r>
+          </a:p>
+          <a:p>
+            <a:pPr marL="987552" lvl="1" indent="-457200">
+              <a:buAutoNum type="arabicPeriod"/>
+            </a:pPr>
+            <a:r>
+              <a:rPr lang="de-DE" dirty="0"/>
+              <a:t>Ok</a:t>
+            </a:r>
+          </a:p>
+          <a:p>
+            <a:pPr marL="987552" lvl="1" indent="-457200">
+              <a:buAutoNum type="arabicPeriod"/>
+            </a:pPr>
+            <a:r>
+              <a:rPr lang="de-DE" dirty="0"/>
+              <a:t>L</a:t>
+            </a:r>
+          </a:p>
+          <a:p>
+            <a:pPr marL="530352" lvl="1" indent="0">
+              <a:buNone/>
+            </a:pPr>
+            <a:endParaRPr lang="de-DE" dirty="0"/>
+          </a:p>
+        </p:txBody>
+      </p:sp>
+      <p:pic>
+        <p:nvPicPr>
+          <p:cNvPr id="5" name="Grafik 4">
+            <a:extLst>
+              <a:ext uri="{FF2B5EF4-FFF2-40B4-BE49-F238E27FC236}">
+                <a16:creationId xmlns:a16="http://schemas.microsoft.com/office/drawing/2014/main" id="{7ABD9290-AC3F-43CC-A3E6-9D67FB889C5E}"/>
+              </a:ext>
+            </a:extLst>
+          </p:cNvPr>
+          <p:cNvPicPr>
+            <a:picLocks noChangeAspect="1"/>
+          </p:cNvPicPr>
+          <p:nvPr/>
+        </p:nvPicPr>
+        <p:blipFill>
+          <a:blip r:embed="rId2"/>
+          <a:stretch>
+            <a:fillRect/>
+          </a:stretch>
+        </p:blipFill>
+        <p:spPr>
+          <a:xfrm>
+            <a:off x="5274693" y="2171700"/>
+            <a:ext cx="1193680" cy="1193680"/>
+          </a:xfrm>
+          <a:prstGeom prst="rect">
+            <a:avLst/>
+          </a:prstGeom>
+        </p:spPr>
+      </p:pic>
+      <p:pic>
+        <p:nvPicPr>
+          <p:cNvPr id="7" name="Grafik 6">
+            <a:extLst>
+              <a:ext uri="{FF2B5EF4-FFF2-40B4-BE49-F238E27FC236}">
+                <a16:creationId xmlns:a16="http://schemas.microsoft.com/office/drawing/2014/main" id="{C117F6E8-7442-4FBF-A4E4-F6C88B1E3D50}"/>
+              </a:ext>
+            </a:extLst>
+          </p:cNvPr>
+          <p:cNvPicPr>
+            <a:picLocks noChangeAspect="1"/>
+          </p:cNvPicPr>
+          <p:nvPr/>
+        </p:nvPicPr>
+        <p:blipFill>
+          <a:blip r:embed="rId3"/>
+          <a:stretch>
+            <a:fillRect/>
+          </a:stretch>
+        </p:blipFill>
+        <p:spPr>
+          <a:xfrm>
+            <a:off x="7028731" y="2171700"/>
+            <a:ext cx="1193680" cy="1193680"/>
+          </a:xfrm>
+          <a:prstGeom prst="rect">
+            <a:avLst/>
+          </a:prstGeom>
+        </p:spPr>
+      </p:pic>
+      <p:pic>
+        <p:nvPicPr>
+          <p:cNvPr id="9" name="Grafik 8">
+            <a:extLst>
+              <a:ext uri="{FF2B5EF4-FFF2-40B4-BE49-F238E27FC236}">
+                <a16:creationId xmlns:a16="http://schemas.microsoft.com/office/drawing/2014/main" id="{84C2B98D-B737-4B4F-8CFD-B1C24C04D3BB}"/>
+              </a:ext>
+            </a:extLst>
+          </p:cNvPr>
+          <p:cNvPicPr>
+            <a:picLocks noChangeAspect="1"/>
+          </p:cNvPicPr>
+          <p:nvPr/>
+        </p:nvPicPr>
+        <p:blipFill>
+          <a:blip r:embed="rId4"/>
+          <a:stretch>
+            <a:fillRect/>
+          </a:stretch>
+        </p:blipFill>
+        <p:spPr>
+          <a:xfrm>
+            <a:off x="8782769" y="2171700"/>
+            <a:ext cx="1193680" cy="1193680"/>
+          </a:xfrm>
+          <a:prstGeom prst="rect">
+            <a:avLst/>
+          </a:prstGeom>
+        </p:spPr>
+      </p:pic>
+      <p:pic>
+        <p:nvPicPr>
+          <p:cNvPr id="11" name="Grafik 10">
+            <a:extLst>
+              <a:ext uri="{FF2B5EF4-FFF2-40B4-BE49-F238E27FC236}">
+                <a16:creationId xmlns:a16="http://schemas.microsoft.com/office/drawing/2014/main" id="{11E3CC1A-89DD-4F7C-98CD-0AF05A136E4C}"/>
+              </a:ext>
+            </a:extLst>
+          </p:cNvPr>
+          <p:cNvPicPr>
+            <a:picLocks noChangeAspect="1"/>
+          </p:cNvPicPr>
+          <p:nvPr/>
+        </p:nvPicPr>
+        <p:blipFill>
+          <a:blip r:embed="rId5"/>
+          <a:stretch>
+            <a:fillRect/>
+          </a:stretch>
+        </p:blipFill>
+        <p:spPr>
+          <a:xfrm>
+            <a:off x="5274694" y="4019550"/>
+            <a:ext cx="1193679" cy="1193679"/>
+          </a:xfrm>
+          <a:prstGeom prst="rect">
+            <a:avLst/>
+          </a:prstGeom>
+        </p:spPr>
+      </p:pic>
+      <p:pic>
+        <p:nvPicPr>
+          <p:cNvPr id="13" name="Grafik 12">
+            <a:extLst>
+              <a:ext uri="{FF2B5EF4-FFF2-40B4-BE49-F238E27FC236}">
+                <a16:creationId xmlns:a16="http://schemas.microsoft.com/office/drawing/2014/main" id="{DDF397FA-53A9-45C2-8AF7-D197F0DECFF3}"/>
+              </a:ext>
+            </a:extLst>
+          </p:cNvPr>
+          <p:cNvPicPr>
+            <a:picLocks noChangeAspect="1"/>
+          </p:cNvPicPr>
+          <p:nvPr/>
+        </p:nvPicPr>
+        <p:blipFill>
+          <a:blip r:embed="rId6"/>
+          <a:stretch>
+            <a:fillRect/>
+          </a:stretch>
+        </p:blipFill>
+        <p:spPr>
+          <a:xfrm>
+            <a:off x="7028731" y="4019550"/>
+            <a:ext cx="1193678" cy="1193678"/>
+          </a:xfrm>
+          <a:prstGeom prst="rect">
+            <a:avLst/>
+          </a:prstGeom>
+        </p:spPr>
+      </p:pic>
+      <p:pic>
+        <p:nvPicPr>
+          <p:cNvPr id="15" name="Grafik 14">
+            <a:extLst>
+              <a:ext uri="{FF2B5EF4-FFF2-40B4-BE49-F238E27FC236}">
+                <a16:creationId xmlns:a16="http://schemas.microsoft.com/office/drawing/2014/main" id="{062BDF97-779C-47E8-BBC7-28BA7ADBCFEA}"/>
+              </a:ext>
+            </a:extLst>
+          </p:cNvPr>
+          <p:cNvPicPr>
+            <a:picLocks noChangeAspect="1"/>
+          </p:cNvPicPr>
+          <p:nvPr/>
+        </p:nvPicPr>
+        <p:blipFill>
+          <a:blip r:embed="rId7"/>
+          <a:stretch>
+            <a:fillRect/>
+          </a:stretch>
+        </p:blipFill>
+        <p:spPr>
+          <a:xfrm>
+            <a:off x="8782767" y="4019550"/>
+            <a:ext cx="1193677" cy="1193677"/>
+          </a:xfrm>
+          <a:prstGeom prst="rect">
+            <a:avLst/>
+          </a:prstGeom>
+        </p:spPr>
+      </p:pic>
+    </p:spTree>
+    <p:extLst>
+      <p:ext uri="{BB962C8B-B14F-4D97-AF65-F5344CB8AC3E}">
+        <p14:creationId xmlns:p14="http://schemas.microsoft.com/office/powerpoint/2010/main" val="479086456"/>
+      </p:ext>
+    </p:extLst>
+  </p:cSld>
+  <p:clrMapOvr>
+    <a:masterClrMapping/>
+  </p:clrMapOvr>
+</p:sld>
+</file>
+
+<file path=ppt/slides/slide22.xml><?xml version="1.0" encoding="utf-8"?>
+<p:sld xmlns:a="http://schemas.openxmlformats.org/drawingml/2006/main" xmlns:r="http://schemas.openxmlformats.org/officeDocument/2006/relationships" xmlns:p="http://schemas.openxmlformats.org/presentationml/2006/main">
+  <p:cSld>
+    <p:spTree>
+      <p:nvGrpSpPr>
+        <p:cNvPr id="1" name=""/>
+        <p:cNvGrpSpPr/>
+        <p:nvPr/>
+      </p:nvGrpSpPr>
+      <p:grpSpPr>
+        <a:xfrm>
+          <a:off x="0" y="0"/>
+          <a:ext cx="0" cy="0"/>
+          <a:chOff x="0" y="0"/>
+          <a:chExt cx="0" cy="0"/>
+        </a:xfrm>
+      </p:grpSpPr>
+      <p:sp>
+        <p:nvSpPr>
+          <p:cNvPr id="2" name="Titel 1">
+            <a:extLst>
+              <a:ext uri="{FF2B5EF4-FFF2-40B4-BE49-F238E27FC236}">
+                <a16:creationId xmlns:a16="http://schemas.microsoft.com/office/drawing/2014/main" id="{309F3578-F9B9-417D-B9D4-7AE06F65D7DE}"/>
+              </a:ext>
+            </a:extLst>
+          </p:cNvPr>
+          <p:cNvSpPr>
+            <a:spLocks noGrp="1"/>
+          </p:cNvSpPr>
+          <p:nvPr>
+            <p:ph type="title"/>
+          </p:nvPr>
+        </p:nvSpPr>
+        <p:spPr/>
+        <p:txBody>
+          <a:bodyPr/>
+          <a:lstStyle/>
+          <a:p>
+            <a:r>
+              <a:rPr lang="de-DE" dirty="0"/>
+              <a:t>Demo…</a:t>
+            </a:r>
+          </a:p>
+        </p:txBody>
+      </p:sp>
+      <p:sp>
+        <p:nvSpPr>
+          <p:cNvPr id="3" name="Inhaltsplatzhalter 2">
+            <a:extLst>
+              <a:ext uri="{FF2B5EF4-FFF2-40B4-BE49-F238E27FC236}">
+                <a16:creationId xmlns:a16="http://schemas.microsoft.com/office/drawing/2014/main" id="{BFDBAEDC-029B-4DCD-BC62-A26A0DF2DA06}"/>
+              </a:ext>
+            </a:extLst>
+          </p:cNvPr>
+          <p:cNvSpPr>
+            <a:spLocks noGrp="1"/>
+          </p:cNvSpPr>
+          <p:nvPr>
+            <p:ph idx="1"/>
+          </p:nvPr>
+        </p:nvSpPr>
+        <p:spPr/>
+        <p:txBody>
+          <a:bodyPr/>
+          <a:lstStyle/>
+          <a:p>
+            <a:pPr marL="0" indent="0">
+              <a:buNone/>
+            </a:pPr>
+            <a:endParaRPr lang="de-DE" dirty="0"/>
+          </a:p>
+        </p:txBody>
+      </p:sp>
+    </p:spTree>
+    <p:extLst>
+      <p:ext uri="{BB962C8B-B14F-4D97-AF65-F5344CB8AC3E}">
+        <p14:creationId xmlns:p14="http://schemas.microsoft.com/office/powerpoint/2010/main" val="1271364629"/>
       </p:ext>
     </p:extLst>
   </p:cSld>
@@ -6184,13 +10034,8 @@
           <a:p>
             <a:r>
               <a:rPr lang="de-DE" dirty="0"/>
-              <a:t>Use </a:t>
-            </a:r>
-            <a:r>
-              <a:rPr lang="de-DE" dirty="0" err="1"/>
-              <a:t>cases</a:t>
-            </a:r>
-            <a:endParaRPr lang="de-DE" dirty="0"/>
+              <a:t>Anwendungsfälle</a:t>
+            </a:r>
           </a:p>
         </p:txBody>
       </p:sp>
@@ -6217,99 +10062,20 @@
           <a:p>
             <a:r>
               <a:rPr lang="de-DE" dirty="0"/>
-              <a:t>Switch </a:t>
-            </a:r>
-            <a:r>
-              <a:rPr lang="de-DE" dirty="0" err="1"/>
-              <a:t>slides</a:t>
-            </a:r>
+              <a:t>Folien während einer Präsentation steuern</a:t>
+            </a:r>
+          </a:p>
+          <a:p>
             <a:r>
               <a:rPr lang="de-DE" dirty="0"/>
-              <a:t> </a:t>
-            </a:r>
-            <a:r>
-              <a:rPr lang="de-DE" dirty="0" err="1"/>
-              <a:t>during</a:t>
-            </a:r>
+              <a:t>Lieder überspringen während man Musik hört</a:t>
+            </a:r>
+          </a:p>
+          <a:p>
             <a:r>
               <a:rPr lang="de-DE" dirty="0"/>
-              <a:t> </a:t>
-            </a:r>
-            <a:r>
-              <a:rPr lang="de-DE" dirty="0" err="1"/>
-              <a:t>the</a:t>
-            </a:r>
-            <a:r>
-              <a:rPr lang="de-DE" dirty="0"/>
-              <a:t> </a:t>
-            </a:r>
-            <a:r>
-              <a:rPr lang="de-DE" dirty="0" err="1"/>
-              <a:t>presentation</a:t>
-            </a:r>
-            <a:endParaRPr lang="de-DE" dirty="0"/>
-          </a:p>
-          <a:p>
-            <a:r>
-              <a:rPr lang="de-DE" dirty="0"/>
-              <a:t>Skip </a:t>
-            </a:r>
-            <a:r>
-              <a:rPr lang="de-DE" dirty="0" err="1"/>
-              <a:t>songs</a:t>
-            </a:r>
-            <a:r>
-              <a:rPr lang="de-DE" dirty="0"/>
-              <a:t> </a:t>
-            </a:r>
-            <a:r>
-              <a:rPr lang="de-DE" dirty="0" err="1"/>
-              <a:t>while</a:t>
-            </a:r>
-            <a:r>
-              <a:rPr lang="de-DE" dirty="0"/>
-              <a:t> </a:t>
-            </a:r>
-            <a:r>
-              <a:rPr lang="de-DE" dirty="0" err="1"/>
-              <a:t>listening</a:t>
-            </a:r>
-            <a:r>
-              <a:rPr lang="de-DE" dirty="0"/>
-              <a:t> </a:t>
-            </a:r>
-            <a:r>
-              <a:rPr lang="de-DE" dirty="0" err="1"/>
-              <a:t>to</a:t>
-            </a:r>
-            <a:r>
-              <a:rPr lang="de-DE" dirty="0"/>
-              <a:t> </a:t>
-            </a:r>
-            <a:r>
-              <a:rPr lang="de-DE" dirty="0" err="1"/>
-              <a:t>music</a:t>
-            </a:r>
-            <a:endParaRPr lang="de-DE" dirty="0"/>
-          </a:p>
-          <a:p>
-            <a:r>
-              <a:rPr lang="de-DE" dirty="0"/>
-              <a:t>Playback </a:t>
-            </a:r>
-            <a:r>
-              <a:rPr lang="de-DE" dirty="0" err="1"/>
-              <a:t>control</a:t>
-            </a:r>
-            <a:r>
-              <a:rPr lang="de-DE" dirty="0"/>
-              <a:t> on </a:t>
-            </a:r>
-            <a:r>
-              <a:rPr lang="de-DE" dirty="0" err="1"/>
-              <a:t>videos</a:t>
-            </a:r>
-            <a:endParaRPr lang="de-DE" dirty="0"/>
+              <a:t>Wiedergabesteuerung bei Videos</a:t>
+            </a:r>
           </a:p>
           <a:p>
             <a:r>
@@ -6320,13 +10086,8 @@
           <a:p>
             <a:r>
               <a:rPr lang="de-DE" dirty="0"/>
-              <a:t>Change </a:t>
-            </a:r>
-            <a:r>
-              <a:rPr lang="de-DE" dirty="0" err="1"/>
-              <a:t>volume</a:t>
-            </a:r>
-            <a:endParaRPr lang="de-DE" dirty="0"/>
+              <a:t>Ändern der Lautstärke</a:t>
+            </a:r>
           </a:p>
           <a:p>
             <a:endParaRPr lang="de-DE" dirty="0"/>
@@ -6386,13 +10147,8 @@
           <a:p>
             <a:r>
               <a:rPr lang="de-DE" dirty="0"/>
-              <a:t>Possible </a:t>
-            </a:r>
-            <a:r>
-              <a:rPr lang="de-DE" dirty="0" err="1"/>
-              <a:t>problems</a:t>
-            </a:r>
-            <a:endParaRPr lang="de-DE" dirty="0"/>
+              <a:t>Mögliche Probleme</a:t>
+            </a:r>
           </a:p>
         </p:txBody>
       </p:sp>
@@ -6418,26 +10174,20 @@
           <a:lstStyle/>
           <a:p>
             <a:r>
-              <a:rPr lang="de-DE" dirty="0" err="1"/>
-              <a:t>Lighting</a:t>
-            </a:r>
-            <a:endParaRPr lang="de-DE" dirty="0"/>
-          </a:p>
-          <a:p>
-            <a:r>
               <a:rPr lang="de-DE" dirty="0"/>
-              <a:t>Hand </a:t>
-            </a:r>
-            <a:r>
-              <a:rPr lang="de-DE" dirty="0" err="1"/>
-              <a:t>decor</a:t>
-            </a:r>
-            <a:endParaRPr lang="de-DE" dirty="0"/>
+              <a:t>Lichtverhältnisse</a:t>
+            </a:r>
           </a:p>
           <a:p>
             <a:r>
               <a:rPr lang="de-DE" dirty="0"/>
-              <a:t>Hand Color</a:t>
+              <a:t>Handschmuck (Ringe etc.)</a:t>
+            </a:r>
+          </a:p>
+          <a:p>
+            <a:r>
+              <a:rPr lang="de-DE" dirty="0"/>
+              <a:t>Hautfarbe</a:t>
             </a:r>
           </a:p>
         </p:txBody>
@@ -6458,6 +10208,14 @@
 <file path=ppt/slides/slide5.xml><?xml version="1.0" encoding="utf-8"?>
 <p:sld xmlns:a="http://schemas.openxmlformats.org/drawingml/2006/main" xmlns:r="http://schemas.openxmlformats.org/officeDocument/2006/relationships" xmlns:p="http://schemas.openxmlformats.org/presentationml/2006/main">
   <p:cSld>
+    <p:bg>
+      <p:bgPr>
+        <a:solidFill>
+          <a:schemeClr val="bg2"/>
+        </a:solidFill>
+        <a:effectLst/>
+      </p:bgPr>
+    </p:bg>
     <p:spTree>
       <p:nvGrpSpPr>
         <p:cNvPr id="1" name=""/>
@@ -6472,159 +10230,216 @@
           <a:chExt cx="0" cy="0"/>
         </a:xfrm>
       </p:grpSpPr>
-      <p:sp>
-        <p:nvSpPr>
-          <p:cNvPr id="2" name="Titel 1">
-            <a:extLst>
-              <a:ext uri="{FF2B5EF4-FFF2-40B4-BE49-F238E27FC236}">
-                <a16:creationId xmlns:a16="http://schemas.microsoft.com/office/drawing/2014/main" id="{37D4AB2A-34A8-4B2A-AB96-6BB32E119EF3}"/>
+      <p:grpSp>
+        <p:nvGrpSpPr>
+          <p:cNvPr id="23" name="Group 22">
+            <a:extLst>
+              <a:ext uri="{FF2B5EF4-FFF2-40B4-BE49-F238E27FC236}">
+                <a16:creationId xmlns:a16="http://schemas.microsoft.com/office/drawing/2014/main" id="{8C89EA62-F38E-4285-A105-C5E1BD360093}"/>
+              </a:ext>
+              <a:ext uri="{C183D7F6-B498-43B3-948B-1728B52AA6E4}">
+                <adec:decorative xmlns:adec="http://schemas.microsoft.com/office/drawing/2017/decorative" val="1"/>
+              </a:ext>
+            </a:extLst>
+          </p:cNvPr>
+          <p:cNvGrpSpPr>
+            <a:grpSpLocks noGrp="1" noUngrp="1" noRot="1" noChangeAspect="1" noMove="1" noResize="1"/>
+          </p:cNvGrpSpPr>
+          <p:nvPr>
+            <p:extLst>
+              <p:ext uri="{386F3935-93C4-4BCD-93E2-E3B085C9AB24}">
+                <p16:designElem xmlns:p16="http://schemas.microsoft.com/office/powerpoint/2015/main" val="1"/>
+              </p:ext>
+            </p:extLst>
+          </p:nvPr>
+        </p:nvGrpSpPr>
+        <p:grpSpPr>
+          <a:xfrm>
+            <a:off x="752858" y="744469"/>
+            <a:ext cx="10674117" cy="5349671"/>
+            <a:chOff x="752858" y="744469"/>
+            <a:chExt cx="10674117" cy="5349671"/>
+          </a:xfrm>
+        </p:grpSpPr>
+        <p:sp>
+          <p:nvSpPr>
+            <p:cNvPr id="24" name="Freeform 6">
+              <a:extLst>
+                <a:ext uri="{FF2B5EF4-FFF2-40B4-BE49-F238E27FC236}">
+                  <a16:creationId xmlns:a16="http://schemas.microsoft.com/office/drawing/2014/main" id="{2CF6E46A-CCCD-4728-B011-E147B23629A3}"/>
+                </a:ext>
+                <a:ext uri="{C183D7F6-B498-43B3-948B-1728B52AA6E4}">
+                  <adec:decorative xmlns:adec="http://schemas.microsoft.com/office/drawing/2017/decorative" val="1"/>
+                </a:ext>
+              </a:extLst>
+            </p:cNvPr>
+            <p:cNvSpPr/>
+            <p:nvPr>
+              <p:extLst>
+                <p:ext uri="{386F3935-93C4-4BCD-93E2-E3B085C9AB24}">
+                  <p16:designElem xmlns:p16="http://schemas.microsoft.com/office/powerpoint/2015/main" val="1"/>
+                </p:ext>
+              </p:extLst>
+            </p:nvPr>
+          </p:nvSpPr>
+          <p:spPr bwMode="auto">
+            <a:xfrm>
+              <a:off x="8151962" y="1685652"/>
+              <a:ext cx="3275013" cy="4408488"/>
+            </a:xfrm>
+            <a:custGeom>
+              <a:avLst/>
+              <a:gdLst/>
+              <a:ahLst/>
+              <a:cxnLst/>
+              <a:rect l="l" t="t" r="r" b="b"/>
+              <a:pathLst>
+                <a:path w="10000" h="10000">
+                  <a:moveTo>
+                    <a:pt x="8761" y="0"/>
+                  </a:moveTo>
+                  <a:lnTo>
+                    <a:pt x="10000" y="0"/>
+                  </a:lnTo>
+                  <a:lnTo>
+                    <a:pt x="10000" y="10000"/>
+                  </a:lnTo>
+                  <a:lnTo>
+                    <a:pt x="0" y="10000"/>
+                  </a:lnTo>
+                  <a:lnTo>
+                    <a:pt x="0" y="9126"/>
+                  </a:lnTo>
+                  <a:lnTo>
+                    <a:pt x="8761" y="9127"/>
+                  </a:lnTo>
+                  <a:lnTo>
+                    <a:pt x="8761" y="0"/>
+                  </a:lnTo>
+                  <a:close/>
+                </a:path>
+              </a:pathLst>
+            </a:custGeom>
+            <a:solidFill>
+              <a:schemeClr val="tx2"/>
+            </a:solidFill>
+            <a:ln w="0">
+              <a:noFill/>
+              <a:prstDash val="solid"/>
+              <a:round/>
+              <a:headEnd/>
+              <a:tailEnd/>
+            </a:ln>
+          </p:spPr>
+        </p:sp>
+        <p:sp>
+          <p:nvSpPr>
+            <p:cNvPr id="25" name="Freeform 6">
+              <a:extLst>
+                <a:ext uri="{FF2B5EF4-FFF2-40B4-BE49-F238E27FC236}">
+                  <a16:creationId xmlns:a16="http://schemas.microsoft.com/office/drawing/2014/main" id="{2E2C684B-30C9-4689-A529-EBF1B8ADB215}"/>
+                </a:ext>
+                <a:ext uri="{C183D7F6-B498-43B3-948B-1728B52AA6E4}">
+                  <adec:decorative xmlns:adec="http://schemas.microsoft.com/office/drawing/2017/decorative" val="1"/>
+                </a:ext>
+              </a:extLst>
+            </p:cNvPr>
+            <p:cNvSpPr/>
+            <p:nvPr>
+              <p:extLst>
+                <p:ext uri="{386F3935-93C4-4BCD-93E2-E3B085C9AB24}">
+                  <p16:designElem xmlns:p16="http://schemas.microsoft.com/office/powerpoint/2015/main" val="1"/>
+                </p:ext>
+              </p:extLst>
+            </p:nvPr>
+          </p:nvSpPr>
+          <p:spPr bwMode="auto">
+            <a:xfrm flipH="1" flipV="1">
+              <a:off x="752858" y="744469"/>
+              <a:ext cx="3275668" cy="4408488"/>
+            </a:xfrm>
+            <a:custGeom>
+              <a:avLst/>
+              <a:gdLst/>
+              <a:ahLst/>
+              <a:cxnLst/>
+              <a:rect l="l" t="t" r="r" b="b"/>
+              <a:pathLst>
+                <a:path w="10002" h="10000">
+                  <a:moveTo>
+                    <a:pt x="8763" y="0"/>
+                  </a:moveTo>
+                  <a:lnTo>
+                    <a:pt x="10002" y="0"/>
+                  </a:lnTo>
+                  <a:lnTo>
+                    <a:pt x="10002" y="10000"/>
+                  </a:lnTo>
+                  <a:lnTo>
+                    <a:pt x="2" y="10000"/>
+                  </a:lnTo>
+                  <a:cubicBezTo>
+                    <a:pt x="-2" y="9698"/>
+                    <a:pt x="4" y="9427"/>
+                    <a:pt x="0" y="9125"/>
+                  </a:cubicBezTo>
+                  <a:lnTo>
+                    <a:pt x="8763" y="9128"/>
+                  </a:lnTo>
+                  <a:lnTo>
+                    <a:pt x="8763" y="0"/>
+                  </a:lnTo>
+                  <a:close/>
+                </a:path>
+              </a:pathLst>
+            </a:custGeom>
+            <a:solidFill>
+              <a:schemeClr val="tx2"/>
+            </a:solidFill>
+            <a:ln w="0">
+              <a:noFill/>
+              <a:prstDash val="solid"/>
+              <a:round/>
+              <a:headEnd/>
+              <a:tailEnd/>
+            </a:ln>
+          </p:spPr>
+        </p:sp>
+      </p:grpSp>
+      <p:sp useBgFill="1">
+        <p:nvSpPr>
+          <p:cNvPr id="27" name="Rectangle 26">
+            <a:extLst>
+              <a:ext uri="{FF2B5EF4-FFF2-40B4-BE49-F238E27FC236}">
+                <a16:creationId xmlns:a16="http://schemas.microsoft.com/office/drawing/2014/main" id="{9ECB0E0D-AC1B-4E83-84EA-237BFA20636D}"/>
+              </a:ext>
+              <a:ext uri="{C183D7F6-B498-43B3-948B-1728B52AA6E4}">
+                <adec:decorative xmlns:adec="http://schemas.microsoft.com/office/drawing/2017/decorative" val="1"/>
               </a:ext>
             </a:extLst>
           </p:cNvPr>
           <p:cNvSpPr>
-            <a:spLocks noGrp="1"/>
+            <a:spLocks noGrp="1" noRot="1" noChangeAspect="1" noMove="1" noResize="1" noEditPoints="1" noAdjustHandles="1" noChangeArrowheads="1" noChangeShapeType="1" noTextEdit="1"/>
           </p:cNvSpPr>
           <p:nvPr>
-            <p:ph type="title"/>
+            <p:extLst>
+              <p:ext uri="{386F3935-93C4-4BCD-93E2-E3B085C9AB24}">
+                <p16:designElem xmlns:p16="http://schemas.microsoft.com/office/powerpoint/2015/main" val="1"/>
+              </p:ext>
+            </p:extLst>
           </p:nvPr>
         </p:nvSpPr>
-        <p:spPr>
-          <a:xfrm>
-            <a:off x="1371600" y="685800"/>
-            <a:ext cx="9601200" cy="1485900"/>
-          </a:xfrm>
-        </p:spPr>
-        <p:txBody>
-          <a:bodyPr/>
-          <a:lstStyle/>
-          <a:p>
-            <a:r>
-              <a:rPr lang="de-DE"/>
-              <a:t>First attempt:</a:t>
-            </a:r>
-            <a:br>
-              <a:rPr lang="de-DE"/>
-            </a:br>
-            <a:r>
-              <a:rPr lang="de-DE"/>
-              <a:t>Skin Detection</a:t>
-            </a:r>
-            <a:endParaRPr lang="de-DE" dirty="0"/>
-          </a:p>
-        </p:txBody>
-      </p:sp>
-      <p:pic>
-        <p:nvPicPr>
-          <p:cNvPr id="4" name="Inhaltsplatzhalter 3">
-            <a:extLst>
-              <a:ext uri="{FF2B5EF4-FFF2-40B4-BE49-F238E27FC236}">
-                <a16:creationId xmlns:a16="http://schemas.microsoft.com/office/drawing/2014/main" id="{6BA14B36-B72B-47EE-929B-68DC7FC44D7F}"/>
-              </a:ext>
-            </a:extLst>
-          </p:cNvPr>
-          <p:cNvPicPr>
-            <a:picLocks noGrp="1" noChangeAspect="1"/>
-          </p:cNvPicPr>
-          <p:nvPr>
-            <p:ph idx="1"/>
-          </p:nvPr>
-        </p:nvPicPr>
-        <p:blipFill>
-          <a:blip r:embed="rId2"/>
-          <a:stretch>
-            <a:fillRect/>
-          </a:stretch>
-        </p:blipFill>
-        <p:spPr>
-          <a:xfrm>
-            <a:off x="1371601" y="2334126"/>
-            <a:ext cx="2602330" cy="3489158"/>
+        <p:spPr bwMode="grayWhite">
+          <a:xfrm>
+            <a:off x="0" y="0"/>
+            <a:ext cx="12192000" cy="6858000"/>
           </a:xfrm>
           <a:prstGeom prst="rect">
             <a:avLst/>
           </a:prstGeom>
-        </p:spPr>
-      </p:pic>
-      <p:pic>
-        <p:nvPicPr>
-          <p:cNvPr id="5" name="Grafik 4">
-            <a:extLst>
-              <a:ext uri="{FF2B5EF4-FFF2-40B4-BE49-F238E27FC236}">
-                <a16:creationId xmlns:a16="http://schemas.microsoft.com/office/drawing/2014/main" id="{A7C58531-CEAB-44DE-B0C0-193CA40E1063}"/>
-              </a:ext>
-            </a:extLst>
-          </p:cNvPr>
-          <p:cNvPicPr>
-            <a:picLocks noChangeAspect="1"/>
-          </p:cNvPicPr>
-          <p:nvPr/>
-        </p:nvPicPr>
-        <p:blipFill>
-          <a:blip r:embed="rId3"/>
-          <a:stretch>
-            <a:fillRect/>
-          </a:stretch>
-        </p:blipFill>
-        <p:spPr>
-          <a:xfrm>
-            <a:off x="5008646" y="2334126"/>
-            <a:ext cx="2602330" cy="3489157"/>
-          </a:xfrm>
-          <a:prstGeom prst="rect">
-            <a:avLst/>
-          </a:prstGeom>
-        </p:spPr>
-      </p:pic>
-      <p:pic>
-        <p:nvPicPr>
-          <p:cNvPr id="6" name="Grafik 5">
-            <a:extLst>
-              <a:ext uri="{FF2B5EF4-FFF2-40B4-BE49-F238E27FC236}">
-                <a16:creationId xmlns:a16="http://schemas.microsoft.com/office/drawing/2014/main" id="{05B256F1-4EC9-49BE-96FC-347C96FD5C2F}"/>
-              </a:ext>
-            </a:extLst>
-          </p:cNvPr>
-          <p:cNvPicPr>
-            <a:picLocks noChangeAspect="1"/>
-          </p:cNvPicPr>
-          <p:nvPr/>
-        </p:nvPicPr>
-        <p:blipFill>
-          <a:blip r:embed="rId4"/>
-          <a:stretch>
-            <a:fillRect/>
-          </a:stretch>
-        </p:blipFill>
-        <p:spPr>
-          <a:xfrm>
-            <a:off x="8645691" y="2334126"/>
-            <a:ext cx="2773828" cy="3489157"/>
-          </a:xfrm>
-          <a:prstGeom prst="rect">
-            <a:avLst/>
-          </a:prstGeom>
-        </p:spPr>
-      </p:pic>
-      <p:sp>
-        <p:nvSpPr>
-          <p:cNvPr id="7" name="Pfeil: nach rechts 6">
-            <a:extLst>
-              <a:ext uri="{FF2B5EF4-FFF2-40B4-BE49-F238E27FC236}">
-                <a16:creationId xmlns:a16="http://schemas.microsoft.com/office/drawing/2014/main" id="{C93C4DDE-3879-467D-98A5-64CE73BDC046}"/>
-              </a:ext>
-            </a:extLst>
-          </p:cNvPr>
-          <p:cNvSpPr/>
-          <p:nvPr/>
-        </p:nvSpPr>
-        <p:spPr>
-          <a:xfrm>
-            <a:off x="4151968" y="3837164"/>
-            <a:ext cx="799381" cy="483079"/>
-          </a:xfrm>
-          <a:prstGeom prst="rightArrow">
-            <a:avLst/>
-          </a:prstGeom>
+          <a:ln>
+            <a:noFill/>
+          </a:ln>
         </p:spPr>
         <p:style>
           <a:lnRef idx="2">
@@ -6647,60 +10462,279 @@
           <a:lstStyle/>
           <a:p>
             <a:pPr algn="ctr"/>
-            <a:endParaRPr lang="de-DE"/>
-          </a:p>
-        </p:txBody>
-      </p:sp>
-      <p:sp>
-        <p:nvSpPr>
-          <p:cNvPr id="14" name="Pfeil: nach rechts 13">
-            <a:extLst>
-              <a:ext uri="{FF2B5EF4-FFF2-40B4-BE49-F238E27FC236}">
-                <a16:creationId xmlns:a16="http://schemas.microsoft.com/office/drawing/2014/main" id="{5FD5066B-0011-4C19-9B6F-222000FA78E4}"/>
-              </a:ext>
-            </a:extLst>
-          </p:cNvPr>
-          <p:cNvSpPr/>
-          <p:nvPr/>
-        </p:nvSpPr>
-        <p:spPr>
-          <a:xfrm>
-            <a:off x="7783688" y="3837164"/>
-            <a:ext cx="799381" cy="483079"/>
-          </a:xfrm>
-          <a:prstGeom prst="rightArrow">
+            <a:endParaRPr lang="en-US"/>
+          </a:p>
+        </p:txBody>
+      </p:sp>
+      <p:grpSp>
+        <p:nvGrpSpPr>
+          <p:cNvPr id="29" name="Group 28">
+            <a:extLst>
+              <a:ext uri="{FF2B5EF4-FFF2-40B4-BE49-F238E27FC236}">
+                <a16:creationId xmlns:a16="http://schemas.microsoft.com/office/drawing/2014/main" id="{D6DCB3B1-E1A7-4510-831B-77C8EFF566AC}"/>
+              </a:ext>
+              <a:ext uri="{C183D7F6-B498-43B3-948B-1728B52AA6E4}">
+                <adec:decorative xmlns:adec="http://schemas.microsoft.com/office/drawing/2017/decorative" val="1"/>
+              </a:ext>
+            </a:extLst>
+          </p:cNvPr>
+          <p:cNvGrpSpPr>
+            <a:grpSpLocks noGrp="1" noUngrp="1" noRot="1" noChangeAspect="1" noMove="1" noResize="1"/>
+          </p:cNvGrpSpPr>
+          <p:nvPr>
+            <p:extLst>
+              <p:ext uri="{386F3935-93C4-4BCD-93E2-E3B085C9AB24}">
+                <p16:designElem xmlns:p16="http://schemas.microsoft.com/office/powerpoint/2015/main" val="1"/>
+              </p:ext>
+            </p:extLst>
+          </p:nvPr>
+        </p:nvGrpSpPr>
+        <p:grpSpPr>
+          <a:xfrm>
+            <a:off x="752858" y="744469"/>
+            <a:ext cx="10674117" cy="5349671"/>
+            <a:chOff x="752858" y="744469"/>
+            <a:chExt cx="10674117" cy="5349671"/>
+          </a:xfrm>
+        </p:grpSpPr>
+        <p:sp>
+          <p:nvSpPr>
+            <p:cNvPr id="30" name="Freeform 6">
+              <a:extLst>
+                <a:ext uri="{FF2B5EF4-FFF2-40B4-BE49-F238E27FC236}">
+                  <a16:creationId xmlns:a16="http://schemas.microsoft.com/office/drawing/2014/main" id="{10132A3B-10CF-4EEB-BA1F-A63D2ED61D79}"/>
+                </a:ext>
+                <a:ext uri="{C183D7F6-B498-43B3-948B-1728B52AA6E4}">
+                  <adec:decorative xmlns:adec="http://schemas.microsoft.com/office/drawing/2017/decorative" val="1"/>
+                </a:ext>
+              </a:extLst>
+            </p:cNvPr>
+            <p:cNvSpPr/>
+            <p:nvPr>
+              <p:extLst>
+                <p:ext uri="{386F3935-93C4-4BCD-93E2-E3B085C9AB24}">
+                  <p16:designElem xmlns:p16="http://schemas.microsoft.com/office/powerpoint/2015/main" val="1"/>
+                </p:ext>
+              </p:extLst>
+            </p:nvPr>
+          </p:nvSpPr>
+          <p:spPr bwMode="auto">
+            <a:xfrm>
+              <a:off x="8151962" y="1685652"/>
+              <a:ext cx="3275013" cy="4408488"/>
+            </a:xfrm>
+            <a:custGeom>
+              <a:avLst/>
+              <a:gdLst/>
+              <a:ahLst/>
+              <a:cxnLst/>
+              <a:rect l="l" t="t" r="r" b="b"/>
+              <a:pathLst>
+                <a:path w="10000" h="10000">
+                  <a:moveTo>
+                    <a:pt x="8761" y="0"/>
+                  </a:moveTo>
+                  <a:lnTo>
+                    <a:pt x="10000" y="0"/>
+                  </a:lnTo>
+                  <a:lnTo>
+                    <a:pt x="10000" y="10000"/>
+                  </a:lnTo>
+                  <a:lnTo>
+                    <a:pt x="0" y="10000"/>
+                  </a:lnTo>
+                  <a:lnTo>
+                    <a:pt x="0" y="9126"/>
+                  </a:lnTo>
+                  <a:lnTo>
+                    <a:pt x="8761" y="9127"/>
+                  </a:lnTo>
+                  <a:lnTo>
+                    <a:pt x="8761" y="0"/>
+                  </a:lnTo>
+                  <a:close/>
+                </a:path>
+              </a:pathLst>
+            </a:custGeom>
+            <a:solidFill>
+              <a:schemeClr val="tx2"/>
+            </a:solidFill>
+            <a:ln w="0">
+              <a:noFill/>
+              <a:prstDash val="solid"/>
+              <a:round/>
+              <a:headEnd/>
+              <a:tailEnd/>
+            </a:ln>
+          </p:spPr>
+        </p:sp>
+        <p:sp>
+          <p:nvSpPr>
+            <p:cNvPr id="31" name="Freeform 6">
+              <a:extLst>
+                <a:ext uri="{FF2B5EF4-FFF2-40B4-BE49-F238E27FC236}">
+                  <a16:creationId xmlns:a16="http://schemas.microsoft.com/office/drawing/2014/main" id="{014E52ED-3C51-46E6-BE4B-14FFAB2C3DB8}"/>
+                </a:ext>
+                <a:ext uri="{C183D7F6-B498-43B3-948B-1728B52AA6E4}">
+                  <adec:decorative xmlns:adec="http://schemas.microsoft.com/office/drawing/2017/decorative" val="1"/>
+                </a:ext>
+              </a:extLst>
+            </p:cNvPr>
+            <p:cNvSpPr/>
+            <p:nvPr>
+              <p:extLst>
+                <p:ext uri="{386F3935-93C4-4BCD-93E2-E3B085C9AB24}">
+                  <p16:designElem xmlns:p16="http://schemas.microsoft.com/office/powerpoint/2015/main" val="1"/>
+                </p:ext>
+              </p:extLst>
+            </p:nvPr>
+          </p:nvSpPr>
+          <p:spPr bwMode="auto">
+            <a:xfrm flipH="1" flipV="1">
+              <a:off x="752858" y="744469"/>
+              <a:ext cx="3275668" cy="4408488"/>
+            </a:xfrm>
+            <a:custGeom>
+              <a:avLst/>
+              <a:gdLst/>
+              <a:ahLst/>
+              <a:cxnLst/>
+              <a:rect l="l" t="t" r="r" b="b"/>
+              <a:pathLst>
+                <a:path w="10002" h="10000">
+                  <a:moveTo>
+                    <a:pt x="8763" y="0"/>
+                  </a:moveTo>
+                  <a:lnTo>
+                    <a:pt x="10002" y="0"/>
+                  </a:lnTo>
+                  <a:lnTo>
+                    <a:pt x="10002" y="10000"/>
+                  </a:lnTo>
+                  <a:lnTo>
+                    <a:pt x="2" y="10000"/>
+                  </a:lnTo>
+                  <a:cubicBezTo>
+                    <a:pt x="-2" y="9698"/>
+                    <a:pt x="4" y="9427"/>
+                    <a:pt x="0" y="9125"/>
+                  </a:cubicBezTo>
+                  <a:lnTo>
+                    <a:pt x="8763" y="9128"/>
+                  </a:lnTo>
+                  <a:lnTo>
+                    <a:pt x="8763" y="0"/>
+                  </a:lnTo>
+                  <a:close/>
+                </a:path>
+              </a:pathLst>
+            </a:custGeom>
+            <a:solidFill>
+              <a:schemeClr val="tx2"/>
+            </a:solidFill>
+            <a:ln w="0">
+              <a:noFill/>
+              <a:prstDash val="solid"/>
+              <a:round/>
+              <a:headEnd/>
+              <a:tailEnd/>
+            </a:ln>
+          </p:spPr>
+        </p:sp>
+      </p:grpSp>
+      <p:sp>
+        <p:nvSpPr>
+          <p:cNvPr id="2" name="Titel 1">
+            <a:extLst>
+              <a:ext uri="{FF2B5EF4-FFF2-40B4-BE49-F238E27FC236}">
+                <a16:creationId xmlns:a16="http://schemas.microsoft.com/office/drawing/2014/main" id="{B2636F42-E885-4E06-95A8-01756B314FA7}"/>
+              </a:ext>
+            </a:extLst>
+          </p:cNvPr>
+          <p:cNvSpPr>
+            <a:spLocks noGrp="1"/>
+          </p:cNvSpPr>
+          <p:nvPr>
+            <p:ph type="title"/>
+          </p:nvPr>
+        </p:nvSpPr>
+        <p:spPr>
+          <a:xfrm>
+            <a:off x="1478521" y="1480930"/>
+            <a:ext cx="5751537" cy="3848521"/>
+          </a:xfrm>
+        </p:spPr>
+        <p:txBody>
+          <a:bodyPr vert="horz" lIns="91440" tIns="45720" rIns="91440" bIns="45720" rtlCol="0" anchor="ctr">
+            <a:normAutofit/>
+          </a:bodyPr>
+          <a:lstStyle/>
+          <a:p>
+            <a:pPr algn="r"/>
+            <a:r>
+              <a:rPr lang="en-US" sz="5600" cap="all"/>
+              <a:t>Segmentierung</a:t>
+            </a:r>
+          </a:p>
+        </p:txBody>
+      </p:sp>
+      <p:cxnSp>
+        <p:nvCxnSpPr>
+          <p:cNvPr id="33" name="Straight Connector 32">
+            <a:extLst>
+              <a:ext uri="{FF2B5EF4-FFF2-40B4-BE49-F238E27FC236}">
+                <a16:creationId xmlns:a16="http://schemas.microsoft.com/office/drawing/2014/main" id="{6116DDC6-8F07-46CC-8751-E5C9346B2A08}"/>
+              </a:ext>
+              <a:ext uri="{C183D7F6-B498-43B3-948B-1728B52AA6E4}">
+                <adec:decorative xmlns:adec="http://schemas.microsoft.com/office/drawing/2017/decorative" val="1"/>
+              </a:ext>
+            </a:extLst>
+          </p:cNvPr>
+          <p:cNvCxnSpPr>
+            <a:cxnSpLocks noGrp="1" noRot="1" noChangeAspect="1" noMove="1" noResize="1" noEditPoints="1" noAdjustHandles="1" noChangeArrowheads="1" noChangeShapeType="1"/>
+          </p:cNvCxnSpPr>
+          <p:nvPr>
+            <p:extLst>
+              <p:ext uri="{386F3935-93C4-4BCD-93E2-E3B085C9AB24}">
+                <p16:designElem xmlns:p16="http://schemas.microsoft.com/office/powerpoint/2015/main" val="1"/>
+              </p:ext>
+            </p:extLst>
+          </p:nvPr>
+        </p:nvCxnSpPr>
+        <p:spPr>
+          <a:xfrm>
+            <a:off x="7674964" y="2388358"/>
+            <a:ext cx="0" cy="1856096"/>
+          </a:xfrm>
+          <a:prstGeom prst="line">
             <a:avLst/>
           </a:prstGeom>
+          <a:ln w="25400" cap="sq">
+            <a:solidFill>
+              <a:schemeClr val="tx1"/>
+            </a:solidFill>
+            <a:miter lim="800000"/>
+          </a:ln>
         </p:spPr>
         <p:style>
-          <a:lnRef idx="2">
-            <a:schemeClr val="accent1">
-              <a:shade val="50000"/>
-            </a:schemeClr>
+          <a:lnRef idx="1">
+            <a:schemeClr val="accent1"/>
           </a:lnRef>
-          <a:fillRef idx="1">
+          <a:fillRef idx="0">
             <a:schemeClr val="accent1"/>
           </a:fillRef>
           <a:effectRef idx="0">
             <a:schemeClr val="accent1"/>
           </a:effectRef>
           <a:fontRef idx="minor">
-            <a:schemeClr val="lt1"/>
+            <a:schemeClr val="tx1"/>
           </a:fontRef>
         </p:style>
-        <p:txBody>
-          <a:bodyPr rtlCol="0" anchor="ctr"/>
-          <a:lstStyle/>
-          <a:p>
-            <a:pPr algn="ctr"/>
-            <a:endParaRPr lang="de-DE"/>
-          </a:p>
-        </p:txBody>
-      </p:sp>
+      </p:cxnSp>
     </p:spTree>
     <p:extLst>
       <p:ext uri="{BB962C8B-B14F-4D97-AF65-F5344CB8AC3E}">
-        <p14:creationId xmlns:p14="http://schemas.microsoft.com/office/powerpoint/2010/main" val="4011837298"/>
+        <p14:creationId xmlns:p14="http://schemas.microsoft.com/office/powerpoint/2010/main" val="3231040077"/>
       </p:ext>
     </p:extLst>
   </p:cSld>
@@ -6732,7 +10766,7 @@
           <p:cNvPr id="2" name="Titel 1">
             <a:extLst>
               <a:ext uri="{FF2B5EF4-FFF2-40B4-BE49-F238E27FC236}">
-                <a16:creationId xmlns:a16="http://schemas.microsoft.com/office/drawing/2014/main" id="{D6B1C9ED-F07B-4194-AD5C-2243A720F292}"/>
+                <a16:creationId xmlns:a16="http://schemas.microsoft.com/office/drawing/2014/main" id="{37D4AB2A-34A8-4B2A-AB96-6BB32E119EF3}"/>
               </a:ext>
             </a:extLst>
           </p:cNvPr>
@@ -6743,30 +10777,30 @@
             <p:ph type="title"/>
           </p:nvPr>
         </p:nvSpPr>
-        <p:spPr/>
+        <p:spPr>
+          <a:xfrm>
+            <a:off x="1371600" y="685800"/>
+            <a:ext cx="9601200" cy="1485900"/>
+          </a:xfrm>
+        </p:spPr>
         <p:txBody>
           <a:bodyPr/>
           <a:lstStyle/>
           <a:p>
             <a:r>
+              <a:rPr lang="de-DE" dirty="0"/>
+              <a:t>Erster Versuch:</a:t>
+            </a:r>
+            <a:br>
+              <a:rPr lang="de-DE" dirty="0"/>
+            </a:br>
+            <a:r>
+              <a:rPr lang="de-DE" dirty="0"/>
+              <a:t>Skin </a:t>
+            </a:r>
+            <a:r>
               <a:rPr lang="de-DE" dirty="0" err="1"/>
-              <a:t>Good</a:t>
-            </a:r>
-            <a:r>
-              <a:rPr lang="de-DE" dirty="0"/>
-              <a:t> </a:t>
-            </a:r>
-            <a:r>
-              <a:rPr lang="de-DE" dirty="0" err="1"/>
-              <a:t>results</a:t>
-            </a:r>
-            <a:r>
-              <a:rPr lang="de-DE" dirty="0"/>
-              <a:t> at </a:t>
-            </a:r>
-            <a:r>
-              <a:rPr lang="de-DE" dirty="0" err="1"/>
-              <a:t>first</a:t>
+              <a:t>Detection</a:t>
             </a:r>
             <a:endParaRPr lang="de-DE" dirty="0"/>
           </a:p>
@@ -6777,7 +10811,7 @@
           <p:cNvPr id="4" name="Inhaltsplatzhalter 3">
             <a:extLst>
               <a:ext uri="{FF2B5EF4-FFF2-40B4-BE49-F238E27FC236}">
-                <a16:creationId xmlns:a16="http://schemas.microsoft.com/office/drawing/2014/main" id="{15C26273-1C38-4E26-93DE-0E07090A0FC5}"/>
+                <a16:creationId xmlns:a16="http://schemas.microsoft.com/office/drawing/2014/main" id="{6BA14B36-B72B-47EE-929B-68DC7FC44D7F}"/>
               </a:ext>
             </a:extLst>
           </p:cNvPr>
@@ -6796,8 +10830,8 @@
         </p:blipFill>
         <p:spPr>
           <a:xfrm>
-            <a:off x="2307288" y="2171700"/>
-            <a:ext cx="2847160" cy="3581400"/>
+            <a:off x="1371601" y="2334126"/>
+            <a:ext cx="2602330" cy="3489158"/>
           </a:xfrm>
           <a:prstGeom prst="rect">
             <a:avLst/>
@@ -6809,7 +10843,7 @@
           <p:cNvPr id="5" name="Grafik 4">
             <a:extLst>
               <a:ext uri="{FF2B5EF4-FFF2-40B4-BE49-F238E27FC236}">
-                <a16:creationId xmlns:a16="http://schemas.microsoft.com/office/drawing/2014/main" id="{54D9AA51-8E7E-4AC4-94E5-619A49AC9A8E}"/>
+                <a16:creationId xmlns:a16="http://schemas.microsoft.com/office/drawing/2014/main" id="{A7C58531-CEAB-44DE-B0C0-193CA40E1063}"/>
               </a:ext>
             </a:extLst>
           </p:cNvPr>
@@ -6826,20 +10860,50 @@
         </p:blipFill>
         <p:spPr>
           <a:xfrm>
-            <a:off x="7193632" y="2171700"/>
-            <a:ext cx="2691080" cy="3581400"/>
+            <a:off x="5008646" y="2334126"/>
+            <a:ext cx="2602330" cy="3489157"/>
           </a:xfrm>
           <a:prstGeom prst="rect">
             <a:avLst/>
           </a:prstGeom>
         </p:spPr>
       </p:pic>
-      <p:sp>
-        <p:nvSpPr>
-          <p:cNvPr id="6" name="Pfeil: nach rechts 5">
-            <a:extLst>
-              <a:ext uri="{FF2B5EF4-FFF2-40B4-BE49-F238E27FC236}">
-                <a16:creationId xmlns:a16="http://schemas.microsoft.com/office/drawing/2014/main" id="{FCF721D3-FD8F-440A-8384-6CB6A2D3F26C}"/>
+      <p:pic>
+        <p:nvPicPr>
+          <p:cNvPr id="6" name="Grafik 5">
+            <a:extLst>
+              <a:ext uri="{FF2B5EF4-FFF2-40B4-BE49-F238E27FC236}">
+                <a16:creationId xmlns:a16="http://schemas.microsoft.com/office/drawing/2014/main" id="{05B256F1-4EC9-49BE-96FC-347C96FD5C2F}"/>
+              </a:ext>
+            </a:extLst>
+          </p:cNvPr>
+          <p:cNvPicPr>
+            <a:picLocks noChangeAspect="1"/>
+          </p:cNvPicPr>
+          <p:nvPr/>
+        </p:nvPicPr>
+        <p:blipFill>
+          <a:blip r:embed="rId4"/>
+          <a:stretch>
+            <a:fillRect/>
+          </a:stretch>
+        </p:blipFill>
+        <p:spPr>
+          <a:xfrm>
+            <a:off x="8645691" y="2334126"/>
+            <a:ext cx="2773828" cy="3489157"/>
+          </a:xfrm>
+          <a:prstGeom prst="rect">
+            <a:avLst/>
+          </a:prstGeom>
+        </p:spPr>
+      </p:pic>
+      <p:sp>
+        <p:nvSpPr>
+          <p:cNvPr id="7" name="Pfeil: nach rechts 6">
+            <a:extLst>
+              <a:ext uri="{FF2B5EF4-FFF2-40B4-BE49-F238E27FC236}">
+                <a16:creationId xmlns:a16="http://schemas.microsoft.com/office/drawing/2014/main" id="{C93C4DDE-3879-467D-98A5-64CE73BDC046}"/>
               </a:ext>
             </a:extLst>
           </p:cNvPr>
@@ -6848,8 +10912,8 @@
         </p:nvSpPr>
         <p:spPr>
           <a:xfrm>
-            <a:off x="5458047" y="3623094"/>
-            <a:ext cx="1431985" cy="678612"/>
+            <a:off x="4151968" y="3837164"/>
+            <a:ext cx="799381" cy="483079"/>
           </a:xfrm>
           <a:prstGeom prst="rightArrow">
             <a:avLst/>
@@ -6880,10 +10944,56 @@
           </a:p>
         </p:txBody>
       </p:sp>
+      <p:sp>
+        <p:nvSpPr>
+          <p:cNvPr id="14" name="Pfeil: nach rechts 13">
+            <a:extLst>
+              <a:ext uri="{FF2B5EF4-FFF2-40B4-BE49-F238E27FC236}">
+                <a16:creationId xmlns:a16="http://schemas.microsoft.com/office/drawing/2014/main" id="{5FD5066B-0011-4C19-9B6F-222000FA78E4}"/>
+              </a:ext>
+            </a:extLst>
+          </p:cNvPr>
+          <p:cNvSpPr/>
+          <p:nvPr/>
+        </p:nvSpPr>
+        <p:spPr>
+          <a:xfrm>
+            <a:off x="7783688" y="3837164"/>
+            <a:ext cx="799381" cy="483079"/>
+          </a:xfrm>
+          <a:prstGeom prst="rightArrow">
+            <a:avLst/>
+          </a:prstGeom>
+        </p:spPr>
+        <p:style>
+          <a:lnRef idx="2">
+            <a:schemeClr val="accent1">
+              <a:shade val="50000"/>
+            </a:schemeClr>
+          </a:lnRef>
+          <a:fillRef idx="1">
+            <a:schemeClr val="accent1"/>
+          </a:fillRef>
+          <a:effectRef idx="0">
+            <a:schemeClr val="accent1"/>
+          </a:effectRef>
+          <a:fontRef idx="minor">
+            <a:schemeClr val="lt1"/>
+          </a:fontRef>
+        </p:style>
+        <p:txBody>
+          <a:bodyPr rtlCol="0" anchor="ctr"/>
+          <a:lstStyle/>
+          <a:p>
+            <a:pPr algn="ctr"/>
+            <a:endParaRPr lang="de-DE"/>
+          </a:p>
+        </p:txBody>
+      </p:sp>
     </p:spTree>
     <p:extLst>
       <p:ext uri="{BB962C8B-B14F-4D97-AF65-F5344CB8AC3E}">
-        <p14:creationId xmlns:p14="http://schemas.microsoft.com/office/powerpoint/2010/main" val="712588021"/>
+        <p14:creationId xmlns:p14="http://schemas.microsoft.com/office/powerpoint/2010/main" val="4011837298"/>
       </p:ext>
     </p:extLst>
   </p:cSld>
@@ -6915,7 +11025,7 @@
           <p:cNvPr id="2" name="Titel 1">
             <a:extLst>
               <a:ext uri="{FF2B5EF4-FFF2-40B4-BE49-F238E27FC236}">
-                <a16:creationId xmlns:a16="http://schemas.microsoft.com/office/drawing/2014/main" id="{4DAB6E64-6785-45BB-AC2C-2CAC212A8755}"/>
+                <a16:creationId xmlns:a16="http://schemas.microsoft.com/office/drawing/2014/main" id="{D6B1C9ED-F07B-4194-AD5C-2243A720F292}"/>
               </a:ext>
             </a:extLst>
           </p:cNvPr>
@@ -6926,50 +11036,24 @@
             <p:ph type="title"/>
           </p:nvPr>
         </p:nvSpPr>
-        <p:spPr>
-          <a:xfrm>
-            <a:off x="1371600" y="685800"/>
-            <a:ext cx="9601200" cy="1485900"/>
-          </a:xfrm>
-        </p:spPr>
+        <p:spPr/>
         <p:txBody>
           <a:bodyPr/>
           <a:lstStyle/>
           <a:p>
             <a:r>
               <a:rPr lang="de-DE" dirty="0"/>
-              <a:t>Poor </a:t>
-            </a:r>
-            <a:r>
-              <a:rPr lang="de-DE" dirty="0" err="1"/>
-              <a:t>results</a:t>
-            </a:r>
-            <a:r>
-              <a:rPr lang="de-DE" dirty="0"/>
-              <a:t> after </a:t>
-            </a:r>
-            <a:r>
-              <a:rPr lang="de-DE" dirty="0" err="1"/>
-              <a:t>several</a:t>
-            </a:r>
-            <a:r>
-              <a:rPr lang="de-DE" dirty="0"/>
-              <a:t> </a:t>
-            </a:r>
-            <a:r>
-              <a:rPr lang="de-DE" dirty="0" err="1"/>
-              <a:t>tests</a:t>
-            </a:r>
-            <a:endParaRPr lang="de-DE" dirty="0"/>
+              <a:t>Anfangs gute Ergebnisse</a:t>
+            </a:r>
           </a:p>
         </p:txBody>
       </p:sp>
       <p:pic>
         <p:nvPicPr>
-          <p:cNvPr id="8" name="Inhaltsplatzhalter 7">
-            <a:extLst>
-              <a:ext uri="{FF2B5EF4-FFF2-40B4-BE49-F238E27FC236}">
-                <a16:creationId xmlns:a16="http://schemas.microsoft.com/office/drawing/2014/main" id="{DFF85F31-85BF-4B2D-88CA-9C5043317ADF}"/>
+          <p:cNvPr id="4" name="Inhaltsplatzhalter 3">
+            <a:extLst>
+              <a:ext uri="{FF2B5EF4-FFF2-40B4-BE49-F238E27FC236}">
+                <a16:creationId xmlns:a16="http://schemas.microsoft.com/office/drawing/2014/main" id="{15C26273-1C38-4E26-93DE-0E07090A0FC5}"/>
               </a:ext>
             </a:extLst>
           </p:cNvPr>
@@ -6988,8 +11072,8 @@
         </p:blipFill>
         <p:spPr>
           <a:xfrm>
-            <a:off x="6578187" y="2340141"/>
-            <a:ext cx="4944743" cy="3164305"/>
+            <a:off x="2307288" y="2171700"/>
+            <a:ext cx="2847160" cy="3581400"/>
           </a:xfrm>
           <a:prstGeom prst="rect">
             <a:avLst/>
@@ -6998,10 +11082,10 @@
       </p:pic>
       <p:pic>
         <p:nvPicPr>
-          <p:cNvPr id="7" name="Grafik 6">
-            <a:extLst>
-              <a:ext uri="{FF2B5EF4-FFF2-40B4-BE49-F238E27FC236}">
-                <a16:creationId xmlns:a16="http://schemas.microsoft.com/office/drawing/2014/main" id="{F458E655-0C52-4009-BF28-4E9D073FC086}"/>
+          <p:cNvPr id="5" name="Grafik 4">
+            <a:extLst>
+              <a:ext uri="{FF2B5EF4-FFF2-40B4-BE49-F238E27FC236}">
+                <a16:creationId xmlns:a16="http://schemas.microsoft.com/office/drawing/2014/main" id="{54D9AA51-8E7E-4AC4-94E5-619A49AC9A8E}"/>
               </a:ext>
             </a:extLst>
           </p:cNvPr>
@@ -7018,18 +11102,64 @@
         </p:blipFill>
         <p:spPr>
           <a:xfrm>
-            <a:off x="830179" y="2340141"/>
-            <a:ext cx="4783636" cy="3164305"/>
+            <a:off x="7193632" y="2171700"/>
+            <a:ext cx="2691080" cy="3581400"/>
           </a:xfrm>
           <a:prstGeom prst="rect">
             <a:avLst/>
           </a:prstGeom>
         </p:spPr>
       </p:pic>
+      <p:sp>
+        <p:nvSpPr>
+          <p:cNvPr id="6" name="Pfeil: nach rechts 5">
+            <a:extLst>
+              <a:ext uri="{FF2B5EF4-FFF2-40B4-BE49-F238E27FC236}">
+                <a16:creationId xmlns:a16="http://schemas.microsoft.com/office/drawing/2014/main" id="{FCF721D3-FD8F-440A-8384-6CB6A2D3F26C}"/>
+              </a:ext>
+            </a:extLst>
+          </p:cNvPr>
+          <p:cNvSpPr/>
+          <p:nvPr/>
+        </p:nvSpPr>
+        <p:spPr>
+          <a:xfrm>
+            <a:off x="5458047" y="3623094"/>
+            <a:ext cx="1431985" cy="678612"/>
+          </a:xfrm>
+          <a:prstGeom prst="rightArrow">
+            <a:avLst/>
+          </a:prstGeom>
+        </p:spPr>
+        <p:style>
+          <a:lnRef idx="2">
+            <a:schemeClr val="accent1">
+              <a:shade val="50000"/>
+            </a:schemeClr>
+          </a:lnRef>
+          <a:fillRef idx="1">
+            <a:schemeClr val="accent1"/>
+          </a:fillRef>
+          <a:effectRef idx="0">
+            <a:schemeClr val="accent1"/>
+          </a:effectRef>
+          <a:fontRef idx="minor">
+            <a:schemeClr val="lt1"/>
+          </a:fontRef>
+        </p:style>
+        <p:txBody>
+          <a:bodyPr rtlCol="0" anchor="ctr"/>
+          <a:lstStyle/>
+          <a:p>
+            <a:pPr algn="ctr"/>
+            <a:endParaRPr lang="de-DE"/>
+          </a:p>
+        </p:txBody>
+      </p:sp>
     </p:spTree>
     <p:extLst>
       <p:ext uri="{BB962C8B-B14F-4D97-AF65-F5344CB8AC3E}">
-        <p14:creationId xmlns:p14="http://schemas.microsoft.com/office/powerpoint/2010/main" val="3646002518"/>
+        <p14:creationId xmlns:p14="http://schemas.microsoft.com/office/powerpoint/2010/main" val="712588021"/>
       </p:ext>
     </p:extLst>
   </p:cSld>
@@ -7061,7 +11191,7 @@
           <p:cNvPr id="2" name="Titel 1">
             <a:extLst>
               <a:ext uri="{FF2B5EF4-FFF2-40B4-BE49-F238E27FC236}">
-                <a16:creationId xmlns:a16="http://schemas.microsoft.com/office/drawing/2014/main" id="{020E37CE-70FE-41CA-B7E1-EBD26958AD04}"/>
+                <a16:creationId xmlns:a16="http://schemas.microsoft.com/office/drawing/2014/main" id="{4DAB6E64-6785-45BB-AC2C-2CAC212A8755}"/>
               </a:ext>
             </a:extLst>
           </p:cNvPr>
@@ -7072,163 +11202,89 @@
             <p:ph type="title"/>
           </p:nvPr>
         </p:nvSpPr>
-        <p:spPr/>
+        <p:spPr>
+          <a:xfrm>
+            <a:off x="1371600" y="685800"/>
+            <a:ext cx="9601200" cy="1485900"/>
+          </a:xfrm>
+        </p:spPr>
         <p:txBody>
           <a:bodyPr/>
           <a:lstStyle/>
           <a:p>
             <a:r>
               <a:rPr lang="de-DE" dirty="0"/>
-              <a:t>Problems </a:t>
-            </a:r>
-            <a:r>
-              <a:rPr lang="de-DE" dirty="0" err="1"/>
-              <a:t>with</a:t>
-            </a:r>
-            <a:r>
-              <a:rPr lang="de-DE" dirty="0"/>
-              <a:t> Skin </a:t>
-            </a:r>
-            <a:r>
-              <a:rPr lang="de-DE" dirty="0" err="1"/>
-              <a:t>Detection</a:t>
-            </a:r>
-            <a:endParaRPr lang="de-DE" dirty="0"/>
-          </a:p>
-        </p:txBody>
-      </p:sp>
-      <p:sp>
-        <p:nvSpPr>
-          <p:cNvPr id="3" name="Inhaltsplatzhalter 2">
-            <a:extLst>
-              <a:ext uri="{FF2B5EF4-FFF2-40B4-BE49-F238E27FC236}">
-                <a16:creationId xmlns:a16="http://schemas.microsoft.com/office/drawing/2014/main" id="{92A6E969-F633-45CC-8BBB-7593B57043A7}"/>
-              </a:ext>
-            </a:extLst>
-          </p:cNvPr>
-          <p:cNvSpPr>
-            <a:spLocks noGrp="1"/>
-          </p:cNvSpPr>
+              <a:t>Nach mehreren Tests schlechte Ergebnisse</a:t>
+            </a:r>
+          </a:p>
+        </p:txBody>
+      </p:sp>
+      <p:pic>
+        <p:nvPicPr>
+          <p:cNvPr id="8" name="Inhaltsplatzhalter 7">
+            <a:extLst>
+              <a:ext uri="{FF2B5EF4-FFF2-40B4-BE49-F238E27FC236}">
+                <a16:creationId xmlns:a16="http://schemas.microsoft.com/office/drawing/2014/main" id="{DFF85F31-85BF-4B2D-88CA-9C5043317ADF}"/>
+              </a:ext>
+            </a:extLst>
+          </p:cNvPr>
+          <p:cNvPicPr>
+            <a:picLocks noGrp="1" noChangeAspect="1"/>
+          </p:cNvPicPr>
           <p:nvPr>
             <p:ph idx="1"/>
           </p:nvPr>
-        </p:nvSpPr>
-        <p:spPr/>
-        <p:txBody>
-          <a:bodyPr/>
-          <a:lstStyle/>
-          <a:p>
-            <a:r>
-              <a:rPr lang="de-DE" dirty="0" err="1"/>
-              <a:t>Does</a:t>
-            </a:r>
-            <a:r>
-              <a:rPr lang="de-DE" dirty="0"/>
-              <a:t> not </a:t>
-            </a:r>
-            <a:r>
-              <a:rPr lang="de-DE" dirty="0" err="1"/>
-              <a:t>work</a:t>
-            </a:r>
-            <a:r>
-              <a:rPr lang="de-DE" dirty="0"/>
-              <a:t> </a:t>
-            </a:r>
-            <a:r>
-              <a:rPr lang="de-DE" dirty="0" err="1"/>
-              <a:t>with</a:t>
-            </a:r>
-            <a:r>
-              <a:rPr lang="de-DE" dirty="0"/>
-              <a:t> </a:t>
-            </a:r>
-            <a:r>
-              <a:rPr lang="de-DE" dirty="0" err="1"/>
-              <a:t>poor</a:t>
-            </a:r>
-            <a:r>
-              <a:rPr lang="de-DE" dirty="0"/>
-              <a:t> </a:t>
-            </a:r>
-            <a:r>
-              <a:rPr lang="de-DE" dirty="0" err="1"/>
-              <a:t>lighting</a:t>
-            </a:r>
-            <a:r>
-              <a:rPr lang="de-DE" dirty="0"/>
-              <a:t> </a:t>
-            </a:r>
-            <a:r>
-              <a:rPr lang="de-DE" dirty="0" err="1"/>
-              <a:t>conditions</a:t>
-            </a:r>
-            <a:endParaRPr lang="de-DE" dirty="0"/>
-          </a:p>
-          <a:p>
-            <a:r>
-              <a:rPr lang="de-DE" dirty="0"/>
-              <a:t>Can </a:t>
-            </a:r>
-            <a:r>
-              <a:rPr lang="de-DE" dirty="0" err="1"/>
-              <a:t>only</a:t>
-            </a:r>
-            <a:r>
-              <a:rPr lang="de-DE" dirty="0"/>
-              <a:t> </a:t>
-            </a:r>
-            <a:r>
-              <a:rPr lang="de-DE" dirty="0" err="1"/>
-              <a:t>detect</a:t>
-            </a:r>
-            <a:r>
-              <a:rPr lang="de-DE" dirty="0"/>
-              <a:t> </a:t>
-            </a:r>
-            <a:r>
-              <a:rPr lang="de-DE" dirty="0" err="1"/>
-              <a:t>hands</a:t>
-            </a:r>
-            <a:r>
-              <a:rPr lang="de-DE" dirty="0"/>
-              <a:t> </a:t>
-            </a:r>
-            <a:r>
-              <a:rPr lang="de-DE" dirty="0" err="1"/>
-              <a:t>with</a:t>
-            </a:r>
-            <a:r>
-              <a:rPr lang="de-DE" dirty="0"/>
-              <a:t> </a:t>
-            </a:r>
-            <a:r>
-              <a:rPr lang="de-DE" dirty="0" err="1"/>
-              <a:t>white</a:t>
-            </a:r>
-            <a:r>
-              <a:rPr lang="de-DE" dirty="0"/>
-              <a:t> </a:t>
-            </a:r>
-            <a:r>
-              <a:rPr lang="de-DE" dirty="0" err="1"/>
-              <a:t>skin</a:t>
-            </a:r>
-            <a:r>
-              <a:rPr lang="de-DE" dirty="0"/>
-              <a:t> </a:t>
-            </a:r>
-            <a:r>
-              <a:rPr lang="de-DE" dirty="0" err="1"/>
-              <a:t>color</a:t>
-            </a:r>
-            <a:endParaRPr lang="de-DE" dirty="0"/>
-          </a:p>
-        </p:txBody>
-      </p:sp>
+        </p:nvPicPr>
+        <p:blipFill>
+          <a:blip r:embed="rId2"/>
+          <a:stretch>
+            <a:fillRect/>
+          </a:stretch>
+        </p:blipFill>
+        <p:spPr>
+          <a:xfrm>
+            <a:off x="6578187" y="2340141"/>
+            <a:ext cx="4944743" cy="3164305"/>
+          </a:xfrm>
+          <a:prstGeom prst="rect">
+            <a:avLst/>
+          </a:prstGeom>
+        </p:spPr>
+      </p:pic>
+      <p:pic>
+        <p:nvPicPr>
+          <p:cNvPr id="7" name="Grafik 6">
+            <a:extLst>
+              <a:ext uri="{FF2B5EF4-FFF2-40B4-BE49-F238E27FC236}">
+                <a16:creationId xmlns:a16="http://schemas.microsoft.com/office/drawing/2014/main" id="{F458E655-0C52-4009-BF28-4E9D073FC086}"/>
+              </a:ext>
+            </a:extLst>
+          </p:cNvPr>
+          <p:cNvPicPr>
+            <a:picLocks noChangeAspect="1"/>
+          </p:cNvPicPr>
+          <p:nvPr/>
+        </p:nvPicPr>
+        <p:blipFill>
+          <a:blip r:embed="rId3"/>
+          <a:stretch>
+            <a:fillRect/>
+          </a:stretch>
+        </p:blipFill>
+        <p:spPr>
+          <a:xfrm>
+            <a:off x="830179" y="2340141"/>
+            <a:ext cx="4783636" cy="3164305"/>
+          </a:xfrm>
+          <a:prstGeom prst="rect">
+            <a:avLst/>
+          </a:prstGeom>
+        </p:spPr>
+      </p:pic>
     </p:spTree>
     <p:extLst>
       <p:ext uri="{BB962C8B-B14F-4D97-AF65-F5344CB8AC3E}">
-        <p14:creationId xmlns:p14="http://schemas.microsoft.com/office/powerpoint/2010/main" val="3291533081"/>
+        <p14:creationId xmlns:p14="http://schemas.microsoft.com/office/powerpoint/2010/main" val="3646002518"/>
       </p:ext>
     </p:extLst>
   </p:cSld>
@@ -7260,7 +11316,7 @@
           <p:cNvPr id="2" name="Titel 1">
             <a:extLst>
               <a:ext uri="{FF2B5EF4-FFF2-40B4-BE49-F238E27FC236}">
-                <a16:creationId xmlns:a16="http://schemas.microsoft.com/office/drawing/2014/main" id="{3D2066B7-3496-4FA8-90D2-1C7F1B90E46E}"/>
+                <a16:creationId xmlns:a16="http://schemas.microsoft.com/office/drawing/2014/main" id="{020E37CE-70FE-41CA-B7E1-EBD26958AD04}"/>
               </a:ext>
             </a:extLst>
           </p:cNvPr>
@@ -7278,22 +11334,7 @@
           <a:p>
             <a:r>
               <a:rPr lang="de-DE" dirty="0"/>
-              <a:t>Second </a:t>
-            </a:r>
-            <a:r>
-              <a:rPr lang="de-DE" dirty="0" err="1"/>
-              <a:t>attempt</a:t>
-            </a:r>
-            <a:r>
-              <a:rPr lang="de-DE" dirty="0"/>
-              <a:t>:</a:t>
-            </a:r>
-            <a:br>
-              <a:rPr lang="de-DE" dirty="0"/>
-            </a:br>
-            <a:r>
-              <a:rPr lang="de-DE" dirty="0"/>
-              <a:t>Edge </a:t>
+              <a:t>Probleme mit Skin </a:t>
             </a:r>
             <a:r>
               <a:rPr lang="de-DE" dirty="0" err="1"/>
@@ -7303,72 +11344,44 @@
           </a:p>
         </p:txBody>
       </p:sp>
-      <p:pic>
-        <p:nvPicPr>
-          <p:cNvPr id="4" name="Inhaltsplatzhalter 3">
-            <a:extLst>
-              <a:ext uri="{FF2B5EF4-FFF2-40B4-BE49-F238E27FC236}">
-                <a16:creationId xmlns:a16="http://schemas.microsoft.com/office/drawing/2014/main" id="{8F8A94A3-5BCE-4961-8A5C-CA9B4BF034EA}"/>
-              </a:ext>
-            </a:extLst>
-          </p:cNvPr>
-          <p:cNvPicPr>
-            <a:picLocks noGrp="1" noChangeAspect="1"/>
-          </p:cNvPicPr>
+      <p:sp>
+        <p:nvSpPr>
+          <p:cNvPr id="3" name="Inhaltsplatzhalter 2">
+            <a:extLst>
+              <a:ext uri="{FF2B5EF4-FFF2-40B4-BE49-F238E27FC236}">
+                <a16:creationId xmlns:a16="http://schemas.microsoft.com/office/drawing/2014/main" id="{92A6E969-F633-45CC-8BBB-7593B57043A7}"/>
+              </a:ext>
+            </a:extLst>
+          </p:cNvPr>
+          <p:cNvSpPr>
+            <a:spLocks noGrp="1"/>
+          </p:cNvSpPr>
           <p:nvPr>
             <p:ph idx="1"/>
           </p:nvPr>
-        </p:nvPicPr>
-        <p:blipFill>
-          <a:blip r:embed="rId2"/>
-          <a:stretch>
-            <a:fillRect/>
-          </a:stretch>
-        </p:blipFill>
-        <p:spPr>
-          <a:xfrm>
-            <a:off x="2236048" y="2370221"/>
-            <a:ext cx="3035609" cy="3581400"/>
-          </a:xfrm>
-          <a:prstGeom prst="rect">
-            <a:avLst/>
-          </a:prstGeom>
-        </p:spPr>
-      </p:pic>
-      <p:pic>
-        <p:nvPicPr>
-          <p:cNvPr id="5" name="Grafik 4">
-            <a:extLst>
-              <a:ext uri="{FF2B5EF4-FFF2-40B4-BE49-F238E27FC236}">
-                <a16:creationId xmlns:a16="http://schemas.microsoft.com/office/drawing/2014/main" id="{B4E30C6A-2BF1-46C5-A7DF-05CFFBC8D919}"/>
-              </a:ext>
-            </a:extLst>
-          </p:cNvPr>
-          <p:cNvPicPr>
-            <a:picLocks noChangeAspect="1"/>
-          </p:cNvPicPr>
-          <p:nvPr/>
-        </p:nvPicPr>
-        <p:blipFill>
-          <a:blip r:embed="rId3"/>
-          <a:stretch>
-            <a:fillRect/>
-          </a:stretch>
-        </p:blipFill>
-        <p:spPr>
-          <a:xfrm>
-            <a:off x="6920345" y="2370221"/>
-            <a:ext cx="2966496" cy="3581400"/>
-          </a:xfrm>
-          <a:prstGeom prst="rect">
-            <a:avLst/>
-          </a:prstGeom>
-        </p:spPr>
-      </p:pic>
+        </p:nvSpPr>
+        <p:spPr/>
+        <p:txBody>
+          <a:bodyPr/>
+          <a:lstStyle/>
+          <a:p>
+            <a:r>
+              <a:rPr lang="de-DE" dirty="0"/>
+              <a:t>Funktioniert nicht bei schlechten Lichtverhältnissen</a:t>
+            </a:r>
+          </a:p>
+          <a:p>
+            <a:r>
+              <a:rPr lang="de-DE" dirty="0"/>
+              <a:t>Kann nur Haut mit bestimmter Farbe erkennen</a:t>
+            </a:r>
+          </a:p>
+        </p:txBody>
+      </p:sp>
     </p:spTree>
     <p:extLst>
       <p:ext uri="{BB962C8B-B14F-4D97-AF65-F5344CB8AC3E}">
-        <p14:creationId xmlns:p14="http://schemas.microsoft.com/office/powerpoint/2010/main" val="1957000218"/>
+        <p14:creationId xmlns:p14="http://schemas.microsoft.com/office/powerpoint/2010/main" val="3291533081"/>
       </p:ext>
     </p:extLst>
   </p:cSld>
@@ -7637,6 +11650,15 @@
 </file>
 
 <file path=customXml/item1.xml><?xml version="1.0" encoding="utf-8"?>
+<?mso-contentType ?>
+<FormTemplates xmlns="http://schemas.microsoft.com/sharepoint/v3/contenttype/forms">
+  <Display>DocumentLibraryForm</Display>
+  <Edit>DocumentLibraryForm</Edit>
+  <New>DocumentLibraryForm</New>
+</FormTemplates>
+</file>
+
+<file path=customXml/item2.xml><?xml version="1.0" encoding="utf-8"?>
 <ct:contentTypeSchema xmlns:ct="http://schemas.microsoft.com/office/2006/metadata/contentType" xmlns:ma="http://schemas.microsoft.com/office/2006/metadata/properties/metaAttributes" ct:_="" ma:_="" ma:contentTypeName="Dokument" ma:contentTypeID="0x010100260D6AD4D999AD4DBC9CD68DACD50A04" ma:contentTypeVersion="8" ma:contentTypeDescription="Ein neues Dokument erstellen." ma:contentTypeScope="" ma:versionID="1ccfa89b325410868b76b4f6eb0ae963">
   <xsd:schema xmlns:xsd="http://www.w3.org/2001/XMLSchema" xmlns:xs="http://www.w3.org/2001/XMLSchema" xmlns:p="http://schemas.microsoft.com/office/2006/metadata/properties" xmlns:ns3="2ab1d7ac-5123-4e91-8d9b-f0a330e84372" targetNamespace="http://schemas.microsoft.com/office/2006/metadata/properties" ma:root="true" ma:fieldsID="93b971f0c4994b95638eb72c9a29b131" ns3:_="">
     <xsd:import namespace="2ab1d7ac-5123-4e91-8d9b-f0a330e84372"/>
@@ -7806,15 +11828,6 @@
 </ct:contentTypeSchema>
 </file>
 
-<file path=customXml/item2.xml><?xml version="1.0" encoding="utf-8"?>
-<?mso-contentType ?>
-<FormTemplates xmlns="http://schemas.microsoft.com/sharepoint/v3/contenttype/forms">
-  <Display>DocumentLibraryForm</Display>
-  <Edit>DocumentLibraryForm</Edit>
-  <New>DocumentLibraryForm</New>
-</FormTemplates>
-</file>
-
 <file path=customXml/item3.xml><?xml version="1.0" encoding="utf-8"?>
 <p:properties xmlns:p="http://schemas.microsoft.com/office/2006/metadata/properties" xmlns:xsi="http://www.w3.org/2001/XMLSchema-instance" xmlns:pc="http://schemas.microsoft.com/office/infopath/2007/PartnerControls">
   <documentManagement/>
@@ -7822,6 +11835,14 @@
 </file>
 
 <file path=customXml/itemProps1.xml><?xml version="1.0" encoding="utf-8"?>
+<ds:datastoreItem xmlns:ds="http://schemas.openxmlformats.org/officeDocument/2006/customXml" ds:itemID="{A909B12E-6EC1-4694-A23E-6930AD609FB6}">
+  <ds:schemaRefs>
+    <ds:schemaRef ds:uri="http://schemas.microsoft.com/sharepoint/v3/contenttype/forms"/>
+  </ds:schemaRefs>
+</ds:datastoreItem>
+</file>
+
+<file path=customXml/itemProps2.xml><?xml version="1.0" encoding="utf-8"?>
 <ds:datastoreItem xmlns:ds="http://schemas.openxmlformats.org/officeDocument/2006/customXml" ds:itemID="{CD3E60A4-3151-4F5C-B29E-AA9926A9AAB6}">
   <ds:schemaRefs>
     <ds:schemaRef ds:uri="http://schemas.microsoft.com/office/2006/metadata/contentType"/>
@@ -7839,14 +11860,6 @@
 </ds:datastoreItem>
 </file>
 
-<file path=customXml/itemProps2.xml><?xml version="1.0" encoding="utf-8"?>
-<ds:datastoreItem xmlns:ds="http://schemas.openxmlformats.org/officeDocument/2006/customXml" ds:itemID="{A909B12E-6EC1-4694-A23E-6930AD609FB6}">
-  <ds:schemaRefs>
-    <ds:schemaRef ds:uri="http://schemas.microsoft.com/sharepoint/v3/contenttype/forms"/>
-  </ds:schemaRefs>
-</ds:datastoreItem>
-</file>
-
 <file path=customXml/itemProps3.xml><?xml version="1.0" encoding="utf-8"?>
 <ds:datastoreItem xmlns:ds="http://schemas.openxmlformats.org/officeDocument/2006/customXml" ds:itemID="{A8073D42-84C8-46F6-A5CF-E24F2FF519DE}">
   <ds:schemaRefs>
